--- a/securemomoafrica-presentation.pptx
+++ b/securemomoafrica-presentation.pptx
@@ -23,25 +23,27 @@
     <p:sldId id="271" r:id="rId21"/>
     <p:sldId id="272" r:id="rId22"/>
     <p:sldId id="273" r:id="rId23"/>
+    <p:sldId id="274" r:id="rId24"/>
+    <p:sldId id="275" r:id="rId25"/>
   </p:sldIdLst>
   <p:sldSz cx="18288000" cy="10287000"/>
   <p:notesSz cx="6858000" cy="9144000"/>
   <p:embeddedFontLst>
     <p:embeddedFont>
       <p:font typeface="Futura Bold" charset="1" panose="020B0702020204020203"/>
-      <p:regular r:id="rId24"/>
+      <p:regular r:id="rId26"/>
     </p:embeddedFont>
     <p:embeddedFont>
       <p:font typeface="Montserrat" charset="1" panose="00000500000000000000"/>
-      <p:regular r:id="rId25"/>
+      <p:regular r:id="rId27"/>
     </p:embeddedFont>
     <p:embeddedFont>
       <p:font typeface="Montserrat Bold" charset="1" panose="00000800000000000000"/>
-      <p:regular r:id="rId26"/>
+      <p:regular r:id="rId28"/>
     </p:embeddedFont>
     <p:embeddedFont>
       <p:font typeface="Futura" charset="1" panose="020B0502020204020303"/>
-      <p:regular r:id="rId27"/>
+      <p:regular r:id="rId29"/>
     </p:embeddedFont>
   </p:embeddedFontLst>
   <p:defaultTextStyle>
@@ -3545,8 +3547,64 @@
         </p:nvSpPr>
         <p:spPr>
           <a:xfrm rot="0">
-            <a:off x="999629" y="2242433"/>
-            <a:ext cx="15320641" cy="3515182"/>
+            <a:off x="1028700" y="1264044"/>
+            <a:ext cx="15470778" cy="1372057"/>
+          </a:xfrm>
+          <a:prstGeom prst="rect">
+            <a:avLst/>
+          </a:prstGeom>
+        </p:spPr>
+        <p:txBody>
+          <a:bodyPr anchor="t" rtlCol="false" tIns="0" lIns="0" bIns="0" rIns="0">
+            <a:spAutoFit/>
+          </a:bodyPr>
+          <a:lstStyle/>
+          <a:p>
+            <a:pPr algn="l">
+              <a:lnSpc>
+                <a:spcPts val="3434"/>
+              </a:lnSpc>
+              <a:spcBef>
+                <a:spcPct val="0"/>
+              </a:spcBef>
+            </a:pPr>
+            <a:r>
+              <a:rPr lang="en-US" sz="3240" spc="25">
+                <a:solidFill>
+                  <a:srgbClr val="7C7AAC"/>
+                </a:solidFill>
+                <a:latin typeface="Futura"/>
+                <a:ea typeface="Futura"/>
+                <a:cs typeface="Futura"/>
+                <a:sym typeface="Futura"/>
+              </a:rPr>
+              <a:t>To address the vulnerabilities in mobile money</a:t>
+            </a:r>
+            <a:r>
+              <a:rPr lang="en-US" sz="3240" spc="25">
+                <a:solidFill>
+                  <a:srgbClr val="7C7AAC"/>
+                </a:solidFill>
+                <a:latin typeface="Futura"/>
+                <a:ea typeface="Futura"/>
+                <a:cs typeface="Futura"/>
+                <a:sym typeface="Futura"/>
+              </a:rPr>
+              <a:t> registration, SecureMomo introduces Pamomo, a digital money wallet that integrates digital ID verification for secure user onboarding.</a:t>
+            </a:r>
+          </a:p>
+        </p:txBody>
+      </p:sp>
+      <p:sp>
+        <p:nvSpPr>
+          <p:cNvPr name="TextBox 8" id="8"/>
+          <p:cNvSpPr txBox="true"/>
+          <p:nvPr/>
+        </p:nvSpPr>
+        <p:spPr>
+          <a:xfrm rot="0">
+            <a:off x="1028700" y="3754548"/>
+            <a:ext cx="15320641" cy="4372432"/>
           </a:xfrm>
           <a:prstGeom prst="rect">
             <a:avLst/>
@@ -3575,7 +3633,7 @@
                 <a:cs typeface="Futura Bold"/>
                 <a:sym typeface="Futura Bold"/>
               </a:rPr>
-              <a:t>Prevents Identity Fraud </a:t>
+              <a:t>Self-Registration</a:t>
             </a:r>
             <a:r>
               <a:rPr lang="en-US" sz="3240" spc="25">
@@ -3587,7 +3645,7 @@
                 <a:cs typeface="Futura"/>
                 <a:sym typeface="Futura"/>
               </a:rPr>
-              <a:t>– Eliminates the possibility of using stolen or borrowed IDs for account registration.</a:t>
+              <a:t> – Users create accounts within the Pamomo wallet without needing to visit an agent physically.</a:t>
             </a:r>
           </a:p>
           <a:p>
@@ -3608,7 +3666,7 @@
                 <a:cs typeface="Futura Bold"/>
                 <a:sym typeface="Futura Bold"/>
               </a:rPr>
-              <a:t>Increases Financial Inclusion</a:t>
+              <a:t>Digital Identity Verification</a:t>
             </a:r>
             <a:r>
               <a:rPr lang="en-US" sz="3240" spc="25">
@@ -3620,7 +3678,7 @@
                 <a:cs typeface="Futura"/>
                 <a:sym typeface="Futura"/>
               </a:rPr>
-              <a:t> – People without physical IDs at hand can still register securely using digital verification.</a:t>
+              <a:t> – Instead of using physical IDs, Pamomo leverages eSignet, a trusted digital ID system, to verify user identities during registration.</a:t>
             </a:r>
           </a:p>
           <a:p>
@@ -3641,7 +3699,7 @@
                 <a:cs typeface="Futura Bold"/>
                 <a:sym typeface="Futura Bold"/>
               </a:rPr>
-              <a:t>Enhances Trust &amp; Security</a:t>
+              <a:t>Secure Data Storage</a:t>
             </a:r>
             <a:r>
               <a:rPr lang="en-US" sz="3240" spc="25">
@@ -3653,7 +3711,7 @@
                 <a:cs typeface="Futura"/>
                 <a:sym typeface="Futura"/>
               </a:rPr>
-              <a:t> – Users, financial institutions, and mobile money operators can transact with confidence.</a:t>
+              <a:t> – Once verified, the user's identity is securely linked to their account, preventing fraudulent activities like duplicate or fake registrations.</a:t>
             </a:r>
           </a:p>
           <a:p>
@@ -3661,6 +3719,9 @@
               <a:lnSpc>
                 <a:spcPts val="3434"/>
               </a:lnSpc>
+              <a:spcBef>
+                <a:spcPct val="0"/>
+              </a:spcBef>
               <a:buFont typeface="Arial"/>
               <a:buChar char="•"/>
             </a:pPr>
@@ -3674,7 +3735,7 @@
                 <a:cs typeface="Futura Bold"/>
                 <a:sym typeface="Futura Bold"/>
               </a:rPr>
-              <a:t>Improves Regulatory Compliance</a:t>
+              <a:t>Seamless Transactions</a:t>
             </a:r>
             <a:r>
               <a:rPr lang="en-US" sz="3240" spc="25">
@@ -3686,20 +3747,30 @@
                 <a:cs typeface="Futura"/>
                 <a:sym typeface="Futura"/>
               </a:rPr>
-              <a:t> – Ensures that all users meet Know Your Customer (KYC) requirements.</a:t>
-            </a:r>
-          </a:p>
-        </p:txBody>
-      </p:sp>
-      <p:sp>
-        <p:nvSpPr>
-          <p:cNvPr name="TextBox 8" id="8"/>
+              <a:t> – Since every account is mapped to a verified identity, mobile money operators and financial institutions can trust transactions, reducing risks of fraud.</a:t>
+            </a:r>
+          </a:p>
+          <a:p>
+            <a:pPr algn="l">
+              <a:lnSpc>
+                <a:spcPts val="3434"/>
+              </a:lnSpc>
+              <a:spcBef>
+                <a:spcPct val="0"/>
+              </a:spcBef>
+            </a:pPr>
+          </a:p>
+        </p:txBody>
+      </p:sp>
+      <p:sp>
+        <p:nvSpPr>
+          <p:cNvPr name="TextBox 9" id="9"/>
           <p:cNvSpPr txBox="true"/>
           <p:nvPr/>
         </p:nvSpPr>
         <p:spPr>
           <a:xfrm rot="0">
-            <a:off x="1028700" y="1375201"/>
+            <a:off x="1028700" y="3001615"/>
             <a:ext cx="7631249" cy="514807"/>
           </a:xfrm>
           <a:prstGeom prst="rect">
@@ -3730,7 +3801,7 @@
                 <a:cs typeface="Futura Bold"/>
                 <a:sym typeface="Futura Bold"/>
               </a:rPr>
-              <a:t>How This Solves the Pr</a:t>
+              <a:t>How Pam</a:t>
             </a:r>
             <a:r>
               <a:rPr lang="en-US" b="true" sz="3240" spc="25">
@@ -3742,7 +3813,7 @@
                 <a:cs typeface="Futura Bold"/>
                 <a:sym typeface="Futura Bold"/>
               </a:rPr>
-              <a:t>oblem</a:t>
+              <a:t>omo Works</a:t>
             </a:r>
           </a:p>
         </p:txBody>
@@ -3825,9 +3896,9 @@
           <p:nvPr/>
         </p:nvSpPr>
         <p:spPr>
-          <a:xfrm flipH="true" flipV="true" rot="0">
-            <a:off x="1028700" y="1028700"/>
-            <a:ext cx="759822" cy="750151"/>
+          <a:xfrm flipH="true" flipV="false" rot="0">
+            <a:off x="1028700" y="8891519"/>
+            <a:ext cx="371510" cy="366781"/>
           </a:xfrm>
           <a:custGeom>
             <a:avLst/>
@@ -3836,21 +3907,21 @@
             <a:cxnLst/>
             <a:rect r="r" b="b" t="t" l="l"/>
             <a:pathLst>
-              <a:path h="750151" w="759822">
+              <a:path h="366781" w="371510">
                 <a:moveTo>
-                  <a:pt x="759822" y="750151"/>
+                  <a:pt x="371510" y="0"/>
                 </a:moveTo>
                 <a:lnTo>
-                  <a:pt x="0" y="750151"/>
-                </a:lnTo>
-                <a:lnTo>
                   <a:pt x="0" y="0"/>
                 </a:lnTo>
                 <a:lnTo>
-                  <a:pt x="759822" y="0"/>
-                </a:lnTo>
-                <a:lnTo>
-                  <a:pt x="759822" y="750151"/>
+                  <a:pt x="0" y="366781"/>
+                </a:lnTo>
+                <a:lnTo>
+                  <a:pt x="371510" y="366781"/>
+                </a:lnTo>
+                <a:lnTo>
+                  <a:pt x="371510" y="0"/>
                 </a:lnTo>
                 <a:close/>
               </a:path>
@@ -3872,186 +3943,14 @@
       </p:sp>
       <p:sp>
         <p:nvSpPr>
-          <p:cNvPr name="TextBox 4" id="4"/>
-          <p:cNvSpPr txBox="true"/>
-          <p:nvPr/>
-        </p:nvSpPr>
-        <p:spPr>
-          <a:xfrm rot="0">
-            <a:off x="674030" y="4269927"/>
-            <a:ext cx="10856486" cy="2351639"/>
-          </a:xfrm>
-          <a:prstGeom prst="rect">
-            <a:avLst/>
-          </a:prstGeom>
-        </p:spPr>
-        <p:txBody>
-          <a:bodyPr anchor="t" rtlCol="false" tIns="0" lIns="0" bIns="0" rIns="0">
-            <a:spAutoFit/>
-          </a:bodyPr>
-          <a:lstStyle/>
-          <a:p>
-            <a:pPr algn="l">
-              <a:lnSpc>
-                <a:spcPts val="17255"/>
-              </a:lnSpc>
-              <a:spcBef>
-                <a:spcPct val="0"/>
-              </a:spcBef>
-            </a:pPr>
-            <a:r>
-              <a:rPr lang="en-US" sz="12325" b="true">
-                <a:solidFill>
-                  <a:srgbClr val="7C7AAC"/>
-                </a:solidFill>
-                <a:latin typeface="Futura Bold"/>
-                <a:ea typeface="Futura Bold"/>
-                <a:cs typeface="Futura Bold"/>
-                <a:sym typeface="Futura Bold"/>
-              </a:rPr>
-              <a:t>Differentiation</a:t>
-            </a:r>
-          </a:p>
-        </p:txBody>
-      </p:sp>
-      <p:sp>
-        <p:nvSpPr>
-          <p:cNvPr name="TextBox 5" id="5"/>
-          <p:cNvSpPr txBox="true"/>
-          <p:nvPr/>
-        </p:nvSpPr>
-        <p:spPr>
-          <a:xfrm rot="0">
-            <a:off x="10754779" y="1861446"/>
-            <a:ext cx="6679409" cy="513833"/>
-          </a:xfrm>
-          <a:prstGeom prst="rect">
-            <a:avLst/>
-          </a:prstGeom>
-        </p:spPr>
-        <p:txBody>
-          <a:bodyPr anchor="t" rtlCol="false" tIns="0" lIns="0" bIns="0" rIns="0">
-            <a:spAutoFit/>
-          </a:bodyPr>
-          <a:lstStyle/>
-          <a:p>
-            <a:pPr algn="just">
-              <a:lnSpc>
-                <a:spcPts val="4228"/>
-              </a:lnSpc>
-              <a:spcBef>
-                <a:spcPct val="0"/>
-              </a:spcBef>
-            </a:pPr>
-            <a:r>
-              <a:rPr lang="en-US" b="true" sz="3020">
-                <a:solidFill>
-                  <a:srgbClr val="4D4B66"/>
-                </a:solidFill>
-                <a:latin typeface="Montserrat Bold"/>
-                <a:ea typeface="Montserrat Bold"/>
-                <a:cs typeface="Montserrat Bold"/>
-                <a:sym typeface="Montserrat Bold"/>
-              </a:rPr>
-              <a:t>SecureMoMo - Pamomo</a:t>
-            </a:r>
-          </a:p>
-        </p:txBody>
-      </p:sp>
-      <p:sp>
-        <p:nvSpPr>
-          <p:cNvPr name="TextBox 6" id="6"/>
-          <p:cNvSpPr txBox="true"/>
-          <p:nvPr/>
-        </p:nvSpPr>
-        <p:spPr>
-          <a:xfrm rot="0">
-            <a:off x="-1648863" y="5314950"/>
-            <a:ext cx="16151390" cy="3636537"/>
-          </a:xfrm>
-          <a:prstGeom prst="rect">
-            <a:avLst/>
-          </a:prstGeom>
-        </p:spPr>
-        <p:txBody>
-          <a:bodyPr anchor="t" rtlCol="false" tIns="0" lIns="0" bIns="0" rIns="0">
-            <a:spAutoFit/>
-          </a:bodyPr>
-          <a:lstStyle/>
-          <a:p>
-            <a:pPr algn="ctr">
-              <a:lnSpc>
-                <a:spcPts val="12612"/>
-              </a:lnSpc>
-            </a:pPr>
-            <a:r>
-              <a:rPr lang="en-US" b="true" sz="14497" spc="2319">
-                <a:solidFill>
-                  <a:srgbClr val="041226">
-                    <a:alpha val="4706"/>
-                  </a:srgbClr>
-                </a:solidFill>
-                <a:latin typeface="Futura Bold"/>
-                <a:ea typeface="Futura Bold"/>
-                <a:cs typeface="Futura Bold"/>
-                <a:sym typeface="Futura Bold"/>
-              </a:rPr>
-              <a:t>key differences</a:t>
-            </a:r>
-          </a:p>
-        </p:txBody>
-      </p:sp>
-      <p:sp>
-        <p:nvSpPr>
-          <p:cNvPr name="TextBox 7" id="7"/>
-          <p:cNvSpPr txBox="true"/>
-          <p:nvPr/>
-        </p:nvSpPr>
-        <p:spPr>
-          <a:xfrm rot="-5400000">
-            <a:off x="-496189" y="2179869"/>
-            <a:ext cx="2500458" cy="198120"/>
-          </a:xfrm>
-          <a:prstGeom prst="rect">
-            <a:avLst/>
-          </a:prstGeom>
-        </p:spPr>
-        <p:txBody>
-          <a:bodyPr anchor="t" rtlCol="false" tIns="0" lIns="0" bIns="0" rIns="0">
-            <a:spAutoFit/>
-          </a:bodyPr>
-          <a:lstStyle/>
-          <a:p>
-            <a:pPr algn="r">
-              <a:lnSpc>
-                <a:spcPts val="1679"/>
-              </a:lnSpc>
-            </a:pPr>
-            <a:r>
-              <a:rPr lang="en-US" b="true" sz="1200">
-                <a:solidFill>
-                  <a:srgbClr val="7C7AAC"/>
-                </a:solidFill>
-                <a:latin typeface="Montserrat Bold"/>
-                <a:ea typeface="Montserrat Bold"/>
-                <a:cs typeface="Montserrat Bold"/>
-                <a:sym typeface="Montserrat Bold"/>
-              </a:rPr>
-              <a:t>PITCH DECK PRESENTATION</a:t>
-            </a:r>
-          </a:p>
-        </p:txBody>
-      </p:sp>
-      <p:sp>
-        <p:nvSpPr>
-          <p:cNvPr name="Freeform 8" id="8"/>
+          <p:cNvPr name="Freeform 4" id="4"/>
           <p:cNvSpPr/>
           <p:nvPr/>
         </p:nvSpPr>
         <p:spPr>
-          <a:xfrm flipH="false" flipV="false" rot="0">
-            <a:off x="16887790" y="8891519"/>
-            <a:ext cx="371510" cy="366781"/>
+          <a:xfrm flipH="false" flipV="true" rot="0">
+            <a:off x="16499478" y="1028700"/>
+            <a:ext cx="759822" cy="750151"/>
           </a:xfrm>
           <a:custGeom>
             <a:avLst/>
@@ -4060,21 +3959,21 @@
             <a:cxnLst/>
             <a:rect r="r" b="b" t="t" l="l"/>
             <a:pathLst>
-              <a:path h="366781" w="371510">
+              <a:path h="750151" w="759822">
                 <a:moveTo>
+                  <a:pt x="0" y="750151"/>
+                </a:moveTo>
+                <a:lnTo>
+                  <a:pt x="759822" y="750151"/>
+                </a:lnTo>
+                <a:lnTo>
+                  <a:pt x="759822" y="0"/>
+                </a:lnTo>
+                <a:lnTo>
                   <a:pt x="0" y="0"/>
-                </a:moveTo>
-                <a:lnTo>
-                  <a:pt x="371510" y="0"/>
-                </a:lnTo>
-                <a:lnTo>
-                  <a:pt x="371510" y="366781"/>
-                </a:lnTo>
-                <a:lnTo>
-                  <a:pt x="0" y="366781"/>
-                </a:lnTo>
-                <a:lnTo>
-                  <a:pt x="0" y="0"/>
+                </a:lnTo>
+                <a:lnTo>
+                  <a:pt x="0" y="750151"/>
                 </a:lnTo>
                 <a:close/>
               </a:path>
@@ -4093,6 +3992,313 @@
             </a:stretch>
           </a:blipFill>
         </p:spPr>
+      </p:sp>
+      <p:sp>
+        <p:nvSpPr>
+          <p:cNvPr name="TextBox 5" id="5"/>
+          <p:cNvSpPr txBox="true"/>
+          <p:nvPr/>
+        </p:nvSpPr>
+        <p:spPr>
+          <a:xfrm rot="-5400000">
+            <a:off x="-650433" y="7909011"/>
+            <a:ext cx="2500458" cy="198120"/>
+          </a:xfrm>
+          <a:prstGeom prst="rect">
+            <a:avLst/>
+          </a:prstGeom>
+        </p:spPr>
+        <p:txBody>
+          <a:bodyPr anchor="t" rtlCol="false" tIns="0" lIns="0" bIns="0" rIns="0">
+            <a:spAutoFit/>
+          </a:bodyPr>
+          <a:lstStyle/>
+          <a:p>
+            <a:pPr algn="l">
+              <a:lnSpc>
+                <a:spcPts val="1679"/>
+              </a:lnSpc>
+            </a:pPr>
+            <a:r>
+              <a:rPr lang="en-US" sz="1200" b="true">
+                <a:solidFill>
+                  <a:srgbClr val="7C7AAC"/>
+                </a:solidFill>
+                <a:latin typeface="Montserrat Bold"/>
+                <a:ea typeface="Montserrat Bold"/>
+                <a:cs typeface="Montserrat Bold"/>
+                <a:sym typeface="Montserrat Bold"/>
+              </a:rPr>
+              <a:t>PITCH DECK PRESENTATION</a:t>
+            </a:r>
+          </a:p>
+        </p:txBody>
+      </p:sp>
+      <p:sp>
+        <p:nvSpPr>
+          <p:cNvPr name="TextBox 6" id="6"/>
+          <p:cNvSpPr txBox="true"/>
+          <p:nvPr/>
+        </p:nvSpPr>
+        <p:spPr>
+          <a:xfrm rot="0">
+            <a:off x="1028700" y="511112"/>
+            <a:ext cx="7631249" cy="514807"/>
+          </a:xfrm>
+          <a:prstGeom prst="rect">
+            <a:avLst/>
+          </a:prstGeom>
+        </p:spPr>
+        <p:txBody>
+          <a:bodyPr anchor="t" rtlCol="false" tIns="0" lIns="0" bIns="0" rIns="0">
+            <a:spAutoFit/>
+          </a:bodyPr>
+          <a:lstStyle/>
+          <a:p>
+            <a:pPr algn="l">
+              <a:lnSpc>
+                <a:spcPts val="3434"/>
+              </a:lnSpc>
+              <a:spcBef>
+                <a:spcPct val="0"/>
+              </a:spcBef>
+            </a:pPr>
+            <a:r>
+              <a:rPr lang="en-US" b="true" sz="3240" spc="25">
+                <a:solidFill>
+                  <a:srgbClr val="7C7AAC"/>
+                </a:solidFill>
+                <a:latin typeface="Futura Bold"/>
+                <a:ea typeface="Futura Bold"/>
+                <a:cs typeface="Futura Bold"/>
+                <a:sym typeface="Futura Bold"/>
+              </a:rPr>
+              <a:t>S</a:t>
+            </a:r>
+            <a:r>
+              <a:rPr lang="en-US" b="true" sz="3240" spc="25">
+                <a:solidFill>
+                  <a:srgbClr val="7C7AAC"/>
+                </a:solidFill>
+                <a:latin typeface="Futura Bold"/>
+                <a:ea typeface="Futura Bold"/>
+                <a:cs typeface="Futura Bold"/>
+                <a:sym typeface="Futura Bold"/>
+              </a:rPr>
+              <a:t>olution Overview</a:t>
+            </a:r>
+          </a:p>
+        </p:txBody>
+      </p:sp>
+      <p:sp>
+        <p:nvSpPr>
+          <p:cNvPr name="TextBox 7" id="7"/>
+          <p:cNvSpPr txBox="true"/>
+          <p:nvPr/>
+        </p:nvSpPr>
+        <p:spPr>
+          <a:xfrm rot="0">
+            <a:off x="999629" y="2242433"/>
+            <a:ext cx="15320641" cy="3515182"/>
+          </a:xfrm>
+          <a:prstGeom prst="rect">
+            <a:avLst/>
+          </a:prstGeom>
+        </p:spPr>
+        <p:txBody>
+          <a:bodyPr anchor="t" rtlCol="false" tIns="0" lIns="0" bIns="0" rIns="0">
+            <a:spAutoFit/>
+          </a:bodyPr>
+          <a:lstStyle/>
+          <a:p>
+            <a:pPr algn="l" marL="699516" indent="-349758" lvl="1">
+              <a:lnSpc>
+                <a:spcPts val="3434"/>
+              </a:lnSpc>
+              <a:buFont typeface="Arial"/>
+              <a:buChar char="•"/>
+            </a:pPr>
+            <a:r>
+              <a:rPr lang="en-US" b="true" sz="3240" spc="25">
+                <a:solidFill>
+                  <a:srgbClr val="7C7AAC"/>
+                </a:solidFill>
+                <a:latin typeface="Futura Bold"/>
+                <a:ea typeface="Futura Bold"/>
+                <a:cs typeface="Futura Bold"/>
+                <a:sym typeface="Futura Bold"/>
+              </a:rPr>
+              <a:t>Prevents Identity Fraud </a:t>
+            </a:r>
+            <a:r>
+              <a:rPr lang="en-US" sz="3240" spc="25">
+                <a:solidFill>
+                  <a:srgbClr val="7C7AAC"/>
+                </a:solidFill>
+                <a:latin typeface="Futura"/>
+                <a:ea typeface="Futura"/>
+                <a:cs typeface="Futura"/>
+                <a:sym typeface="Futura"/>
+              </a:rPr>
+              <a:t>– Eliminates the possibility of using stolen or borrowed IDs for account registration.</a:t>
+            </a:r>
+          </a:p>
+          <a:p>
+            <a:pPr algn="l" marL="699516" indent="-349758" lvl="1">
+              <a:lnSpc>
+                <a:spcPts val="3434"/>
+              </a:lnSpc>
+              <a:buFont typeface="Arial"/>
+              <a:buChar char="•"/>
+            </a:pPr>
+            <a:r>
+              <a:rPr lang="en-US" b="true" sz="3240" spc="25">
+                <a:solidFill>
+                  <a:srgbClr val="7C7AAC"/>
+                </a:solidFill>
+                <a:latin typeface="Futura Bold"/>
+                <a:ea typeface="Futura Bold"/>
+                <a:cs typeface="Futura Bold"/>
+                <a:sym typeface="Futura Bold"/>
+              </a:rPr>
+              <a:t>Increases Financial Inclusion</a:t>
+            </a:r>
+            <a:r>
+              <a:rPr lang="en-US" sz="3240" spc="25">
+                <a:solidFill>
+                  <a:srgbClr val="7C7AAC"/>
+                </a:solidFill>
+                <a:latin typeface="Futura"/>
+                <a:ea typeface="Futura"/>
+                <a:cs typeface="Futura"/>
+                <a:sym typeface="Futura"/>
+              </a:rPr>
+              <a:t> – People without physical IDs at hand can still register securely using digital verification.</a:t>
+            </a:r>
+          </a:p>
+          <a:p>
+            <a:pPr algn="l" marL="699516" indent="-349758" lvl="1">
+              <a:lnSpc>
+                <a:spcPts val="3434"/>
+              </a:lnSpc>
+              <a:buFont typeface="Arial"/>
+              <a:buChar char="•"/>
+            </a:pPr>
+            <a:r>
+              <a:rPr lang="en-US" b="true" sz="3240" spc="25">
+                <a:solidFill>
+                  <a:srgbClr val="7C7AAC"/>
+                </a:solidFill>
+                <a:latin typeface="Futura Bold"/>
+                <a:ea typeface="Futura Bold"/>
+                <a:cs typeface="Futura Bold"/>
+                <a:sym typeface="Futura Bold"/>
+              </a:rPr>
+              <a:t>Enhances Trust &amp; Security</a:t>
+            </a:r>
+            <a:r>
+              <a:rPr lang="en-US" sz="3240" spc="25">
+                <a:solidFill>
+                  <a:srgbClr val="7C7AAC"/>
+                </a:solidFill>
+                <a:latin typeface="Futura"/>
+                <a:ea typeface="Futura"/>
+                <a:cs typeface="Futura"/>
+                <a:sym typeface="Futura"/>
+              </a:rPr>
+              <a:t> – Users, financial institutions, and mobile money operators can transact with confidence.</a:t>
+            </a:r>
+          </a:p>
+          <a:p>
+            <a:pPr algn="l" marL="699516" indent="-349758" lvl="1">
+              <a:lnSpc>
+                <a:spcPts val="3434"/>
+              </a:lnSpc>
+              <a:buFont typeface="Arial"/>
+              <a:buChar char="•"/>
+            </a:pPr>
+            <a:r>
+              <a:rPr lang="en-US" b="true" sz="3240" spc="25">
+                <a:solidFill>
+                  <a:srgbClr val="7C7AAC"/>
+                </a:solidFill>
+                <a:latin typeface="Futura Bold"/>
+                <a:ea typeface="Futura Bold"/>
+                <a:cs typeface="Futura Bold"/>
+                <a:sym typeface="Futura Bold"/>
+              </a:rPr>
+              <a:t>Improves Regulatory Compliance</a:t>
+            </a:r>
+            <a:r>
+              <a:rPr lang="en-US" sz="3240" spc="25">
+                <a:solidFill>
+                  <a:srgbClr val="7C7AAC"/>
+                </a:solidFill>
+                <a:latin typeface="Futura"/>
+                <a:ea typeface="Futura"/>
+                <a:cs typeface="Futura"/>
+                <a:sym typeface="Futura"/>
+              </a:rPr>
+              <a:t> – Ensures that all users meet Know Your Customer (KYC) requirements.</a:t>
+            </a:r>
+          </a:p>
+        </p:txBody>
+      </p:sp>
+      <p:sp>
+        <p:nvSpPr>
+          <p:cNvPr name="TextBox 8" id="8"/>
+          <p:cNvSpPr txBox="true"/>
+          <p:nvPr/>
+        </p:nvSpPr>
+        <p:spPr>
+          <a:xfrm rot="0">
+            <a:off x="1028700" y="1375201"/>
+            <a:ext cx="7631249" cy="514807"/>
+          </a:xfrm>
+          <a:prstGeom prst="rect">
+            <a:avLst/>
+          </a:prstGeom>
+        </p:spPr>
+        <p:txBody>
+          <a:bodyPr anchor="t" rtlCol="false" tIns="0" lIns="0" bIns="0" rIns="0">
+            <a:spAutoFit/>
+          </a:bodyPr>
+          <a:lstStyle/>
+          <a:p>
+            <a:pPr algn="l">
+              <a:lnSpc>
+                <a:spcPts val="3434"/>
+              </a:lnSpc>
+              <a:spcBef>
+                <a:spcPct val="0"/>
+              </a:spcBef>
+            </a:pPr>
+            <a:r>
+              <a:rPr lang="en-US" b="true" sz="3240" spc="25">
+                <a:solidFill>
+                  <a:srgbClr val="7C7AAC"/>
+                </a:solidFill>
+                <a:latin typeface="Futura Bold"/>
+                <a:ea typeface="Futura Bold"/>
+                <a:cs typeface="Futura Bold"/>
+                <a:sym typeface="Futura Bold"/>
+              </a:rPr>
+              <a:t>How This Solves the Pr</a:t>
+            </a:r>
+            <a:r>
+              <a:rPr lang="en-US" b="true" sz="3240" spc="25">
+                <a:solidFill>
+                  <a:srgbClr val="7C7AAC"/>
+                </a:solidFill>
+                <a:latin typeface="Futura Bold"/>
+                <a:ea typeface="Futura Bold"/>
+                <a:cs typeface="Futura Bold"/>
+                <a:sym typeface="Futura Bold"/>
+              </a:rPr>
+              <a:t>oblem</a:t>
+            </a:r>
+          </a:p>
+        </p:txBody>
       </p:sp>
     </p:spTree>
   </p:cSld>
@@ -4172,9 +4378,9 @@
           <p:nvPr/>
         </p:nvSpPr>
         <p:spPr>
-          <a:xfrm flipH="true" flipV="false" rot="0">
-            <a:off x="1028700" y="8891519"/>
-            <a:ext cx="371510" cy="366781"/>
+          <a:xfrm flipH="true" flipV="true" rot="0">
+            <a:off x="1028700" y="1028700"/>
+            <a:ext cx="759822" cy="750151"/>
           </a:xfrm>
           <a:custGeom>
             <a:avLst/>
@@ -4183,21 +4389,21 @@
             <a:cxnLst/>
             <a:rect r="r" b="b" t="t" l="l"/>
             <a:pathLst>
-              <a:path h="366781" w="371510">
+              <a:path h="750151" w="759822">
                 <a:moveTo>
-                  <a:pt x="371510" y="0"/>
+                  <a:pt x="759822" y="750151"/>
                 </a:moveTo>
                 <a:lnTo>
+                  <a:pt x="0" y="750151"/>
+                </a:lnTo>
+                <a:lnTo>
                   <a:pt x="0" y="0"/>
                 </a:lnTo>
                 <a:lnTo>
-                  <a:pt x="0" y="366781"/>
-                </a:lnTo>
-                <a:lnTo>
-                  <a:pt x="371510" y="366781"/>
-                </a:lnTo>
-                <a:lnTo>
-                  <a:pt x="371510" y="0"/>
+                  <a:pt x="759822" y="0"/>
+                </a:lnTo>
+                <a:lnTo>
+                  <a:pt x="759822" y="750151"/>
                 </a:lnTo>
                 <a:close/>
               </a:path>
@@ -4219,14 +4425,186 @@
       </p:sp>
       <p:sp>
         <p:nvSpPr>
-          <p:cNvPr name="Freeform 4" id="4"/>
+          <p:cNvPr name="TextBox 4" id="4"/>
+          <p:cNvSpPr txBox="true"/>
+          <p:nvPr/>
+        </p:nvSpPr>
+        <p:spPr>
+          <a:xfrm rot="0">
+            <a:off x="674030" y="4269927"/>
+            <a:ext cx="10856486" cy="2351639"/>
+          </a:xfrm>
+          <a:prstGeom prst="rect">
+            <a:avLst/>
+          </a:prstGeom>
+        </p:spPr>
+        <p:txBody>
+          <a:bodyPr anchor="t" rtlCol="false" tIns="0" lIns="0" bIns="0" rIns="0">
+            <a:spAutoFit/>
+          </a:bodyPr>
+          <a:lstStyle/>
+          <a:p>
+            <a:pPr algn="l">
+              <a:lnSpc>
+                <a:spcPts val="17255"/>
+              </a:lnSpc>
+              <a:spcBef>
+                <a:spcPct val="0"/>
+              </a:spcBef>
+            </a:pPr>
+            <a:r>
+              <a:rPr lang="en-US" sz="12325" b="true">
+                <a:solidFill>
+                  <a:srgbClr val="7C7AAC"/>
+                </a:solidFill>
+                <a:latin typeface="Futura Bold"/>
+                <a:ea typeface="Futura Bold"/>
+                <a:cs typeface="Futura Bold"/>
+                <a:sym typeface="Futura Bold"/>
+              </a:rPr>
+              <a:t>Differentiation</a:t>
+            </a:r>
+          </a:p>
+        </p:txBody>
+      </p:sp>
+      <p:sp>
+        <p:nvSpPr>
+          <p:cNvPr name="TextBox 5" id="5"/>
+          <p:cNvSpPr txBox="true"/>
+          <p:nvPr/>
+        </p:nvSpPr>
+        <p:spPr>
+          <a:xfrm rot="0">
+            <a:off x="10754779" y="1861446"/>
+            <a:ext cx="6679409" cy="513833"/>
+          </a:xfrm>
+          <a:prstGeom prst="rect">
+            <a:avLst/>
+          </a:prstGeom>
+        </p:spPr>
+        <p:txBody>
+          <a:bodyPr anchor="t" rtlCol="false" tIns="0" lIns="0" bIns="0" rIns="0">
+            <a:spAutoFit/>
+          </a:bodyPr>
+          <a:lstStyle/>
+          <a:p>
+            <a:pPr algn="just">
+              <a:lnSpc>
+                <a:spcPts val="4228"/>
+              </a:lnSpc>
+              <a:spcBef>
+                <a:spcPct val="0"/>
+              </a:spcBef>
+            </a:pPr>
+            <a:r>
+              <a:rPr lang="en-US" b="true" sz="3020">
+                <a:solidFill>
+                  <a:srgbClr val="4D4B66"/>
+                </a:solidFill>
+                <a:latin typeface="Montserrat Bold"/>
+                <a:ea typeface="Montserrat Bold"/>
+                <a:cs typeface="Montserrat Bold"/>
+                <a:sym typeface="Montserrat Bold"/>
+              </a:rPr>
+              <a:t>SecureMoMo - Pamomo</a:t>
+            </a:r>
+          </a:p>
+        </p:txBody>
+      </p:sp>
+      <p:sp>
+        <p:nvSpPr>
+          <p:cNvPr name="TextBox 6" id="6"/>
+          <p:cNvSpPr txBox="true"/>
+          <p:nvPr/>
+        </p:nvSpPr>
+        <p:spPr>
+          <a:xfrm rot="0">
+            <a:off x="-1648863" y="5314950"/>
+            <a:ext cx="16151390" cy="3636537"/>
+          </a:xfrm>
+          <a:prstGeom prst="rect">
+            <a:avLst/>
+          </a:prstGeom>
+        </p:spPr>
+        <p:txBody>
+          <a:bodyPr anchor="t" rtlCol="false" tIns="0" lIns="0" bIns="0" rIns="0">
+            <a:spAutoFit/>
+          </a:bodyPr>
+          <a:lstStyle/>
+          <a:p>
+            <a:pPr algn="ctr">
+              <a:lnSpc>
+                <a:spcPts val="12612"/>
+              </a:lnSpc>
+            </a:pPr>
+            <a:r>
+              <a:rPr lang="en-US" b="true" sz="14497" spc="2319">
+                <a:solidFill>
+                  <a:srgbClr val="041226">
+                    <a:alpha val="4706"/>
+                  </a:srgbClr>
+                </a:solidFill>
+                <a:latin typeface="Futura Bold"/>
+                <a:ea typeface="Futura Bold"/>
+                <a:cs typeface="Futura Bold"/>
+                <a:sym typeface="Futura Bold"/>
+              </a:rPr>
+              <a:t>key differences</a:t>
+            </a:r>
+          </a:p>
+        </p:txBody>
+      </p:sp>
+      <p:sp>
+        <p:nvSpPr>
+          <p:cNvPr name="TextBox 7" id="7"/>
+          <p:cNvSpPr txBox="true"/>
+          <p:nvPr/>
+        </p:nvSpPr>
+        <p:spPr>
+          <a:xfrm rot="-5400000">
+            <a:off x="-496189" y="2179869"/>
+            <a:ext cx="2500458" cy="198120"/>
+          </a:xfrm>
+          <a:prstGeom prst="rect">
+            <a:avLst/>
+          </a:prstGeom>
+        </p:spPr>
+        <p:txBody>
+          <a:bodyPr anchor="t" rtlCol="false" tIns="0" lIns="0" bIns="0" rIns="0">
+            <a:spAutoFit/>
+          </a:bodyPr>
+          <a:lstStyle/>
+          <a:p>
+            <a:pPr algn="r">
+              <a:lnSpc>
+                <a:spcPts val="1679"/>
+              </a:lnSpc>
+            </a:pPr>
+            <a:r>
+              <a:rPr lang="en-US" b="true" sz="1200">
+                <a:solidFill>
+                  <a:srgbClr val="7C7AAC"/>
+                </a:solidFill>
+                <a:latin typeface="Montserrat Bold"/>
+                <a:ea typeface="Montserrat Bold"/>
+                <a:cs typeface="Montserrat Bold"/>
+                <a:sym typeface="Montserrat Bold"/>
+              </a:rPr>
+              <a:t>PITCH DECK PRESENTATION</a:t>
+            </a:r>
+          </a:p>
+        </p:txBody>
+      </p:sp>
+      <p:sp>
+        <p:nvSpPr>
+          <p:cNvPr name="Freeform 8" id="8"/>
           <p:cNvSpPr/>
           <p:nvPr/>
         </p:nvSpPr>
         <p:spPr>
-          <a:xfrm flipH="false" flipV="true" rot="0">
-            <a:off x="16499478" y="1028700"/>
-            <a:ext cx="759822" cy="750151"/>
+          <a:xfrm flipH="false" flipV="false" rot="0">
+            <a:off x="16887790" y="8891519"/>
+            <a:ext cx="371510" cy="366781"/>
           </a:xfrm>
           <a:custGeom>
             <a:avLst/>
@@ -4235,21 +4613,21 @@
             <a:cxnLst/>
             <a:rect r="r" b="b" t="t" l="l"/>
             <a:pathLst>
-              <a:path h="750151" w="759822">
+              <a:path h="366781" w="371510">
                 <a:moveTo>
-                  <a:pt x="0" y="750151"/>
+                  <a:pt x="0" y="0"/>
                 </a:moveTo>
                 <a:lnTo>
-                  <a:pt x="759822" y="750151"/>
-                </a:lnTo>
-                <a:lnTo>
-                  <a:pt x="759822" y="0"/>
+                  <a:pt x="371510" y="0"/>
+                </a:lnTo>
+                <a:lnTo>
+                  <a:pt x="371510" y="366781"/>
+                </a:lnTo>
+                <a:lnTo>
+                  <a:pt x="0" y="366781"/>
                 </a:lnTo>
                 <a:lnTo>
                   <a:pt x="0" y="0"/>
-                </a:lnTo>
-                <a:lnTo>
-                  <a:pt x="0" y="750151"/>
                 </a:lnTo>
                 <a:close/>
               </a:path>
@@ -4268,350 +4646,6 @@
             </a:stretch>
           </a:blipFill>
         </p:spPr>
-      </p:sp>
-      <p:sp>
-        <p:nvSpPr>
-          <p:cNvPr name="TextBox 5" id="5"/>
-          <p:cNvSpPr txBox="true"/>
-          <p:nvPr/>
-        </p:nvSpPr>
-        <p:spPr>
-          <a:xfrm rot="-5400000">
-            <a:off x="-650433" y="7909011"/>
-            <a:ext cx="2500458" cy="198120"/>
-          </a:xfrm>
-          <a:prstGeom prst="rect">
-            <a:avLst/>
-          </a:prstGeom>
-        </p:spPr>
-        <p:txBody>
-          <a:bodyPr anchor="t" rtlCol="false" tIns="0" lIns="0" bIns="0" rIns="0">
-            <a:spAutoFit/>
-          </a:bodyPr>
-          <a:lstStyle/>
-          <a:p>
-            <a:pPr algn="l">
-              <a:lnSpc>
-                <a:spcPts val="1679"/>
-              </a:lnSpc>
-            </a:pPr>
-            <a:r>
-              <a:rPr lang="en-US" sz="1200" b="true">
-                <a:solidFill>
-                  <a:srgbClr val="7C7AAC"/>
-                </a:solidFill>
-                <a:latin typeface="Montserrat Bold"/>
-                <a:ea typeface="Montserrat Bold"/>
-                <a:cs typeface="Montserrat Bold"/>
-                <a:sym typeface="Montserrat Bold"/>
-              </a:rPr>
-              <a:t>PITCH DECK PRESENTATION</a:t>
-            </a:r>
-          </a:p>
-        </p:txBody>
-      </p:sp>
-      <p:sp>
-        <p:nvSpPr>
-          <p:cNvPr name="TextBox 6" id="6"/>
-          <p:cNvSpPr txBox="true"/>
-          <p:nvPr/>
-        </p:nvSpPr>
-        <p:spPr>
-          <a:xfrm rot="0">
-            <a:off x="1028700" y="511112"/>
-            <a:ext cx="7631249" cy="514807"/>
-          </a:xfrm>
-          <a:prstGeom prst="rect">
-            <a:avLst/>
-          </a:prstGeom>
-        </p:spPr>
-        <p:txBody>
-          <a:bodyPr anchor="t" rtlCol="false" tIns="0" lIns="0" bIns="0" rIns="0">
-            <a:spAutoFit/>
-          </a:bodyPr>
-          <a:lstStyle/>
-          <a:p>
-            <a:pPr algn="l">
-              <a:lnSpc>
-                <a:spcPts val="3434"/>
-              </a:lnSpc>
-              <a:spcBef>
-                <a:spcPct val="0"/>
-              </a:spcBef>
-            </a:pPr>
-            <a:r>
-              <a:rPr lang="en-US" b="true" sz="3240" spc="25">
-                <a:solidFill>
-                  <a:srgbClr val="7C7AAC"/>
-                </a:solidFill>
-                <a:latin typeface="Futura Bold"/>
-                <a:ea typeface="Futura Bold"/>
-                <a:cs typeface="Futura Bold"/>
-                <a:sym typeface="Futura Bold"/>
-              </a:rPr>
-              <a:t>Differentia</a:t>
-            </a:r>
-            <a:r>
-              <a:rPr lang="en-US" b="true" sz="3240" spc="25">
-                <a:solidFill>
-                  <a:srgbClr val="7C7AAC"/>
-                </a:solidFill>
-                <a:latin typeface="Futura Bold"/>
-                <a:ea typeface="Futura Bold"/>
-                <a:cs typeface="Futura Bold"/>
-                <a:sym typeface="Futura Bold"/>
-              </a:rPr>
-              <a:t>tion &amp; Key Contributions</a:t>
-            </a:r>
-          </a:p>
-        </p:txBody>
-      </p:sp>
-      <p:sp>
-        <p:nvSpPr>
-          <p:cNvPr name="TextBox 7" id="7"/>
-          <p:cNvSpPr txBox="true"/>
-          <p:nvPr/>
-        </p:nvSpPr>
-        <p:spPr>
-          <a:xfrm rot="0">
-            <a:off x="999629" y="2242433"/>
-            <a:ext cx="15320641" cy="1800682"/>
-          </a:xfrm>
-          <a:prstGeom prst="rect">
-            <a:avLst/>
-          </a:prstGeom>
-        </p:spPr>
-        <p:txBody>
-          <a:bodyPr anchor="t" rtlCol="false" tIns="0" lIns="0" bIns="0" rIns="0">
-            <a:spAutoFit/>
-          </a:bodyPr>
-          <a:lstStyle/>
-          <a:p>
-            <a:pPr algn="l">
-              <a:lnSpc>
-                <a:spcPts val="3434"/>
-              </a:lnSpc>
-            </a:pPr>
-            <a:r>
-              <a:rPr lang="en-US" sz="3240" spc="25">
-                <a:solidFill>
-                  <a:srgbClr val="7C7AAC"/>
-                </a:solidFill>
-                <a:latin typeface="Futura"/>
-                <a:ea typeface="Futura"/>
-                <a:cs typeface="Futura"/>
-                <a:sym typeface="Futura"/>
-              </a:rPr>
-              <a:t>Unlike traditional mobile money wallets that rely on physical ID verification, Pamomo leverages digital ID authentication via eSignet, ensuring that every user account is securely linked to a verified identity. This eliminates the risks of stolen or borrowed IDs, a common issue in current mobile money systems.</a:t>
-            </a:r>
-          </a:p>
-        </p:txBody>
-      </p:sp>
-      <p:sp>
-        <p:nvSpPr>
-          <p:cNvPr name="TextBox 8" id="8"/>
-          <p:cNvSpPr txBox="true"/>
-          <p:nvPr/>
-        </p:nvSpPr>
-        <p:spPr>
-          <a:xfrm rot="0">
-            <a:off x="1028700" y="1375201"/>
-            <a:ext cx="7631249" cy="514807"/>
-          </a:xfrm>
-          <a:prstGeom prst="rect">
-            <a:avLst/>
-          </a:prstGeom>
-        </p:spPr>
-        <p:txBody>
-          <a:bodyPr anchor="t" rtlCol="false" tIns="0" lIns="0" bIns="0" rIns="0">
-            <a:spAutoFit/>
-          </a:bodyPr>
-          <a:lstStyle/>
-          <a:p>
-            <a:pPr algn="l">
-              <a:lnSpc>
-                <a:spcPts val="3434"/>
-              </a:lnSpc>
-              <a:spcBef>
-                <a:spcPct val="0"/>
-              </a:spcBef>
-            </a:pPr>
-            <a:r>
-              <a:rPr lang="en-US" b="true" sz="3240" spc="25">
-                <a:solidFill>
-                  <a:srgbClr val="7C7AAC"/>
-                </a:solidFill>
-                <a:latin typeface="Futura Bold"/>
-                <a:ea typeface="Futura Bold"/>
-                <a:cs typeface="Futura Bold"/>
-                <a:sym typeface="Futura Bold"/>
-              </a:rPr>
-              <a:t>How Pamomo Stands Out</a:t>
-            </a:r>
-          </a:p>
-        </p:txBody>
-      </p:sp>
-      <p:sp>
-        <p:nvSpPr>
-          <p:cNvPr name="TextBox 9" id="9"/>
-          <p:cNvSpPr txBox="true"/>
-          <p:nvPr/>
-        </p:nvSpPr>
-        <p:spPr>
-          <a:xfrm rot="0">
-            <a:off x="999629" y="4228871"/>
-            <a:ext cx="15320641" cy="514807"/>
-          </a:xfrm>
-          <a:prstGeom prst="rect">
-            <a:avLst/>
-          </a:prstGeom>
-        </p:spPr>
-        <p:txBody>
-          <a:bodyPr anchor="t" rtlCol="false" tIns="0" lIns="0" bIns="0" rIns="0">
-            <a:spAutoFit/>
-          </a:bodyPr>
-          <a:lstStyle/>
-          <a:p>
-            <a:pPr algn="l">
-              <a:lnSpc>
-                <a:spcPts val="3434"/>
-              </a:lnSpc>
-            </a:pPr>
-            <a:r>
-              <a:rPr lang="en-US" b="true" sz="3240" spc="25">
-                <a:solidFill>
-                  <a:srgbClr val="7C7AAC"/>
-                </a:solidFill>
-                <a:latin typeface="Futura Bold"/>
-                <a:ea typeface="Futura Bold"/>
-                <a:cs typeface="Futura Bold"/>
-                <a:sym typeface="Futura Bold"/>
-              </a:rPr>
-              <a:t>Key Innovations</a:t>
-            </a:r>
-          </a:p>
-        </p:txBody>
-      </p:sp>
-      <p:sp>
-        <p:nvSpPr>
-          <p:cNvPr name="TextBox 10" id="10"/>
-          <p:cNvSpPr txBox="true"/>
-          <p:nvPr/>
-        </p:nvSpPr>
-        <p:spPr>
-          <a:xfrm rot="0">
-            <a:off x="999629" y="4934179"/>
-            <a:ext cx="15320641" cy="3943807"/>
-          </a:xfrm>
-          <a:prstGeom prst="rect">
-            <a:avLst/>
-          </a:prstGeom>
-        </p:spPr>
-        <p:txBody>
-          <a:bodyPr anchor="t" rtlCol="false" tIns="0" lIns="0" bIns="0" rIns="0">
-            <a:spAutoFit/>
-          </a:bodyPr>
-          <a:lstStyle/>
-          <a:p>
-            <a:pPr algn="l" marL="699516" indent="-349758" lvl="1">
-              <a:lnSpc>
-                <a:spcPts val="3434"/>
-              </a:lnSpc>
-              <a:buFont typeface="Arial"/>
-              <a:buChar char="•"/>
-            </a:pPr>
-            <a:r>
-              <a:rPr lang="en-US" b="true" sz="3240" spc="25">
-                <a:solidFill>
-                  <a:srgbClr val="7C7AAC"/>
-                </a:solidFill>
-                <a:latin typeface="Futura Bold"/>
-                <a:ea typeface="Futura Bold"/>
-                <a:cs typeface="Futura Bold"/>
-                <a:sym typeface="Futura Bold"/>
-              </a:rPr>
-              <a:t>Digital Identity-Driven Security</a:t>
-            </a:r>
-            <a:r>
-              <a:rPr lang="en-US" sz="3240" spc="25">
-                <a:solidFill>
-                  <a:srgbClr val="7C7AAC"/>
-                </a:solidFill>
-                <a:latin typeface="Futura"/>
-                <a:ea typeface="Futura"/>
-                <a:cs typeface="Futura"/>
-                <a:sym typeface="Futura"/>
-              </a:rPr>
-              <a:t> – Unlike standard mobile money platforms that rely on manual verification, Pamomo integrates automated digital ID verification, ensuring a fraud-proof registration process.</a:t>
-            </a:r>
-          </a:p>
-          <a:p>
-            <a:pPr algn="l" marL="699516" indent="-349758" lvl="1">
-              <a:lnSpc>
-                <a:spcPts val="3434"/>
-              </a:lnSpc>
-              <a:buFont typeface="Arial"/>
-              <a:buChar char="•"/>
-            </a:pPr>
-            <a:r>
-              <a:rPr lang="en-US" b="true" sz="3240" spc="25">
-                <a:solidFill>
-                  <a:srgbClr val="7C7AAC"/>
-                </a:solidFill>
-                <a:latin typeface="Futura Bold"/>
-                <a:ea typeface="Futura Bold"/>
-                <a:cs typeface="Futura Bold"/>
-                <a:sym typeface="Futura Bold"/>
-              </a:rPr>
-              <a:t>Self-Registration Mode</a:t>
-            </a:r>
-            <a:r>
-              <a:rPr lang="en-US" sz="3240" spc="25">
-                <a:solidFill>
-                  <a:srgbClr val="7C7AAC"/>
-                </a:solidFill>
-                <a:latin typeface="Futura"/>
-                <a:ea typeface="Futura"/>
-                <a:cs typeface="Futura"/>
-                <a:sym typeface="Futura"/>
-              </a:rPr>
-              <a:t>l – Traditional mobile money wallets require agent-based onboarding, which is slow and prone to human error. Pamomo enables users to register independently while maintaining security.</a:t>
-            </a:r>
-          </a:p>
-          <a:p>
-            <a:pPr algn="l" marL="699516" indent="-349758" lvl="1">
-              <a:lnSpc>
-                <a:spcPts val="3434"/>
-              </a:lnSpc>
-              <a:buFont typeface="Arial"/>
-              <a:buChar char="•"/>
-            </a:pPr>
-            <a:r>
-              <a:rPr lang="en-US" b="true" sz="3240" spc="25">
-                <a:solidFill>
-                  <a:srgbClr val="7C7AAC"/>
-                </a:solidFill>
-                <a:latin typeface="Futura Bold"/>
-                <a:ea typeface="Futura Bold"/>
-                <a:cs typeface="Futura Bold"/>
-                <a:sym typeface="Futura Bold"/>
-              </a:rPr>
-              <a:t>Secure Bank Card Integration</a:t>
-            </a:r>
-            <a:r>
-              <a:rPr lang="en-US" sz="3240" spc="25">
-                <a:solidFill>
-                  <a:srgbClr val="7C7AAC"/>
-                </a:solidFill>
-                <a:latin typeface="Futura"/>
-                <a:ea typeface="Futura"/>
-                <a:cs typeface="Futura"/>
-                <a:sym typeface="Futura"/>
-              </a:rPr>
-              <a:t> – Pamomo will allow users to deposit money using bank credit and debit cards securely, making it convenient for users who prefer traditional banking channels.</a:t>
-            </a:r>
-          </a:p>
-        </p:txBody>
       </p:sp>
     </p:spTree>
   </p:cSld>
@@ -4893,8 +4927,8 @@
         </p:nvSpPr>
         <p:spPr>
           <a:xfrm rot="0">
-            <a:off x="1028700" y="1507160"/>
-            <a:ext cx="15320641" cy="514807"/>
+            <a:off x="999629" y="2242433"/>
+            <a:ext cx="15320641" cy="1800682"/>
           </a:xfrm>
           <a:prstGeom prst="rect">
             <a:avLst/>
@@ -4910,6 +4944,50 @@
               <a:lnSpc>
                 <a:spcPts val="3434"/>
               </a:lnSpc>
+            </a:pPr>
+            <a:r>
+              <a:rPr lang="en-US" sz="3240" spc="25">
+                <a:solidFill>
+                  <a:srgbClr val="7C7AAC"/>
+                </a:solidFill>
+                <a:latin typeface="Futura"/>
+                <a:ea typeface="Futura"/>
+                <a:cs typeface="Futura"/>
+                <a:sym typeface="Futura"/>
+              </a:rPr>
+              <a:t>Unlike traditional mobile money wallets that rely on physical ID verification, Pamomo leverages digital ID authentication via eSignet, ensuring that every user account is securely linked to a verified identity. This eliminates the risks of stolen or borrowed IDs, a common issue in current mobile money systems.</a:t>
+            </a:r>
+          </a:p>
+        </p:txBody>
+      </p:sp>
+      <p:sp>
+        <p:nvSpPr>
+          <p:cNvPr name="TextBox 8" id="8"/>
+          <p:cNvSpPr txBox="true"/>
+          <p:nvPr/>
+        </p:nvSpPr>
+        <p:spPr>
+          <a:xfrm rot="0">
+            <a:off x="1028700" y="1375201"/>
+            <a:ext cx="7631249" cy="514807"/>
+          </a:xfrm>
+          <a:prstGeom prst="rect">
+            <a:avLst/>
+          </a:prstGeom>
+        </p:spPr>
+        <p:txBody>
+          <a:bodyPr anchor="t" rtlCol="false" tIns="0" lIns="0" bIns="0" rIns="0">
+            <a:spAutoFit/>
+          </a:bodyPr>
+          <a:lstStyle/>
+          <a:p>
+            <a:pPr algn="l">
+              <a:lnSpc>
+                <a:spcPts val="3434"/>
+              </a:lnSpc>
+              <a:spcBef>
+                <a:spcPct val="0"/>
+              </a:spcBef>
             </a:pPr>
             <a:r>
               <a:rPr lang="en-US" b="true" sz="3240" spc="25">
@@ -4921,21 +4999,21 @@
                 <a:cs typeface="Futura Bold"/>
                 <a:sym typeface="Futura Bold"/>
               </a:rPr>
-              <a:t>Key Innovations</a:t>
-            </a:r>
-          </a:p>
-        </p:txBody>
-      </p:sp>
-      <p:sp>
-        <p:nvSpPr>
-          <p:cNvPr name="TextBox 8" id="8"/>
+              <a:t>How Pamomo Stands Out</a:t>
+            </a:r>
+          </a:p>
+        </p:txBody>
+      </p:sp>
+      <p:sp>
+        <p:nvSpPr>
+          <p:cNvPr name="TextBox 9" id="9"/>
           <p:cNvSpPr txBox="true"/>
           <p:nvPr/>
         </p:nvSpPr>
         <p:spPr>
           <a:xfrm rot="0">
-            <a:off x="698856" y="2507742"/>
-            <a:ext cx="15320641" cy="3515182"/>
+            <a:off x="999629" y="4228871"/>
+            <a:ext cx="15320641" cy="514807"/>
           </a:xfrm>
           <a:prstGeom prst="rect">
             <a:avLst/>
@@ -4951,15 +5029,6 @@
               <a:lnSpc>
                 <a:spcPts val="3434"/>
               </a:lnSpc>
-            </a:pPr>
-          </a:p>
-          <a:p>
-            <a:pPr algn="l" marL="699516" indent="-349758" lvl="1">
-              <a:lnSpc>
-                <a:spcPts val="3434"/>
-              </a:lnSpc>
-              <a:buFont typeface="Arial"/>
-              <a:buChar char="•"/>
             </a:pPr>
             <a:r>
               <a:rPr lang="en-US" b="true" sz="3240" spc="25">
@@ -4971,7 +5040,50 @@
                 <a:cs typeface="Futura Bold"/>
                 <a:sym typeface="Futura Bold"/>
               </a:rPr>
-              <a:t>Seamless Compliance &amp; Trust </a:t>
+              <a:t>Key Innovations</a:t>
+            </a:r>
+          </a:p>
+        </p:txBody>
+      </p:sp>
+      <p:sp>
+        <p:nvSpPr>
+          <p:cNvPr name="TextBox 10" id="10"/>
+          <p:cNvSpPr txBox="true"/>
+          <p:nvPr/>
+        </p:nvSpPr>
+        <p:spPr>
+          <a:xfrm rot="0">
+            <a:off x="999629" y="4934179"/>
+            <a:ext cx="15320641" cy="3943807"/>
+          </a:xfrm>
+          <a:prstGeom prst="rect">
+            <a:avLst/>
+          </a:prstGeom>
+        </p:spPr>
+        <p:txBody>
+          <a:bodyPr anchor="t" rtlCol="false" tIns="0" lIns="0" bIns="0" rIns="0">
+            <a:spAutoFit/>
+          </a:bodyPr>
+          <a:lstStyle/>
+          <a:p>
+            <a:pPr algn="l" marL="699516" indent="-349758" lvl="1">
+              <a:lnSpc>
+                <a:spcPts val="3434"/>
+              </a:lnSpc>
+              <a:buFont typeface="Arial"/>
+              <a:buChar char="•"/>
+            </a:pPr>
+            <a:r>
+              <a:rPr lang="en-US" b="true" sz="3240" spc="25">
+                <a:solidFill>
+                  <a:srgbClr val="7C7AAC"/>
+                </a:solidFill>
+                <a:latin typeface="Futura Bold"/>
+                <a:ea typeface="Futura Bold"/>
+                <a:cs typeface="Futura Bold"/>
+                <a:sym typeface="Futura Bold"/>
+              </a:rPr>
+              <a:t>Digital Identity-Driven Security</a:t>
             </a:r>
             <a:r>
               <a:rPr lang="en-US" sz="3240" spc="25">
@@ -4983,7 +5095,7 @@
                 <a:cs typeface="Futura"/>
                 <a:sym typeface="Futura"/>
               </a:rPr>
-              <a:t>– Many mobile money platforms struggle with regulatory compliance due to weak identity verification methods. Pamomo ensures full KYC adherence through digital identity mapping, reducing risks for financial institutions.</a:t>
+              <a:t> – Unlike standard mobile money platforms that rely on manual verification, Pamomo integrates automated digital ID verification, ensuring a fraud-proof registration process.</a:t>
             </a:r>
           </a:p>
           <a:p>
@@ -5004,7 +5116,7 @@
                 <a:cs typeface="Futura Bold"/>
                 <a:sym typeface="Futura Bold"/>
               </a:rPr>
-              <a:t>Interoperable Deposits</a:t>
+              <a:t>Self-Registration Mode</a:t>
             </a:r>
             <a:r>
               <a:rPr lang="en-US" sz="3240" spc="25">
@@ -5016,7 +5128,40 @@
                 <a:cs typeface="Futura"/>
                 <a:sym typeface="Futura"/>
               </a:rPr>
-              <a:t> – Users will be able to deposit funds into Pamomo from local mobile money operators like Airtel. This enhances accessibility and compatibility with popular financial platforms.</a:t>
+              <a:t>l – Traditional mobile money wallets require agent-based onboarding, which is slow and prone to human error. Pamomo enables users to register independently while maintaining security.</a:t>
+            </a:r>
+          </a:p>
+          <a:p>
+            <a:pPr algn="l" marL="699516" indent="-349758" lvl="1">
+              <a:lnSpc>
+                <a:spcPts val="3434"/>
+              </a:lnSpc>
+              <a:buFont typeface="Arial"/>
+              <a:buChar char="•"/>
+            </a:pPr>
+            <a:r>
+              <a:rPr lang="en-US" b="true" sz="3240" spc="25">
+                <a:solidFill>
+                  <a:srgbClr val="7C7AAC"/>
+                </a:solidFill>
+                <a:latin typeface="Futura Bold"/>
+                <a:ea typeface="Futura Bold"/>
+                <a:cs typeface="Futura Bold"/>
+                <a:sym typeface="Futura Bold"/>
+              </a:rPr>
+              <a:t>Secure Bank Card Integration</a:t>
+            </a:r>
+            <a:r>
+              <a:rPr lang="en-US" sz="3240" spc="25">
+                <a:solidFill>
+                  <a:srgbClr val="7C7AAC"/>
+                </a:solidFill>
+                <a:latin typeface="Futura"/>
+                <a:ea typeface="Futura"/>
+                <a:cs typeface="Futura"/>
+                <a:sym typeface="Futura"/>
+              </a:rPr>
+              <a:t> – Pamomo will allow users to deposit money using bank credit and debit cards securely, making it convenient for users who prefer traditional banking channels.</a:t>
             </a:r>
           </a:p>
         </p:txBody>
@@ -5099,9 +5244,9 @@
           <p:nvPr/>
         </p:nvSpPr>
         <p:spPr>
-          <a:xfrm flipH="true" flipV="true" rot="0">
-            <a:off x="1028700" y="1028700"/>
-            <a:ext cx="759822" cy="750151"/>
+          <a:xfrm flipH="true" flipV="false" rot="0">
+            <a:off x="1028700" y="8891519"/>
+            <a:ext cx="371510" cy="366781"/>
           </a:xfrm>
           <a:custGeom>
             <a:avLst/>
@@ -5110,21 +5255,21 @@
             <a:cxnLst/>
             <a:rect r="r" b="b" t="t" l="l"/>
             <a:pathLst>
-              <a:path h="750151" w="759822">
+              <a:path h="366781" w="371510">
                 <a:moveTo>
-                  <a:pt x="759822" y="750151"/>
+                  <a:pt x="371510" y="0"/>
                 </a:moveTo>
                 <a:lnTo>
-                  <a:pt x="0" y="750151"/>
-                </a:lnTo>
-                <a:lnTo>
                   <a:pt x="0" y="0"/>
                 </a:lnTo>
                 <a:lnTo>
-                  <a:pt x="759822" y="0"/>
-                </a:lnTo>
-                <a:lnTo>
-                  <a:pt x="759822" y="750151"/>
+                  <a:pt x="0" y="366781"/>
+                </a:lnTo>
+                <a:lnTo>
+                  <a:pt x="371510" y="366781"/>
+                </a:lnTo>
+                <a:lnTo>
+                  <a:pt x="371510" y="0"/>
                 </a:lnTo>
                 <a:close/>
               </a:path>
@@ -5146,186 +5291,14 @@
       </p:sp>
       <p:sp>
         <p:nvSpPr>
-          <p:cNvPr name="TextBox 4" id="4"/>
-          <p:cNvSpPr txBox="true"/>
-          <p:nvPr/>
-        </p:nvSpPr>
-        <p:spPr>
-          <a:xfrm rot="0">
-            <a:off x="674030" y="4269927"/>
-            <a:ext cx="10856486" cy="2351639"/>
-          </a:xfrm>
-          <a:prstGeom prst="rect">
-            <a:avLst/>
-          </a:prstGeom>
-        </p:spPr>
-        <p:txBody>
-          <a:bodyPr anchor="t" rtlCol="false" tIns="0" lIns="0" bIns="0" rIns="0">
-            <a:spAutoFit/>
-          </a:bodyPr>
-          <a:lstStyle/>
-          <a:p>
-            <a:pPr algn="l">
-              <a:lnSpc>
-                <a:spcPts val="17255"/>
-              </a:lnSpc>
-              <a:spcBef>
-                <a:spcPct val="0"/>
-              </a:spcBef>
-            </a:pPr>
-            <a:r>
-              <a:rPr lang="en-US" sz="12325" b="true">
-                <a:solidFill>
-                  <a:srgbClr val="7C7AAC"/>
-                </a:solidFill>
-                <a:latin typeface="Futura Bold"/>
-                <a:ea typeface="Futura Bold"/>
-                <a:cs typeface="Futura Bold"/>
-                <a:sym typeface="Futura Bold"/>
-              </a:rPr>
-              <a:t>Digital ID</a:t>
-            </a:r>
-          </a:p>
-        </p:txBody>
-      </p:sp>
-      <p:sp>
-        <p:nvSpPr>
-          <p:cNvPr name="TextBox 5" id="5"/>
-          <p:cNvSpPr txBox="true"/>
-          <p:nvPr/>
-        </p:nvSpPr>
-        <p:spPr>
-          <a:xfrm rot="0">
-            <a:off x="10754779" y="1861446"/>
-            <a:ext cx="6679409" cy="513833"/>
-          </a:xfrm>
-          <a:prstGeom prst="rect">
-            <a:avLst/>
-          </a:prstGeom>
-        </p:spPr>
-        <p:txBody>
-          <a:bodyPr anchor="t" rtlCol="false" tIns="0" lIns="0" bIns="0" rIns="0">
-            <a:spAutoFit/>
-          </a:bodyPr>
-          <a:lstStyle/>
-          <a:p>
-            <a:pPr algn="just">
-              <a:lnSpc>
-                <a:spcPts val="4228"/>
-              </a:lnSpc>
-              <a:spcBef>
-                <a:spcPct val="0"/>
-              </a:spcBef>
-            </a:pPr>
-            <a:r>
-              <a:rPr lang="en-US" b="true" sz="3020">
-                <a:solidFill>
-                  <a:srgbClr val="4D4B66"/>
-                </a:solidFill>
-                <a:latin typeface="Montserrat Bold"/>
-                <a:ea typeface="Montserrat Bold"/>
-                <a:cs typeface="Montserrat Bold"/>
-                <a:sym typeface="Montserrat Bold"/>
-              </a:rPr>
-              <a:t>SecureMoMo - Pamomo</a:t>
-            </a:r>
-          </a:p>
-        </p:txBody>
-      </p:sp>
-      <p:sp>
-        <p:nvSpPr>
-          <p:cNvPr name="TextBox 6" id="6"/>
-          <p:cNvSpPr txBox="true"/>
-          <p:nvPr/>
-        </p:nvSpPr>
-        <p:spPr>
-          <a:xfrm rot="0">
-            <a:off x="-1648863" y="6115050"/>
-            <a:ext cx="16151390" cy="2036337"/>
-          </a:xfrm>
-          <a:prstGeom prst="rect">
-            <a:avLst/>
-          </a:prstGeom>
-        </p:spPr>
-        <p:txBody>
-          <a:bodyPr anchor="t" rtlCol="false" tIns="0" lIns="0" bIns="0" rIns="0">
-            <a:spAutoFit/>
-          </a:bodyPr>
-          <a:lstStyle/>
-          <a:p>
-            <a:pPr algn="ctr">
-              <a:lnSpc>
-                <a:spcPts val="12612"/>
-              </a:lnSpc>
-            </a:pPr>
-            <a:r>
-              <a:rPr lang="en-US" b="true" sz="14497" spc="2319">
-                <a:solidFill>
-                  <a:srgbClr val="041226">
-                    <a:alpha val="4706"/>
-                  </a:srgbClr>
-                </a:solidFill>
-                <a:latin typeface="Futura Bold"/>
-                <a:ea typeface="Futura Bold"/>
-                <a:cs typeface="Futura Bold"/>
-                <a:sym typeface="Futura Bold"/>
-              </a:rPr>
-              <a:t>In Pamomo</a:t>
-            </a:r>
-          </a:p>
-        </p:txBody>
-      </p:sp>
-      <p:sp>
-        <p:nvSpPr>
-          <p:cNvPr name="TextBox 7" id="7"/>
-          <p:cNvSpPr txBox="true"/>
-          <p:nvPr/>
-        </p:nvSpPr>
-        <p:spPr>
-          <a:xfrm rot="-5400000">
-            <a:off x="-496189" y="2179869"/>
-            <a:ext cx="2500458" cy="198120"/>
-          </a:xfrm>
-          <a:prstGeom prst="rect">
-            <a:avLst/>
-          </a:prstGeom>
-        </p:spPr>
-        <p:txBody>
-          <a:bodyPr anchor="t" rtlCol="false" tIns="0" lIns="0" bIns="0" rIns="0">
-            <a:spAutoFit/>
-          </a:bodyPr>
-          <a:lstStyle/>
-          <a:p>
-            <a:pPr algn="r">
-              <a:lnSpc>
-                <a:spcPts val="1679"/>
-              </a:lnSpc>
-            </a:pPr>
-            <a:r>
-              <a:rPr lang="en-US" b="true" sz="1200">
-                <a:solidFill>
-                  <a:srgbClr val="7C7AAC"/>
-                </a:solidFill>
-                <a:latin typeface="Montserrat Bold"/>
-                <a:ea typeface="Montserrat Bold"/>
-                <a:cs typeface="Montserrat Bold"/>
-                <a:sym typeface="Montserrat Bold"/>
-              </a:rPr>
-              <a:t>PITCH DECK PRESENTATION</a:t>
-            </a:r>
-          </a:p>
-        </p:txBody>
-      </p:sp>
-      <p:sp>
-        <p:nvSpPr>
-          <p:cNvPr name="Freeform 8" id="8"/>
+          <p:cNvPr name="Freeform 4" id="4"/>
           <p:cNvSpPr/>
           <p:nvPr/>
         </p:nvSpPr>
         <p:spPr>
-          <a:xfrm flipH="false" flipV="false" rot="0">
-            <a:off x="16887790" y="8891519"/>
-            <a:ext cx="371510" cy="366781"/>
+          <a:xfrm flipH="false" flipV="true" rot="0">
+            <a:off x="16499478" y="1028700"/>
+            <a:ext cx="759822" cy="750151"/>
           </a:xfrm>
           <a:custGeom>
             <a:avLst/>
@@ -5334,21 +5307,21 @@
             <a:cxnLst/>
             <a:rect r="r" b="b" t="t" l="l"/>
             <a:pathLst>
-              <a:path h="366781" w="371510">
+              <a:path h="750151" w="759822">
                 <a:moveTo>
+                  <a:pt x="0" y="750151"/>
+                </a:moveTo>
+                <a:lnTo>
+                  <a:pt x="759822" y="750151"/>
+                </a:lnTo>
+                <a:lnTo>
+                  <a:pt x="759822" y="0"/>
+                </a:lnTo>
+                <a:lnTo>
                   <a:pt x="0" y="0"/>
-                </a:moveTo>
-                <a:lnTo>
-                  <a:pt x="371510" y="0"/>
-                </a:lnTo>
-                <a:lnTo>
-                  <a:pt x="371510" y="366781"/>
-                </a:lnTo>
-                <a:lnTo>
-                  <a:pt x="0" y="366781"/>
-                </a:lnTo>
-                <a:lnTo>
-                  <a:pt x="0" y="0"/>
+                </a:lnTo>
+                <a:lnTo>
+                  <a:pt x="0" y="750151"/>
                 </a:lnTo>
                 <a:close/>
               </a:path>
@@ -5367,6 +5340,239 @@
             </a:stretch>
           </a:blipFill>
         </p:spPr>
+      </p:sp>
+      <p:sp>
+        <p:nvSpPr>
+          <p:cNvPr name="TextBox 5" id="5"/>
+          <p:cNvSpPr txBox="true"/>
+          <p:nvPr/>
+        </p:nvSpPr>
+        <p:spPr>
+          <a:xfrm rot="-5400000">
+            <a:off x="-650433" y="7909011"/>
+            <a:ext cx="2500458" cy="198120"/>
+          </a:xfrm>
+          <a:prstGeom prst="rect">
+            <a:avLst/>
+          </a:prstGeom>
+        </p:spPr>
+        <p:txBody>
+          <a:bodyPr anchor="t" rtlCol="false" tIns="0" lIns="0" bIns="0" rIns="0">
+            <a:spAutoFit/>
+          </a:bodyPr>
+          <a:lstStyle/>
+          <a:p>
+            <a:pPr algn="l">
+              <a:lnSpc>
+                <a:spcPts val="1679"/>
+              </a:lnSpc>
+            </a:pPr>
+            <a:r>
+              <a:rPr lang="en-US" sz="1200" b="true">
+                <a:solidFill>
+                  <a:srgbClr val="7C7AAC"/>
+                </a:solidFill>
+                <a:latin typeface="Montserrat Bold"/>
+                <a:ea typeface="Montserrat Bold"/>
+                <a:cs typeface="Montserrat Bold"/>
+                <a:sym typeface="Montserrat Bold"/>
+              </a:rPr>
+              <a:t>PITCH DECK PRESENTATION</a:t>
+            </a:r>
+          </a:p>
+        </p:txBody>
+      </p:sp>
+      <p:sp>
+        <p:nvSpPr>
+          <p:cNvPr name="TextBox 6" id="6"/>
+          <p:cNvSpPr txBox="true"/>
+          <p:nvPr/>
+        </p:nvSpPr>
+        <p:spPr>
+          <a:xfrm rot="0">
+            <a:off x="1028700" y="511112"/>
+            <a:ext cx="7631249" cy="514807"/>
+          </a:xfrm>
+          <a:prstGeom prst="rect">
+            <a:avLst/>
+          </a:prstGeom>
+        </p:spPr>
+        <p:txBody>
+          <a:bodyPr anchor="t" rtlCol="false" tIns="0" lIns="0" bIns="0" rIns="0">
+            <a:spAutoFit/>
+          </a:bodyPr>
+          <a:lstStyle/>
+          <a:p>
+            <a:pPr algn="l">
+              <a:lnSpc>
+                <a:spcPts val="3434"/>
+              </a:lnSpc>
+              <a:spcBef>
+                <a:spcPct val="0"/>
+              </a:spcBef>
+            </a:pPr>
+            <a:r>
+              <a:rPr lang="en-US" b="true" sz="3240" spc="25">
+                <a:solidFill>
+                  <a:srgbClr val="7C7AAC"/>
+                </a:solidFill>
+                <a:latin typeface="Futura Bold"/>
+                <a:ea typeface="Futura Bold"/>
+                <a:cs typeface="Futura Bold"/>
+                <a:sym typeface="Futura Bold"/>
+              </a:rPr>
+              <a:t>Differentia</a:t>
+            </a:r>
+            <a:r>
+              <a:rPr lang="en-US" b="true" sz="3240" spc="25">
+                <a:solidFill>
+                  <a:srgbClr val="7C7AAC"/>
+                </a:solidFill>
+                <a:latin typeface="Futura Bold"/>
+                <a:ea typeface="Futura Bold"/>
+                <a:cs typeface="Futura Bold"/>
+                <a:sym typeface="Futura Bold"/>
+              </a:rPr>
+              <a:t>tion &amp; Key Contributions</a:t>
+            </a:r>
+          </a:p>
+        </p:txBody>
+      </p:sp>
+      <p:sp>
+        <p:nvSpPr>
+          <p:cNvPr name="TextBox 7" id="7"/>
+          <p:cNvSpPr txBox="true"/>
+          <p:nvPr/>
+        </p:nvSpPr>
+        <p:spPr>
+          <a:xfrm rot="0">
+            <a:off x="1028700" y="1507160"/>
+            <a:ext cx="15320641" cy="514807"/>
+          </a:xfrm>
+          <a:prstGeom prst="rect">
+            <a:avLst/>
+          </a:prstGeom>
+        </p:spPr>
+        <p:txBody>
+          <a:bodyPr anchor="t" rtlCol="false" tIns="0" lIns="0" bIns="0" rIns="0">
+            <a:spAutoFit/>
+          </a:bodyPr>
+          <a:lstStyle/>
+          <a:p>
+            <a:pPr algn="l">
+              <a:lnSpc>
+                <a:spcPts val="3434"/>
+              </a:lnSpc>
+            </a:pPr>
+            <a:r>
+              <a:rPr lang="en-US" b="true" sz="3240" spc="25">
+                <a:solidFill>
+                  <a:srgbClr val="7C7AAC"/>
+                </a:solidFill>
+                <a:latin typeface="Futura Bold"/>
+                <a:ea typeface="Futura Bold"/>
+                <a:cs typeface="Futura Bold"/>
+                <a:sym typeface="Futura Bold"/>
+              </a:rPr>
+              <a:t>Key Innovations</a:t>
+            </a:r>
+          </a:p>
+        </p:txBody>
+      </p:sp>
+      <p:sp>
+        <p:nvSpPr>
+          <p:cNvPr name="TextBox 8" id="8"/>
+          <p:cNvSpPr txBox="true"/>
+          <p:nvPr/>
+        </p:nvSpPr>
+        <p:spPr>
+          <a:xfrm rot="0">
+            <a:off x="698856" y="2507742"/>
+            <a:ext cx="15320641" cy="3515182"/>
+          </a:xfrm>
+          <a:prstGeom prst="rect">
+            <a:avLst/>
+          </a:prstGeom>
+        </p:spPr>
+        <p:txBody>
+          <a:bodyPr anchor="t" rtlCol="false" tIns="0" lIns="0" bIns="0" rIns="0">
+            <a:spAutoFit/>
+          </a:bodyPr>
+          <a:lstStyle/>
+          <a:p>
+            <a:pPr algn="l">
+              <a:lnSpc>
+                <a:spcPts val="3434"/>
+              </a:lnSpc>
+            </a:pPr>
+          </a:p>
+          <a:p>
+            <a:pPr algn="l" marL="699516" indent="-349758" lvl="1">
+              <a:lnSpc>
+                <a:spcPts val="3434"/>
+              </a:lnSpc>
+              <a:buFont typeface="Arial"/>
+              <a:buChar char="•"/>
+            </a:pPr>
+            <a:r>
+              <a:rPr lang="en-US" b="true" sz="3240" spc="25">
+                <a:solidFill>
+                  <a:srgbClr val="7C7AAC"/>
+                </a:solidFill>
+                <a:latin typeface="Futura Bold"/>
+                <a:ea typeface="Futura Bold"/>
+                <a:cs typeface="Futura Bold"/>
+                <a:sym typeface="Futura Bold"/>
+              </a:rPr>
+              <a:t>Seamless Compliance &amp; Trust </a:t>
+            </a:r>
+            <a:r>
+              <a:rPr lang="en-US" sz="3240" spc="25">
+                <a:solidFill>
+                  <a:srgbClr val="7C7AAC"/>
+                </a:solidFill>
+                <a:latin typeface="Futura"/>
+                <a:ea typeface="Futura"/>
+                <a:cs typeface="Futura"/>
+                <a:sym typeface="Futura"/>
+              </a:rPr>
+              <a:t>– Many mobile money platforms struggle with regulatory compliance due to weak identity verification methods. Pamomo ensures full KYC adherence through digital identity mapping, reducing risks for financial institutions.</a:t>
+            </a:r>
+          </a:p>
+          <a:p>
+            <a:pPr algn="l" marL="699516" indent="-349758" lvl="1">
+              <a:lnSpc>
+                <a:spcPts val="3434"/>
+              </a:lnSpc>
+              <a:buFont typeface="Arial"/>
+              <a:buChar char="•"/>
+            </a:pPr>
+            <a:r>
+              <a:rPr lang="en-US" b="true" sz="3240" spc="25">
+                <a:solidFill>
+                  <a:srgbClr val="7C7AAC"/>
+                </a:solidFill>
+                <a:latin typeface="Futura Bold"/>
+                <a:ea typeface="Futura Bold"/>
+                <a:cs typeface="Futura Bold"/>
+                <a:sym typeface="Futura Bold"/>
+              </a:rPr>
+              <a:t>Interoperable Deposits</a:t>
+            </a:r>
+            <a:r>
+              <a:rPr lang="en-US" sz="3240" spc="25">
+                <a:solidFill>
+                  <a:srgbClr val="7C7AAC"/>
+                </a:solidFill>
+                <a:latin typeface="Futura"/>
+                <a:ea typeface="Futura"/>
+                <a:cs typeface="Futura"/>
+                <a:sym typeface="Futura"/>
+              </a:rPr>
+              <a:t> – Users will be able to deposit funds into Pamomo from local mobile money operators like Airtel. This enhances accessibility and compatibility with popular financial platforms.</a:t>
+            </a:r>
+          </a:p>
+        </p:txBody>
       </p:sp>
     </p:spTree>
   </p:cSld>
@@ -5446,9 +5652,9 @@
           <p:nvPr/>
         </p:nvSpPr>
         <p:spPr>
-          <a:xfrm flipH="true" flipV="false" rot="0">
-            <a:off x="1028700" y="8891519"/>
-            <a:ext cx="371510" cy="366781"/>
+          <a:xfrm flipH="true" flipV="true" rot="0">
+            <a:off x="1028700" y="1028700"/>
+            <a:ext cx="759822" cy="750151"/>
           </a:xfrm>
           <a:custGeom>
             <a:avLst/>
@@ -5457,21 +5663,21 @@
             <a:cxnLst/>
             <a:rect r="r" b="b" t="t" l="l"/>
             <a:pathLst>
-              <a:path h="366781" w="371510">
+              <a:path h="750151" w="759822">
                 <a:moveTo>
-                  <a:pt x="371510" y="0"/>
+                  <a:pt x="759822" y="750151"/>
                 </a:moveTo>
                 <a:lnTo>
+                  <a:pt x="0" y="750151"/>
+                </a:lnTo>
+                <a:lnTo>
                   <a:pt x="0" y="0"/>
                 </a:lnTo>
                 <a:lnTo>
-                  <a:pt x="0" y="366781"/>
-                </a:lnTo>
-                <a:lnTo>
-                  <a:pt x="371510" y="366781"/>
-                </a:lnTo>
-                <a:lnTo>
-                  <a:pt x="371510" y="0"/>
+                  <a:pt x="759822" y="0"/>
+                </a:lnTo>
+                <a:lnTo>
+                  <a:pt x="759822" y="750151"/>
                 </a:lnTo>
                 <a:close/>
               </a:path>
@@ -5493,14 +5699,186 @@
       </p:sp>
       <p:sp>
         <p:nvSpPr>
-          <p:cNvPr name="Freeform 4" id="4"/>
+          <p:cNvPr name="TextBox 4" id="4"/>
+          <p:cNvSpPr txBox="true"/>
+          <p:nvPr/>
+        </p:nvSpPr>
+        <p:spPr>
+          <a:xfrm rot="0">
+            <a:off x="674030" y="4269927"/>
+            <a:ext cx="10856486" cy="2351639"/>
+          </a:xfrm>
+          <a:prstGeom prst="rect">
+            <a:avLst/>
+          </a:prstGeom>
+        </p:spPr>
+        <p:txBody>
+          <a:bodyPr anchor="t" rtlCol="false" tIns="0" lIns="0" bIns="0" rIns="0">
+            <a:spAutoFit/>
+          </a:bodyPr>
+          <a:lstStyle/>
+          <a:p>
+            <a:pPr algn="l">
+              <a:lnSpc>
+                <a:spcPts val="17255"/>
+              </a:lnSpc>
+              <a:spcBef>
+                <a:spcPct val="0"/>
+              </a:spcBef>
+            </a:pPr>
+            <a:r>
+              <a:rPr lang="en-US" sz="12325" b="true">
+                <a:solidFill>
+                  <a:srgbClr val="7C7AAC"/>
+                </a:solidFill>
+                <a:latin typeface="Futura Bold"/>
+                <a:ea typeface="Futura Bold"/>
+                <a:cs typeface="Futura Bold"/>
+                <a:sym typeface="Futura Bold"/>
+              </a:rPr>
+              <a:t>Digital ID</a:t>
+            </a:r>
+          </a:p>
+        </p:txBody>
+      </p:sp>
+      <p:sp>
+        <p:nvSpPr>
+          <p:cNvPr name="TextBox 5" id="5"/>
+          <p:cNvSpPr txBox="true"/>
+          <p:nvPr/>
+        </p:nvSpPr>
+        <p:spPr>
+          <a:xfrm rot="0">
+            <a:off x="10754779" y="1861446"/>
+            <a:ext cx="6679409" cy="513833"/>
+          </a:xfrm>
+          <a:prstGeom prst="rect">
+            <a:avLst/>
+          </a:prstGeom>
+        </p:spPr>
+        <p:txBody>
+          <a:bodyPr anchor="t" rtlCol="false" tIns="0" lIns="0" bIns="0" rIns="0">
+            <a:spAutoFit/>
+          </a:bodyPr>
+          <a:lstStyle/>
+          <a:p>
+            <a:pPr algn="just">
+              <a:lnSpc>
+                <a:spcPts val="4228"/>
+              </a:lnSpc>
+              <a:spcBef>
+                <a:spcPct val="0"/>
+              </a:spcBef>
+            </a:pPr>
+            <a:r>
+              <a:rPr lang="en-US" b="true" sz="3020">
+                <a:solidFill>
+                  <a:srgbClr val="4D4B66"/>
+                </a:solidFill>
+                <a:latin typeface="Montserrat Bold"/>
+                <a:ea typeface="Montserrat Bold"/>
+                <a:cs typeface="Montserrat Bold"/>
+                <a:sym typeface="Montserrat Bold"/>
+              </a:rPr>
+              <a:t>SecureMoMo - Pamomo</a:t>
+            </a:r>
+          </a:p>
+        </p:txBody>
+      </p:sp>
+      <p:sp>
+        <p:nvSpPr>
+          <p:cNvPr name="TextBox 6" id="6"/>
+          <p:cNvSpPr txBox="true"/>
+          <p:nvPr/>
+        </p:nvSpPr>
+        <p:spPr>
+          <a:xfrm rot="0">
+            <a:off x="-1648863" y="6115050"/>
+            <a:ext cx="16151390" cy="2036337"/>
+          </a:xfrm>
+          <a:prstGeom prst="rect">
+            <a:avLst/>
+          </a:prstGeom>
+        </p:spPr>
+        <p:txBody>
+          <a:bodyPr anchor="t" rtlCol="false" tIns="0" lIns="0" bIns="0" rIns="0">
+            <a:spAutoFit/>
+          </a:bodyPr>
+          <a:lstStyle/>
+          <a:p>
+            <a:pPr algn="ctr">
+              <a:lnSpc>
+                <a:spcPts val="12612"/>
+              </a:lnSpc>
+            </a:pPr>
+            <a:r>
+              <a:rPr lang="en-US" b="true" sz="14497" spc="2319">
+                <a:solidFill>
+                  <a:srgbClr val="041226">
+                    <a:alpha val="4706"/>
+                  </a:srgbClr>
+                </a:solidFill>
+                <a:latin typeface="Futura Bold"/>
+                <a:ea typeface="Futura Bold"/>
+                <a:cs typeface="Futura Bold"/>
+                <a:sym typeface="Futura Bold"/>
+              </a:rPr>
+              <a:t>In Pamomo</a:t>
+            </a:r>
+          </a:p>
+        </p:txBody>
+      </p:sp>
+      <p:sp>
+        <p:nvSpPr>
+          <p:cNvPr name="TextBox 7" id="7"/>
+          <p:cNvSpPr txBox="true"/>
+          <p:nvPr/>
+        </p:nvSpPr>
+        <p:spPr>
+          <a:xfrm rot="-5400000">
+            <a:off x="-496189" y="2179869"/>
+            <a:ext cx="2500458" cy="198120"/>
+          </a:xfrm>
+          <a:prstGeom prst="rect">
+            <a:avLst/>
+          </a:prstGeom>
+        </p:spPr>
+        <p:txBody>
+          <a:bodyPr anchor="t" rtlCol="false" tIns="0" lIns="0" bIns="0" rIns="0">
+            <a:spAutoFit/>
+          </a:bodyPr>
+          <a:lstStyle/>
+          <a:p>
+            <a:pPr algn="r">
+              <a:lnSpc>
+                <a:spcPts val="1679"/>
+              </a:lnSpc>
+            </a:pPr>
+            <a:r>
+              <a:rPr lang="en-US" b="true" sz="1200">
+                <a:solidFill>
+                  <a:srgbClr val="7C7AAC"/>
+                </a:solidFill>
+                <a:latin typeface="Montserrat Bold"/>
+                <a:ea typeface="Montserrat Bold"/>
+                <a:cs typeface="Montserrat Bold"/>
+                <a:sym typeface="Montserrat Bold"/>
+              </a:rPr>
+              <a:t>PITCH DECK PRESENTATION</a:t>
+            </a:r>
+          </a:p>
+        </p:txBody>
+      </p:sp>
+      <p:sp>
+        <p:nvSpPr>
+          <p:cNvPr name="Freeform 8" id="8"/>
           <p:cNvSpPr/>
           <p:nvPr/>
         </p:nvSpPr>
         <p:spPr>
-          <a:xfrm flipH="false" flipV="true" rot="0">
-            <a:off x="16499478" y="1028700"/>
-            <a:ext cx="759822" cy="750151"/>
+          <a:xfrm flipH="false" flipV="false" rot="0">
+            <a:off x="16887790" y="8891519"/>
+            <a:ext cx="371510" cy="366781"/>
           </a:xfrm>
           <a:custGeom>
             <a:avLst/>
@@ -5509,21 +5887,21 @@
             <a:cxnLst/>
             <a:rect r="r" b="b" t="t" l="l"/>
             <a:pathLst>
-              <a:path h="750151" w="759822">
+              <a:path h="366781" w="371510">
                 <a:moveTo>
-                  <a:pt x="0" y="750151"/>
+                  <a:pt x="0" y="0"/>
                 </a:moveTo>
                 <a:lnTo>
-                  <a:pt x="759822" y="750151"/>
-                </a:lnTo>
-                <a:lnTo>
-                  <a:pt x="759822" y="0"/>
+                  <a:pt x="371510" y="0"/>
+                </a:lnTo>
+                <a:lnTo>
+                  <a:pt x="371510" y="366781"/>
+                </a:lnTo>
+                <a:lnTo>
+                  <a:pt x="0" y="366781"/>
                 </a:lnTo>
                 <a:lnTo>
                   <a:pt x="0" y="0"/>
-                </a:lnTo>
-                <a:lnTo>
-                  <a:pt x="0" y="750151"/>
                 </a:lnTo>
                 <a:close/>
               </a:path>
@@ -5542,296 +5920,6 @@
             </a:stretch>
           </a:blipFill>
         </p:spPr>
-      </p:sp>
-      <p:sp>
-        <p:nvSpPr>
-          <p:cNvPr name="TextBox 5" id="5"/>
-          <p:cNvSpPr txBox="true"/>
-          <p:nvPr/>
-        </p:nvSpPr>
-        <p:spPr>
-          <a:xfrm rot="-5400000">
-            <a:off x="-650433" y="7909011"/>
-            <a:ext cx="2500458" cy="198120"/>
-          </a:xfrm>
-          <a:prstGeom prst="rect">
-            <a:avLst/>
-          </a:prstGeom>
-        </p:spPr>
-        <p:txBody>
-          <a:bodyPr anchor="t" rtlCol="false" tIns="0" lIns="0" bIns="0" rIns="0">
-            <a:spAutoFit/>
-          </a:bodyPr>
-          <a:lstStyle/>
-          <a:p>
-            <a:pPr algn="l">
-              <a:lnSpc>
-                <a:spcPts val="1679"/>
-              </a:lnSpc>
-            </a:pPr>
-            <a:r>
-              <a:rPr lang="en-US" sz="1200" b="true">
-                <a:solidFill>
-                  <a:srgbClr val="7C7AAC"/>
-                </a:solidFill>
-                <a:latin typeface="Montserrat Bold"/>
-                <a:ea typeface="Montserrat Bold"/>
-                <a:cs typeface="Montserrat Bold"/>
-                <a:sym typeface="Montserrat Bold"/>
-              </a:rPr>
-              <a:t>PITCH DECK PRESENTATION</a:t>
-            </a:r>
-          </a:p>
-        </p:txBody>
-      </p:sp>
-      <p:sp>
-        <p:nvSpPr>
-          <p:cNvPr name="TextBox 6" id="6"/>
-          <p:cNvSpPr txBox="true"/>
-          <p:nvPr/>
-        </p:nvSpPr>
-        <p:spPr>
-          <a:xfrm rot="0">
-            <a:off x="1028700" y="511112"/>
-            <a:ext cx="7631249" cy="514807"/>
-          </a:xfrm>
-          <a:prstGeom prst="rect">
-            <a:avLst/>
-          </a:prstGeom>
-        </p:spPr>
-        <p:txBody>
-          <a:bodyPr anchor="t" rtlCol="false" tIns="0" lIns="0" bIns="0" rIns="0">
-            <a:spAutoFit/>
-          </a:bodyPr>
-          <a:lstStyle/>
-          <a:p>
-            <a:pPr algn="l">
-              <a:lnSpc>
-                <a:spcPts val="3434"/>
-              </a:lnSpc>
-              <a:spcBef>
-                <a:spcPct val="0"/>
-              </a:spcBef>
-            </a:pPr>
-            <a:r>
-              <a:rPr lang="en-US" b="true" sz="3240" spc="25">
-                <a:solidFill>
-                  <a:srgbClr val="7C7AAC"/>
-                </a:solidFill>
-                <a:latin typeface="Futura Bold"/>
-                <a:ea typeface="Futura Bold"/>
-                <a:cs typeface="Futura Bold"/>
-                <a:sym typeface="Futura Bold"/>
-              </a:rPr>
-              <a:t>Use of Digital</a:t>
-            </a:r>
-            <a:r>
-              <a:rPr lang="en-US" b="true" sz="3240" spc="25">
-                <a:solidFill>
-                  <a:srgbClr val="7C7AAC"/>
-                </a:solidFill>
-                <a:latin typeface="Futura Bold"/>
-                <a:ea typeface="Futura Bold"/>
-                <a:cs typeface="Futura Bold"/>
-                <a:sym typeface="Futura Bold"/>
-              </a:rPr>
-              <a:t> ID in Pamomo</a:t>
-            </a:r>
-          </a:p>
-        </p:txBody>
-      </p:sp>
-      <p:sp>
-        <p:nvSpPr>
-          <p:cNvPr name="TextBox 7" id="7"/>
-          <p:cNvSpPr txBox="true"/>
-          <p:nvPr/>
-        </p:nvSpPr>
-        <p:spPr>
-          <a:xfrm rot="0">
-            <a:off x="999629" y="1375201"/>
-            <a:ext cx="15320641" cy="1800682"/>
-          </a:xfrm>
-          <a:prstGeom prst="rect">
-            <a:avLst/>
-          </a:prstGeom>
-        </p:spPr>
-        <p:txBody>
-          <a:bodyPr anchor="t" rtlCol="false" tIns="0" lIns="0" bIns="0" rIns="0">
-            <a:spAutoFit/>
-          </a:bodyPr>
-          <a:lstStyle/>
-          <a:p>
-            <a:pPr algn="l">
-              <a:lnSpc>
-                <a:spcPts val="3434"/>
-              </a:lnSpc>
-            </a:pPr>
-            <a:r>
-              <a:rPr lang="en-US" sz="3240" spc="25">
-                <a:solidFill>
-                  <a:srgbClr val="7C7AAC"/>
-                </a:solidFill>
-                <a:latin typeface="Futura"/>
-                <a:ea typeface="Futura"/>
-                <a:cs typeface="Futura"/>
-                <a:sym typeface="Futura"/>
-              </a:rPr>
-              <a:t>Pamomo integrates Digital Identity (Digital ID) to ensure secure and fraud-proof user registration and transactions. Instead of relying on physical IDs, which can be stolen or misused, Pamomo uses eSignet, a trusted digital identity verification system, to authenticate users.</a:t>
-            </a:r>
-          </a:p>
-        </p:txBody>
-      </p:sp>
-      <p:sp>
-        <p:nvSpPr>
-          <p:cNvPr name="TextBox 8" id="8"/>
-          <p:cNvSpPr txBox="true"/>
-          <p:nvPr/>
-        </p:nvSpPr>
-        <p:spPr>
-          <a:xfrm rot="0">
-            <a:off x="999629" y="3528308"/>
-            <a:ext cx="15320641" cy="514807"/>
-          </a:xfrm>
-          <a:prstGeom prst="rect">
-            <a:avLst/>
-          </a:prstGeom>
-        </p:spPr>
-        <p:txBody>
-          <a:bodyPr anchor="t" rtlCol="false" tIns="0" lIns="0" bIns="0" rIns="0">
-            <a:spAutoFit/>
-          </a:bodyPr>
-          <a:lstStyle/>
-          <a:p>
-            <a:pPr algn="l">
-              <a:lnSpc>
-                <a:spcPts val="3434"/>
-              </a:lnSpc>
-            </a:pPr>
-            <a:r>
-              <a:rPr lang="en-US" b="true" sz="3240" spc="25">
-                <a:solidFill>
-                  <a:srgbClr val="7C7AAC"/>
-                </a:solidFill>
-                <a:latin typeface="Futura Bold"/>
-                <a:ea typeface="Futura Bold"/>
-                <a:cs typeface="Futura Bold"/>
-                <a:sym typeface="Futura Bold"/>
-              </a:rPr>
-              <a:t>How Digital ID is Integrated</a:t>
-            </a:r>
-          </a:p>
-        </p:txBody>
-      </p:sp>
-      <p:sp>
-        <p:nvSpPr>
-          <p:cNvPr name="TextBox 9" id="9"/>
-          <p:cNvSpPr txBox="true"/>
-          <p:nvPr/>
-        </p:nvSpPr>
-        <p:spPr>
-          <a:xfrm rot="0">
-            <a:off x="999629" y="4266813"/>
-            <a:ext cx="15320641" cy="3086557"/>
-          </a:xfrm>
-          <a:prstGeom prst="rect">
-            <a:avLst/>
-          </a:prstGeom>
-        </p:spPr>
-        <p:txBody>
-          <a:bodyPr anchor="t" rtlCol="false" tIns="0" lIns="0" bIns="0" rIns="0">
-            <a:spAutoFit/>
-          </a:bodyPr>
-          <a:lstStyle/>
-          <a:p>
-            <a:pPr algn="l">
-              <a:lnSpc>
-                <a:spcPts val="3434"/>
-              </a:lnSpc>
-            </a:pPr>
-            <a:r>
-              <a:rPr lang="en-US" sz="3240" spc="25" b="true">
-                <a:solidFill>
-                  <a:srgbClr val="7C7AAC"/>
-                </a:solidFill>
-                <a:latin typeface="Futura Bold"/>
-                <a:ea typeface="Futura Bold"/>
-                <a:cs typeface="Futura Bold"/>
-                <a:sym typeface="Futura Bold"/>
-              </a:rPr>
-              <a:t>User Registration &amp; Identity Verification</a:t>
-            </a:r>
-          </a:p>
-          <a:p>
-            <a:pPr algn="l" marL="699516" indent="-349758" lvl="1">
-              <a:lnSpc>
-                <a:spcPts val="3434"/>
-              </a:lnSpc>
-              <a:buFont typeface="Arial"/>
-              <a:buChar char="•"/>
-            </a:pPr>
-            <a:r>
-              <a:rPr lang="en-US" sz="3240" spc="25">
-                <a:solidFill>
-                  <a:srgbClr val="7C7AAC"/>
-                </a:solidFill>
-                <a:latin typeface="Futura"/>
-                <a:ea typeface="Futura"/>
-                <a:cs typeface="Futura"/>
-                <a:sym typeface="Futura"/>
-              </a:rPr>
-              <a:t>When a user signs up for a Pamomo wallet, they are prompted to verify their identity using eSignet.</a:t>
-            </a:r>
-          </a:p>
-          <a:p>
-            <a:pPr algn="l" marL="699516" indent="-349758" lvl="1">
-              <a:lnSpc>
-                <a:spcPts val="3434"/>
-              </a:lnSpc>
-              <a:buFont typeface="Arial"/>
-              <a:buChar char="•"/>
-            </a:pPr>
-            <a:r>
-              <a:rPr lang="en-US" sz="3240" spc="25">
-                <a:solidFill>
-                  <a:srgbClr val="7C7AAC"/>
-                </a:solidFill>
-                <a:latin typeface="Futura"/>
-                <a:ea typeface="Futura"/>
-                <a:cs typeface="Futura"/>
-                <a:sym typeface="Futura"/>
-              </a:rPr>
-              <a:t>eSignet cross-checks the user's personal details with a secure digital identity database.</a:t>
-            </a:r>
-          </a:p>
-          <a:p>
-            <a:pPr algn="l" marL="699516" indent="-349758" lvl="1">
-              <a:lnSpc>
-                <a:spcPts val="3434"/>
-              </a:lnSpc>
-              <a:buFont typeface="Arial"/>
-              <a:buChar char="•"/>
-            </a:pPr>
-            <a:r>
-              <a:rPr lang="en-US" sz="3240" spc="25">
-                <a:solidFill>
-                  <a:srgbClr val="7C7AAC"/>
-                </a:solidFill>
-                <a:latin typeface="Futura"/>
-                <a:ea typeface="Futura"/>
-                <a:cs typeface="Futura"/>
-                <a:sym typeface="Futura"/>
-              </a:rPr>
-              <a:t>Once verified, the user’s identity is securely linked to their Pamomo account.</a:t>
-            </a:r>
-          </a:p>
-          <a:p>
-            <a:pPr algn="l">
-              <a:lnSpc>
-                <a:spcPts val="3434"/>
-              </a:lnSpc>
-            </a:pPr>
-          </a:p>
-        </p:txBody>
       </p:sp>
     </p:spTree>
   </p:cSld>
@@ -5911,9 +5999,9 @@
           <p:nvPr/>
         </p:nvSpPr>
         <p:spPr>
-          <a:xfrm flipH="true" flipV="true" rot="0">
-            <a:off x="1028700" y="1028700"/>
-            <a:ext cx="759822" cy="750151"/>
+          <a:xfrm flipH="true" flipV="false" rot="0">
+            <a:off x="1028700" y="8891519"/>
+            <a:ext cx="371510" cy="366781"/>
           </a:xfrm>
           <a:custGeom>
             <a:avLst/>
@@ -5922,21 +6010,21 @@
             <a:cxnLst/>
             <a:rect r="r" b="b" t="t" l="l"/>
             <a:pathLst>
-              <a:path h="750151" w="759822">
+              <a:path h="366781" w="371510">
                 <a:moveTo>
-                  <a:pt x="759822" y="750151"/>
+                  <a:pt x="371510" y="0"/>
                 </a:moveTo>
                 <a:lnTo>
-                  <a:pt x="0" y="750151"/>
-                </a:lnTo>
-                <a:lnTo>
                   <a:pt x="0" y="0"/>
                 </a:lnTo>
                 <a:lnTo>
-                  <a:pt x="759822" y="0"/>
-                </a:lnTo>
-                <a:lnTo>
-                  <a:pt x="759822" y="750151"/>
+                  <a:pt x="0" y="366781"/>
+                </a:lnTo>
+                <a:lnTo>
+                  <a:pt x="371510" y="366781"/>
+                </a:lnTo>
+                <a:lnTo>
+                  <a:pt x="371510" y="0"/>
                 </a:lnTo>
                 <a:close/>
               </a:path>
@@ -5958,186 +6046,14 @@
       </p:sp>
       <p:sp>
         <p:nvSpPr>
-          <p:cNvPr name="TextBox 4" id="4"/>
-          <p:cNvSpPr txBox="true"/>
-          <p:nvPr/>
-        </p:nvSpPr>
-        <p:spPr>
-          <a:xfrm rot="0">
-            <a:off x="674030" y="4269927"/>
-            <a:ext cx="10856486" cy="2351639"/>
-          </a:xfrm>
-          <a:prstGeom prst="rect">
-            <a:avLst/>
-          </a:prstGeom>
-        </p:spPr>
-        <p:txBody>
-          <a:bodyPr anchor="t" rtlCol="false" tIns="0" lIns="0" bIns="0" rIns="0">
-            <a:spAutoFit/>
-          </a:bodyPr>
-          <a:lstStyle/>
-          <a:p>
-            <a:pPr algn="l">
-              <a:lnSpc>
-                <a:spcPts val="17255"/>
-              </a:lnSpc>
-              <a:spcBef>
-                <a:spcPct val="0"/>
-              </a:spcBef>
-            </a:pPr>
-            <a:r>
-              <a:rPr lang="en-US" sz="12325" b="true">
-                <a:solidFill>
-                  <a:srgbClr val="7C7AAC"/>
-                </a:solidFill>
-                <a:latin typeface="Futura Bold"/>
-                <a:ea typeface="Futura Bold"/>
-                <a:cs typeface="Futura Bold"/>
-                <a:sym typeface="Futura Bold"/>
-              </a:rPr>
-              <a:t>System</a:t>
-            </a:r>
-          </a:p>
-        </p:txBody>
-      </p:sp>
-      <p:sp>
-        <p:nvSpPr>
-          <p:cNvPr name="TextBox 5" id="5"/>
-          <p:cNvSpPr txBox="true"/>
-          <p:nvPr/>
-        </p:nvSpPr>
-        <p:spPr>
-          <a:xfrm rot="0">
-            <a:off x="10754779" y="1861446"/>
-            <a:ext cx="6679409" cy="513833"/>
-          </a:xfrm>
-          <a:prstGeom prst="rect">
-            <a:avLst/>
-          </a:prstGeom>
-        </p:spPr>
-        <p:txBody>
-          <a:bodyPr anchor="t" rtlCol="false" tIns="0" lIns="0" bIns="0" rIns="0">
-            <a:spAutoFit/>
-          </a:bodyPr>
-          <a:lstStyle/>
-          <a:p>
-            <a:pPr algn="just">
-              <a:lnSpc>
-                <a:spcPts val="4228"/>
-              </a:lnSpc>
-              <a:spcBef>
-                <a:spcPct val="0"/>
-              </a:spcBef>
-            </a:pPr>
-            <a:r>
-              <a:rPr lang="en-US" b="true" sz="3020">
-                <a:solidFill>
-                  <a:srgbClr val="4D4B66"/>
-                </a:solidFill>
-                <a:latin typeface="Montserrat Bold"/>
-                <a:ea typeface="Montserrat Bold"/>
-                <a:cs typeface="Montserrat Bold"/>
-                <a:sym typeface="Montserrat Bold"/>
-              </a:rPr>
-              <a:t>SecureMoMo - Pamomo</a:t>
-            </a:r>
-          </a:p>
-        </p:txBody>
-      </p:sp>
-      <p:sp>
-        <p:nvSpPr>
-          <p:cNvPr name="TextBox 6" id="6"/>
-          <p:cNvSpPr txBox="true"/>
-          <p:nvPr/>
-        </p:nvSpPr>
-        <p:spPr>
-          <a:xfrm rot="0">
-            <a:off x="-1648863" y="6115050"/>
-            <a:ext cx="16151390" cy="2036337"/>
-          </a:xfrm>
-          <a:prstGeom prst="rect">
-            <a:avLst/>
-          </a:prstGeom>
-        </p:spPr>
-        <p:txBody>
-          <a:bodyPr anchor="t" rtlCol="false" tIns="0" lIns="0" bIns="0" rIns="0">
-            <a:spAutoFit/>
-          </a:bodyPr>
-          <a:lstStyle/>
-          <a:p>
-            <a:pPr algn="ctr">
-              <a:lnSpc>
-                <a:spcPts val="12612"/>
-              </a:lnSpc>
-            </a:pPr>
-            <a:r>
-              <a:rPr lang="en-US" b="true" sz="14497" spc="2319">
-                <a:solidFill>
-                  <a:srgbClr val="041226">
-                    <a:alpha val="4706"/>
-                  </a:srgbClr>
-                </a:solidFill>
-                <a:latin typeface="Futura Bold"/>
-                <a:ea typeface="Futura Bold"/>
-                <a:cs typeface="Futura Bold"/>
-                <a:sym typeface="Futura Bold"/>
-              </a:rPr>
-              <a:t>Architecture</a:t>
-            </a:r>
-          </a:p>
-        </p:txBody>
-      </p:sp>
-      <p:sp>
-        <p:nvSpPr>
-          <p:cNvPr name="TextBox 7" id="7"/>
-          <p:cNvSpPr txBox="true"/>
-          <p:nvPr/>
-        </p:nvSpPr>
-        <p:spPr>
-          <a:xfrm rot="-5400000">
-            <a:off x="-496189" y="2179869"/>
-            <a:ext cx="2500458" cy="198120"/>
-          </a:xfrm>
-          <a:prstGeom prst="rect">
-            <a:avLst/>
-          </a:prstGeom>
-        </p:spPr>
-        <p:txBody>
-          <a:bodyPr anchor="t" rtlCol="false" tIns="0" lIns="0" bIns="0" rIns="0">
-            <a:spAutoFit/>
-          </a:bodyPr>
-          <a:lstStyle/>
-          <a:p>
-            <a:pPr algn="r">
-              <a:lnSpc>
-                <a:spcPts val="1679"/>
-              </a:lnSpc>
-            </a:pPr>
-            <a:r>
-              <a:rPr lang="en-US" b="true" sz="1200">
-                <a:solidFill>
-                  <a:srgbClr val="7C7AAC"/>
-                </a:solidFill>
-                <a:latin typeface="Montserrat Bold"/>
-                <a:ea typeface="Montserrat Bold"/>
-                <a:cs typeface="Montserrat Bold"/>
-                <a:sym typeface="Montserrat Bold"/>
-              </a:rPr>
-              <a:t>PITCH DECK PRESENTATION</a:t>
-            </a:r>
-          </a:p>
-        </p:txBody>
-      </p:sp>
-      <p:sp>
-        <p:nvSpPr>
-          <p:cNvPr name="Freeform 8" id="8"/>
+          <p:cNvPr name="Freeform 4" id="4"/>
           <p:cNvSpPr/>
           <p:nvPr/>
         </p:nvSpPr>
         <p:spPr>
-          <a:xfrm flipH="false" flipV="false" rot="0">
-            <a:off x="16887790" y="8891519"/>
-            <a:ext cx="371510" cy="366781"/>
+          <a:xfrm flipH="false" flipV="true" rot="0">
+            <a:off x="16499478" y="1028700"/>
+            <a:ext cx="759822" cy="750151"/>
           </a:xfrm>
           <a:custGeom>
             <a:avLst/>
@@ -6146,21 +6062,21 @@
             <a:cxnLst/>
             <a:rect r="r" b="b" t="t" l="l"/>
             <a:pathLst>
-              <a:path h="366781" w="371510">
+              <a:path h="750151" w="759822">
                 <a:moveTo>
+                  <a:pt x="0" y="750151"/>
+                </a:moveTo>
+                <a:lnTo>
+                  <a:pt x="759822" y="750151"/>
+                </a:lnTo>
+                <a:lnTo>
+                  <a:pt x="759822" y="0"/>
+                </a:lnTo>
+                <a:lnTo>
                   <a:pt x="0" y="0"/>
-                </a:moveTo>
-                <a:lnTo>
-                  <a:pt x="371510" y="0"/>
-                </a:lnTo>
-                <a:lnTo>
-                  <a:pt x="371510" y="366781"/>
-                </a:lnTo>
-                <a:lnTo>
-                  <a:pt x="0" y="366781"/>
-                </a:lnTo>
-                <a:lnTo>
-                  <a:pt x="0" y="0"/>
+                </a:lnTo>
+                <a:lnTo>
+                  <a:pt x="0" y="750151"/>
                 </a:lnTo>
                 <a:close/>
               </a:path>
@@ -6179,6 +6095,296 @@
             </a:stretch>
           </a:blipFill>
         </p:spPr>
+      </p:sp>
+      <p:sp>
+        <p:nvSpPr>
+          <p:cNvPr name="TextBox 5" id="5"/>
+          <p:cNvSpPr txBox="true"/>
+          <p:nvPr/>
+        </p:nvSpPr>
+        <p:spPr>
+          <a:xfrm rot="-5400000">
+            <a:off x="-650433" y="7909011"/>
+            <a:ext cx="2500458" cy="198120"/>
+          </a:xfrm>
+          <a:prstGeom prst="rect">
+            <a:avLst/>
+          </a:prstGeom>
+        </p:spPr>
+        <p:txBody>
+          <a:bodyPr anchor="t" rtlCol="false" tIns="0" lIns="0" bIns="0" rIns="0">
+            <a:spAutoFit/>
+          </a:bodyPr>
+          <a:lstStyle/>
+          <a:p>
+            <a:pPr algn="l">
+              <a:lnSpc>
+                <a:spcPts val="1679"/>
+              </a:lnSpc>
+            </a:pPr>
+            <a:r>
+              <a:rPr lang="en-US" sz="1200" b="true">
+                <a:solidFill>
+                  <a:srgbClr val="7C7AAC"/>
+                </a:solidFill>
+                <a:latin typeface="Montserrat Bold"/>
+                <a:ea typeface="Montserrat Bold"/>
+                <a:cs typeface="Montserrat Bold"/>
+                <a:sym typeface="Montserrat Bold"/>
+              </a:rPr>
+              <a:t>PITCH DECK PRESENTATION</a:t>
+            </a:r>
+          </a:p>
+        </p:txBody>
+      </p:sp>
+      <p:sp>
+        <p:nvSpPr>
+          <p:cNvPr name="TextBox 6" id="6"/>
+          <p:cNvSpPr txBox="true"/>
+          <p:nvPr/>
+        </p:nvSpPr>
+        <p:spPr>
+          <a:xfrm rot="0">
+            <a:off x="1028700" y="511112"/>
+            <a:ext cx="7631249" cy="514807"/>
+          </a:xfrm>
+          <a:prstGeom prst="rect">
+            <a:avLst/>
+          </a:prstGeom>
+        </p:spPr>
+        <p:txBody>
+          <a:bodyPr anchor="t" rtlCol="false" tIns="0" lIns="0" bIns="0" rIns="0">
+            <a:spAutoFit/>
+          </a:bodyPr>
+          <a:lstStyle/>
+          <a:p>
+            <a:pPr algn="l">
+              <a:lnSpc>
+                <a:spcPts val="3434"/>
+              </a:lnSpc>
+              <a:spcBef>
+                <a:spcPct val="0"/>
+              </a:spcBef>
+            </a:pPr>
+            <a:r>
+              <a:rPr lang="en-US" b="true" sz="3240" spc="25">
+                <a:solidFill>
+                  <a:srgbClr val="7C7AAC"/>
+                </a:solidFill>
+                <a:latin typeface="Futura Bold"/>
+                <a:ea typeface="Futura Bold"/>
+                <a:cs typeface="Futura Bold"/>
+                <a:sym typeface="Futura Bold"/>
+              </a:rPr>
+              <a:t>Use of Digital</a:t>
+            </a:r>
+            <a:r>
+              <a:rPr lang="en-US" b="true" sz="3240" spc="25">
+                <a:solidFill>
+                  <a:srgbClr val="7C7AAC"/>
+                </a:solidFill>
+                <a:latin typeface="Futura Bold"/>
+                <a:ea typeface="Futura Bold"/>
+                <a:cs typeface="Futura Bold"/>
+                <a:sym typeface="Futura Bold"/>
+              </a:rPr>
+              <a:t> ID in Pamomo</a:t>
+            </a:r>
+          </a:p>
+        </p:txBody>
+      </p:sp>
+      <p:sp>
+        <p:nvSpPr>
+          <p:cNvPr name="TextBox 7" id="7"/>
+          <p:cNvSpPr txBox="true"/>
+          <p:nvPr/>
+        </p:nvSpPr>
+        <p:spPr>
+          <a:xfrm rot="0">
+            <a:off x="999629" y="1375201"/>
+            <a:ext cx="15320641" cy="1800682"/>
+          </a:xfrm>
+          <a:prstGeom prst="rect">
+            <a:avLst/>
+          </a:prstGeom>
+        </p:spPr>
+        <p:txBody>
+          <a:bodyPr anchor="t" rtlCol="false" tIns="0" lIns="0" bIns="0" rIns="0">
+            <a:spAutoFit/>
+          </a:bodyPr>
+          <a:lstStyle/>
+          <a:p>
+            <a:pPr algn="l">
+              <a:lnSpc>
+                <a:spcPts val="3434"/>
+              </a:lnSpc>
+            </a:pPr>
+            <a:r>
+              <a:rPr lang="en-US" sz="3240" spc="25">
+                <a:solidFill>
+                  <a:srgbClr val="7C7AAC"/>
+                </a:solidFill>
+                <a:latin typeface="Futura"/>
+                <a:ea typeface="Futura"/>
+                <a:cs typeface="Futura"/>
+                <a:sym typeface="Futura"/>
+              </a:rPr>
+              <a:t>Pamomo integrates Digital Identity (Digital ID) to ensure secure and fraud-proof user registration and transactions. Instead of relying on physical IDs, which can be stolen or misused, Pamomo uses eSignet, a trusted digital identity verification system, to authenticate users.</a:t>
+            </a:r>
+          </a:p>
+        </p:txBody>
+      </p:sp>
+      <p:sp>
+        <p:nvSpPr>
+          <p:cNvPr name="TextBox 8" id="8"/>
+          <p:cNvSpPr txBox="true"/>
+          <p:nvPr/>
+        </p:nvSpPr>
+        <p:spPr>
+          <a:xfrm rot="0">
+            <a:off x="999629" y="3528308"/>
+            <a:ext cx="15320641" cy="514807"/>
+          </a:xfrm>
+          <a:prstGeom prst="rect">
+            <a:avLst/>
+          </a:prstGeom>
+        </p:spPr>
+        <p:txBody>
+          <a:bodyPr anchor="t" rtlCol="false" tIns="0" lIns="0" bIns="0" rIns="0">
+            <a:spAutoFit/>
+          </a:bodyPr>
+          <a:lstStyle/>
+          <a:p>
+            <a:pPr algn="l">
+              <a:lnSpc>
+                <a:spcPts val="3434"/>
+              </a:lnSpc>
+            </a:pPr>
+            <a:r>
+              <a:rPr lang="en-US" b="true" sz="3240" spc="25">
+                <a:solidFill>
+                  <a:srgbClr val="7C7AAC"/>
+                </a:solidFill>
+                <a:latin typeface="Futura Bold"/>
+                <a:ea typeface="Futura Bold"/>
+                <a:cs typeface="Futura Bold"/>
+                <a:sym typeface="Futura Bold"/>
+              </a:rPr>
+              <a:t>How Digital ID is Integrated</a:t>
+            </a:r>
+          </a:p>
+        </p:txBody>
+      </p:sp>
+      <p:sp>
+        <p:nvSpPr>
+          <p:cNvPr name="TextBox 9" id="9"/>
+          <p:cNvSpPr txBox="true"/>
+          <p:nvPr/>
+        </p:nvSpPr>
+        <p:spPr>
+          <a:xfrm rot="0">
+            <a:off x="999629" y="4266813"/>
+            <a:ext cx="15320641" cy="3086557"/>
+          </a:xfrm>
+          <a:prstGeom prst="rect">
+            <a:avLst/>
+          </a:prstGeom>
+        </p:spPr>
+        <p:txBody>
+          <a:bodyPr anchor="t" rtlCol="false" tIns="0" lIns="0" bIns="0" rIns="0">
+            <a:spAutoFit/>
+          </a:bodyPr>
+          <a:lstStyle/>
+          <a:p>
+            <a:pPr algn="l">
+              <a:lnSpc>
+                <a:spcPts val="3434"/>
+              </a:lnSpc>
+            </a:pPr>
+            <a:r>
+              <a:rPr lang="en-US" sz="3240" spc="25" b="true">
+                <a:solidFill>
+                  <a:srgbClr val="7C7AAC"/>
+                </a:solidFill>
+                <a:latin typeface="Futura Bold"/>
+                <a:ea typeface="Futura Bold"/>
+                <a:cs typeface="Futura Bold"/>
+                <a:sym typeface="Futura Bold"/>
+              </a:rPr>
+              <a:t>User Registration &amp; Identity Verification</a:t>
+            </a:r>
+          </a:p>
+          <a:p>
+            <a:pPr algn="l" marL="699516" indent="-349758" lvl="1">
+              <a:lnSpc>
+                <a:spcPts val="3434"/>
+              </a:lnSpc>
+              <a:buFont typeface="Arial"/>
+              <a:buChar char="•"/>
+            </a:pPr>
+            <a:r>
+              <a:rPr lang="en-US" sz="3240" spc="25">
+                <a:solidFill>
+                  <a:srgbClr val="7C7AAC"/>
+                </a:solidFill>
+                <a:latin typeface="Futura"/>
+                <a:ea typeface="Futura"/>
+                <a:cs typeface="Futura"/>
+                <a:sym typeface="Futura"/>
+              </a:rPr>
+              <a:t>When a user signs up for a Pamomo wallet, they are prompted to verify their identity using eSignet.</a:t>
+            </a:r>
+          </a:p>
+          <a:p>
+            <a:pPr algn="l" marL="699516" indent="-349758" lvl="1">
+              <a:lnSpc>
+                <a:spcPts val="3434"/>
+              </a:lnSpc>
+              <a:buFont typeface="Arial"/>
+              <a:buChar char="•"/>
+            </a:pPr>
+            <a:r>
+              <a:rPr lang="en-US" sz="3240" spc="25">
+                <a:solidFill>
+                  <a:srgbClr val="7C7AAC"/>
+                </a:solidFill>
+                <a:latin typeface="Futura"/>
+                <a:ea typeface="Futura"/>
+                <a:cs typeface="Futura"/>
+                <a:sym typeface="Futura"/>
+              </a:rPr>
+              <a:t>eSignet cross-checks the user's personal details with a secure digital identity database.</a:t>
+            </a:r>
+          </a:p>
+          <a:p>
+            <a:pPr algn="l" marL="699516" indent="-349758" lvl="1">
+              <a:lnSpc>
+                <a:spcPts val="3434"/>
+              </a:lnSpc>
+              <a:buFont typeface="Arial"/>
+              <a:buChar char="•"/>
+            </a:pPr>
+            <a:r>
+              <a:rPr lang="en-US" sz="3240" spc="25">
+                <a:solidFill>
+                  <a:srgbClr val="7C7AAC"/>
+                </a:solidFill>
+                <a:latin typeface="Futura"/>
+                <a:ea typeface="Futura"/>
+                <a:cs typeface="Futura"/>
+                <a:sym typeface="Futura"/>
+              </a:rPr>
+              <a:t>Once verified, the user’s identity is securely linked to their Pamomo account.</a:t>
+            </a:r>
+          </a:p>
+          <a:p>
+            <a:pPr algn="l">
+              <a:lnSpc>
+                <a:spcPts val="3434"/>
+              </a:lnSpc>
+            </a:pPr>
+          </a:p>
+        </p:txBody>
       </p:sp>
     </p:spTree>
   </p:cSld>
@@ -6258,9 +6464,9 @@
           <p:nvPr/>
         </p:nvSpPr>
         <p:spPr>
-          <a:xfrm flipH="true" flipV="false" rot="0">
-            <a:off x="1028700" y="8891519"/>
-            <a:ext cx="371510" cy="366781"/>
+          <a:xfrm flipH="true" flipV="true" rot="0">
+            <a:off x="1028700" y="1028700"/>
+            <a:ext cx="759822" cy="750151"/>
           </a:xfrm>
           <a:custGeom>
             <a:avLst/>
@@ -6269,21 +6475,21 @@
             <a:cxnLst/>
             <a:rect r="r" b="b" t="t" l="l"/>
             <a:pathLst>
-              <a:path h="366781" w="371510">
+              <a:path h="750151" w="759822">
                 <a:moveTo>
-                  <a:pt x="371510" y="0"/>
+                  <a:pt x="759822" y="750151"/>
                 </a:moveTo>
                 <a:lnTo>
+                  <a:pt x="0" y="750151"/>
+                </a:lnTo>
+                <a:lnTo>
                   <a:pt x="0" y="0"/>
                 </a:lnTo>
                 <a:lnTo>
-                  <a:pt x="0" y="366781"/>
-                </a:lnTo>
-                <a:lnTo>
-                  <a:pt x="371510" y="366781"/>
-                </a:lnTo>
-                <a:lnTo>
-                  <a:pt x="371510" y="0"/>
+                  <a:pt x="759822" y="0"/>
+                </a:lnTo>
+                <a:lnTo>
+                  <a:pt x="759822" y="750151"/>
                 </a:lnTo>
                 <a:close/>
               </a:path>
@@ -6305,14 +6511,186 @@
       </p:sp>
       <p:sp>
         <p:nvSpPr>
-          <p:cNvPr name="Freeform 4" id="4"/>
+          <p:cNvPr name="TextBox 4" id="4"/>
+          <p:cNvSpPr txBox="true"/>
+          <p:nvPr/>
+        </p:nvSpPr>
+        <p:spPr>
+          <a:xfrm rot="0">
+            <a:off x="674030" y="4269927"/>
+            <a:ext cx="10856486" cy="2351639"/>
+          </a:xfrm>
+          <a:prstGeom prst="rect">
+            <a:avLst/>
+          </a:prstGeom>
+        </p:spPr>
+        <p:txBody>
+          <a:bodyPr anchor="t" rtlCol="false" tIns="0" lIns="0" bIns="0" rIns="0">
+            <a:spAutoFit/>
+          </a:bodyPr>
+          <a:lstStyle/>
+          <a:p>
+            <a:pPr algn="l">
+              <a:lnSpc>
+                <a:spcPts val="17255"/>
+              </a:lnSpc>
+              <a:spcBef>
+                <a:spcPct val="0"/>
+              </a:spcBef>
+            </a:pPr>
+            <a:r>
+              <a:rPr lang="en-US" sz="12325" b="true">
+                <a:solidFill>
+                  <a:srgbClr val="7C7AAC"/>
+                </a:solidFill>
+                <a:latin typeface="Futura Bold"/>
+                <a:ea typeface="Futura Bold"/>
+                <a:cs typeface="Futura Bold"/>
+                <a:sym typeface="Futura Bold"/>
+              </a:rPr>
+              <a:t>System</a:t>
+            </a:r>
+          </a:p>
+        </p:txBody>
+      </p:sp>
+      <p:sp>
+        <p:nvSpPr>
+          <p:cNvPr name="TextBox 5" id="5"/>
+          <p:cNvSpPr txBox="true"/>
+          <p:nvPr/>
+        </p:nvSpPr>
+        <p:spPr>
+          <a:xfrm rot="0">
+            <a:off x="10754779" y="1861446"/>
+            <a:ext cx="6679409" cy="513833"/>
+          </a:xfrm>
+          <a:prstGeom prst="rect">
+            <a:avLst/>
+          </a:prstGeom>
+        </p:spPr>
+        <p:txBody>
+          <a:bodyPr anchor="t" rtlCol="false" tIns="0" lIns="0" bIns="0" rIns="0">
+            <a:spAutoFit/>
+          </a:bodyPr>
+          <a:lstStyle/>
+          <a:p>
+            <a:pPr algn="just">
+              <a:lnSpc>
+                <a:spcPts val="4228"/>
+              </a:lnSpc>
+              <a:spcBef>
+                <a:spcPct val="0"/>
+              </a:spcBef>
+            </a:pPr>
+            <a:r>
+              <a:rPr lang="en-US" b="true" sz="3020">
+                <a:solidFill>
+                  <a:srgbClr val="4D4B66"/>
+                </a:solidFill>
+                <a:latin typeface="Montserrat Bold"/>
+                <a:ea typeface="Montserrat Bold"/>
+                <a:cs typeface="Montserrat Bold"/>
+                <a:sym typeface="Montserrat Bold"/>
+              </a:rPr>
+              <a:t>SecureMoMo - Pamomo</a:t>
+            </a:r>
+          </a:p>
+        </p:txBody>
+      </p:sp>
+      <p:sp>
+        <p:nvSpPr>
+          <p:cNvPr name="TextBox 6" id="6"/>
+          <p:cNvSpPr txBox="true"/>
+          <p:nvPr/>
+        </p:nvSpPr>
+        <p:spPr>
+          <a:xfrm rot="0">
+            <a:off x="-1648863" y="6115050"/>
+            <a:ext cx="16151390" cy="2036337"/>
+          </a:xfrm>
+          <a:prstGeom prst="rect">
+            <a:avLst/>
+          </a:prstGeom>
+        </p:spPr>
+        <p:txBody>
+          <a:bodyPr anchor="t" rtlCol="false" tIns="0" lIns="0" bIns="0" rIns="0">
+            <a:spAutoFit/>
+          </a:bodyPr>
+          <a:lstStyle/>
+          <a:p>
+            <a:pPr algn="ctr">
+              <a:lnSpc>
+                <a:spcPts val="12612"/>
+              </a:lnSpc>
+            </a:pPr>
+            <a:r>
+              <a:rPr lang="en-US" b="true" sz="14497" spc="2319">
+                <a:solidFill>
+                  <a:srgbClr val="041226">
+                    <a:alpha val="4706"/>
+                  </a:srgbClr>
+                </a:solidFill>
+                <a:latin typeface="Futura Bold"/>
+                <a:ea typeface="Futura Bold"/>
+                <a:cs typeface="Futura Bold"/>
+                <a:sym typeface="Futura Bold"/>
+              </a:rPr>
+              <a:t>Architecture</a:t>
+            </a:r>
+          </a:p>
+        </p:txBody>
+      </p:sp>
+      <p:sp>
+        <p:nvSpPr>
+          <p:cNvPr name="TextBox 7" id="7"/>
+          <p:cNvSpPr txBox="true"/>
+          <p:nvPr/>
+        </p:nvSpPr>
+        <p:spPr>
+          <a:xfrm rot="-5400000">
+            <a:off x="-496189" y="2179869"/>
+            <a:ext cx="2500458" cy="198120"/>
+          </a:xfrm>
+          <a:prstGeom prst="rect">
+            <a:avLst/>
+          </a:prstGeom>
+        </p:spPr>
+        <p:txBody>
+          <a:bodyPr anchor="t" rtlCol="false" tIns="0" lIns="0" bIns="0" rIns="0">
+            <a:spAutoFit/>
+          </a:bodyPr>
+          <a:lstStyle/>
+          <a:p>
+            <a:pPr algn="r">
+              <a:lnSpc>
+                <a:spcPts val="1679"/>
+              </a:lnSpc>
+            </a:pPr>
+            <a:r>
+              <a:rPr lang="en-US" b="true" sz="1200">
+                <a:solidFill>
+                  <a:srgbClr val="7C7AAC"/>
+                </a:solidFill>
+                <a:latin typeface="Montserrat Bold"/>
+                <a:ea typeface="Montserrat Bold"/>
+                <a:cs typeface="Montserrat Bold"/>
+                <a:sym typeface="Montserrat Bold"/>
+              </a:rPr>
+              <a:t>PITCH DECK PRESENTATION</a:t>
+            </a:r>
+          </a:p>
+        </p:txBody>
+      </p:sp>
+      <p:sp>
+        <p:nvSpPr>
+          <p:cNvPr name="Freeform 8" id="8"/>
           <p:cNvSpPr/>
           <p:nvPr/>
         </p:nvSpPr>
         <p:spPr>
-          <a:xfrm flipH="false" flipV="true" rot="0">
-            <a:off x="16499478" y="1028700"/>
-            <a:ext cx="759822" cy="750151"/>
+          <a:xfrm flipH="false" flipV="false" rot="0">
+            <a:off x="16887790" y="8891519"/>
+            <a:ext cx="371510" cy="366781"/>
           </a:xfrm>
           <a:custGeom>
             <a:avLst/>
@@ -6321,21 +6699,21 @@
             <a:cxnLst/>
             <a:rect r="r" b="b" t="t" l="l"/>
             <a:pathLst>
-              <a:path h="750151" w="759822">
+              <a:path h="366781" w="371510">
                 <a:moveTo>
-                  <a:pt x="0" y="750151"/>
+                  <a:pt x="0" y="0"/>
                 </a:moveTo>
                 <a:lnTo>
-                  <a:pt x="759822" y="750151"/>
-                </a:lnTo>
-                <a:lnTo>
-                  <a:pt x="759822" y="0"/>
+                  <a:pt x="371510" y="0"/>
+                </a:lnTo>
+                <a:lnTo>
+                  <a:pt x="371510" y="366781"/>
+                </a:lnTo>
+                <a:lnTo>
+                  <a:pt x="0" y="366781"/>
                 </a:lnTo>
                 <a:lnTo>
                   <a:pt x="0" y="0"/>
-                </a:lnTo>
-                <a:lnTo>
-                  <a:pt x="0" y="750151"/>
                 </a:lnTo>
                 <a:close/>
               </a:path>
@@ -6354,137 +6732,6 @@
             </a:stretch>
           </a:blipFill>
         </p:spPr>
-      </p:sp>
-      <p:sp>
-        <p:nvSpPr>
-          <p:cNvPr name="Freeform 5" id="5"/>
-          <p:cNvSpPr/>
-          <p:nvPr/>
-        </p:nvSpPr>
-        <p:spPr>
-          <a:xfrm flipH="false" flipV="false" rot="0">
-            <a:off x="1983872" y="1225262"/>
-            <a:ext cx="13989722" cy="8033038"/>
-          </a:xfrm>
-          <a:custGeom>
-            <a:avLst/>
-            <a:gdLst/>
-            <a:ahLst/>
-            <a:cxnLst/>
-            <a:rect r="r" b="b" t="t" l="l"/>
-            <a:pathLst>
-              <a:path h="8033038" w="13989722">
-                <a:moveTo>
-                  <a:pt x="0" y="0"/>
-                </a:moveTo>
-                <a:lnTo>
-                  <a:pt x="13989722" y="0"/>
-                </a:lnTo>
-                <a:lnTo>
-                  <a:pt x="13989722" y="8033038"/>
-                </a:lnTo>
-                <a:lnTo>
-                  <a:pt x="0" y="8033038"/>
-                </a:lnTo>
-                <a:lnTo>
-                  <a:pt x="0" y="0"/>
-                </a:lnTo>
-                <a:close/>
-              </a:path>
-            </a:pathLst>
-          </a:custGeom>
-          <a:blipFill>
-            <a:blip r:embed="rId5"/>
-            <a:stretch>
-              <a:fillRect l="-4161" t="-2674" r="-807" b="0"/>
-            </a:stretch>
-          </a:blipFill>
-        </p:spPr>
-      </p:sp>
-      <p:sp>
-        <p:nvSpPr>
-          <p:cNvPr name="TextBox 6" id="6"/>
-          <p:cNvSpPr txBox="true"/>
-          <p:nvPr/>
-        </p:nvSpPr>
-        <p:spPr>
-          <a:xfrm rot="-5400000">
-            <a:off x="-650433" y="7909011"/>
-            <a:ext cx="2500458" cy="198120"/>
-          </a:xfrm>
-          <a:prstGeom prst="rect">
-            <a:avLst/>
-          </a:prstGeom>
-        </p:spPr>
-        <p:txBody>
-          <a:bodyPr anchor="t" rtlCol="false" tIns="0" lIns="0" bIns="0" rIns="0">
-            <a:spAutoFit/>
-          </a:bodyPr>
-          <a:lstStyle/>
-          <a:p>
-            <a:pPr algn="l">
-              <a:lnSpc>
-                <a:spcPts val="1679"/>
-              </a:lnSpc>
-            </a:pPr>
-            <a:r>
-              <a:rPr lang="en-US" sz="1200" b="true">
-                <a:solidFill>
-                  <a:srgbClr val="7C7AAC"/>
-                </a:solidFill>
-                <a:latin typeface="Montserrat Bold"/>
-                <a:ea typeface="Montserrat Bold"/>
-                <a:cs typeface="Montserrat Bold"/>
-                <a:sym typeface="Montserrat Bold"/>
-              </a:rPr>
-              <a:t>PITCH DECK PRESENTATION</a:t>
-            </a:r>
-          </a:p>
-        </p:txBody>
-      </p:sp>
-      <p:sp>
-        <p:nvSpPr>
-          <p:cNvPr name="TextBox 7" id="7"/>
-          <p:cNvSpPr txBox="true"/>
-          <p:nvPr/>
-        </p:nvSpPr>
-        <p:spPr>
-          <a:xfrm rot="0">
-            <a:off x="1028700" y="511112"/>
-            <a:ext cx="7631249" cy="514807"/>
-          </a:xfrm>
-          <a:prstGeom prst="rect">
-            <a:avLst/>
-          </a:prstGeom>
-        </p:spPr>
-        <p:txBody>
-          <a:bodyPr anchor="t" rtlCol="false" tIns="0" lIns="0" bIns="0" rIns="0">
-            <a:spAutoFit/>
-          </a:bodyPr>
-          <a:lstStyle/>
-          <a:p>
-            <a:pPr algn="l">
-              <a:lnSpc>
-                <a:spcPts val="3434"/>
-              </a:lnSpc>
-              <a:spcBef>
-                <a:spcPct val="0"/>
-              </a:spcBef>
-            </a:pPr>
-            <a:r>
-              <a:rPr lang="en-US" b="true" sz="3240" spc="25">
-                <a:solidFill>
-                  <a:srgbClr val="7C7AAC"/>
-                </a:solidFill>
-                <a:latin typeface="Futura Bold"/>
-                <a:ea typeface="Futura Bold"/>
-                <a:cs typeface="Futura Bold"/>
-                <a:sym typeface="Futura Bold"/>
-              </a:rPr>
-              <a:t>System Architecture</a:t>
-            </a:r>
-          </a:p>
-        </p:txBody>
       </p:sp>
     </p:spTree>
   </p:cSld>
@@ -6559,117 +6806,14 @@
       </p:sp>
       <p:sp>
         <p:nvSpPr>
-          <p:cNvPr name="TextBox 3" id="3"/>
-          <p:cNvSpPr txBox="true"/>
-          <p:nvPr/>
-        </p:nvSpPr>
-        <p:spPr>
-          <a:xfrm rot="0">
-            <a:off x="1028700" y="445771"/>
-            <a:ext cx="14663875" cy="4135409"/>
-          </a:xfrm>
-          <a:prstGeom prst="rect">
-            <a:avLst/>
-          </a:prstGeom>
-        </p:spPr>
-        <p:txBody>
-          <a:bodyPr anchor="t" rtlCol="false" tIns="0" lIns="0" bIns="0" rIns="0">
-            <a:spAutoFit/>
-          </a:bodyPr>
-          <a:lstStyle/>
-          <a:p>
-            <a:pPr algn="l">
-              <a:lnSpc>
-                <a:spcPts val="15120"/>
-              </a:lnSpc>
-            </a:pPr>
-            <a:r>
-              <a:rPr lang="en-US" sz="13500" b="true">
-                <a:solidFill>
-                  <a:srgbClr val="7C7AAC"/>
-                </a:solidFill>
-                <a:latin typeface="Futura Bold"/>
-                <a:ea typeface="Futura Bold"/>
-                <a:cs typeface="Futura Bold"/>
-                <a:sym typeface="Futura Bold"/>
-              </a:rPr>
-              <a:t>Thank You</a:t>
-            </a:r>
-          </a:p>
-          <a:p>
-            <a:pPr algn="l">
-              <a:lnSpc>
-                <a:spcPts val="15120"/>
-              </a:lnSpc>
-            </a:pPr>
-            <a:r>
-              <a:rPr lang="en-US" sz="13500" b="true">
-                <a:solidFill>
-                  <a:srgbClr val="7C7AAC"/>
-                </a:solidFill>
-                <a:latin typeface="Futura Bold"/>
-                <a:ea typeface="Futura Bold"/>
-                <a:cs typeface="Futura Bold"/>
-                <a:sym typeface="Futura Bold"/>
-              </a:rPr>
-              <a:t>Merci</a:t>
-            </a:r>
-          </a:p>
-        </p:txBody>
-      </p:sp>
-      <p:sp>
-        <p:nvSpPr>
-          <p:cNvPr name="TextBox 4" id="4"/>
-          <p:cNvSpPr txBox="true"/>
-          <p:nvPr/>
-        </p:nvSpPr>
-        <p:spPr>
-          <a:xfrm rot="0">
-            <a:off x="0" y="6679922"/>
-            <a:ext cx="18288000" cy="3607078"/>
-          </a:xfrm>
-          <a:prstGeom prst="rect">
-            <a:avLst/>
-          </a:prstGeom>
-        </p:spPr>
-        <p:txBody>
-          <a:bodyPr anchor="t" rtlCol="false" tIns="0" lIns="0" bIns="0" rIns="0">
-            <a:spAutoFit/>
-          </a:bodyPr>
-          <a:lstStyle/>
-          <a:p>
-            <a:pPr algn="r">
-              <a:lnSpc>
-                <a:spcPts val="22422"/>
-              </a:lnSpc>
-            </a:pPr>
-            <a:r>
-              <a:rPr lang="en-US" b="true" sz="25773" spc="4123">
-                <a:solidFill>
-                  <a:srgbClr val="041226">
-                    <a:alpha val="4706"/>
-                  </a:srgbClr>
-                </a:solidFill>
-                <a:latin typeface="Futura Bold"/>
-                <a:ea typeface="Futura Bold"/>
-                <a:cs typeface="Futura Bold"/>
-                <a:sym typeface="Futura Bold"/>
-              </a:rPr>
-              <a:t>Zikomo</a:t>
-            </a:r>
-          </a:p>
-        </p:txBody>
-      </p:sp>
-      <p:sp>
-        <p:nvSpPr>
-          <p:cNvPr name="Freeform 5" id="5"/>
+          <p:cNvPr name="Freeform 3" id="3"/>
           <p:cNvSpPr/>
           <p:nvPr/>
         </p:nvSpPr>
         <p:spPr>
           <a:xfrm flipH="true" flipV="false" rot="0">
-            <a:off x="1028700" y="8489021"/>
-            <a:ext cx="759822" cy="750151"/>
+            <a:off x="1028700" y="8891519"/>
+            <a:ext cx="371510" cy="366781"/>
           </a:xfrm>
           <a:custGeom>
             <a:avLst/>
@@ -6678,21 +6822,21 @@
             <a:cxnLst/>
             <a:rect r="r" b="b" t="t" l="l"/>
             <a:pathLst>
-              <a:path h="750151" w="759822">
+              <a:path h="366781" w="371510">
                 <a:moveTo>
-                  <a:pt x="759822" y="0"/>
+                  <a:pt x="371510" y="0"/>
                 </a:moveTo>
                 <a:lnTo>
                   <a:pt x="0" y="0"/>
                 </a:lnTo>
                 <a:lnTo>
-                  <a:pt x="0" y="750152"/>
-                </a:lnTo>
-                <a:lnTo>
-                  <a:pt x="759822" y="750152"/>
-                </a:lnTo>
-                <a:lnTo>
-                  <a:pt x="759822" y="0"/>
+                  <a:pt x="0" y="366781"/>
+                </a:lnTo>
+                <a:lnTo>
+                  <a:pt x="371510" y="366781"/>
+                </a:lnTo>
+                <a:lnTo>
+                  <a:pt x="371510" y="0"/>
                 </a:lnTo>
                 <a:close/>
               </a:path>
@@ -6714,14 +6858,14 @@
       </p:sp>
       <p:sp>
         <p:nvSpPr>
-          <p:cNvPr name="Freeform 6" id="6"/>
+          <p:cNvPr name="Freeform 4" id="4"/>
           <p:cNvSpPr/>
           <p:nvPr/>
         </p:nvSpPr>
         <p:spPr>
           <a:xfrm flipH="false" flipV="true" rot="0">
-            <a:off x="16887790" y="1028700"/>
-            <a:ext cx="371510" cy="366781"/>
+            <a:off x="16499478" y="1028700"/>
+            <a:ext cx="759822" cy="750151"/>
           </a:xfrm>
           <a:custGeom>
             <a:avLst/>
@@ -6730,21 +6874,21 @@
             <a:cxnLst/>
             <a:rect r="r" b="b" t="t" l="l"/>
             <a:pathLst>
-              <a:path h="366781" w="371510">
+              <a:path h="750151" w="759822">
                 <a:moveTo>
-                  <a:pt x="0" y="366781"/>
+                  <a:pt x="0" y="750151"/>
                 </a:moveTo>
                 <a:lnTo>
-                  <a:pt x="371510" y="366781"/>
-                </a:lnTo>
-                <a:lnTo>
-                  <a:pt x="371510" y="0"/>
+                  <a:pt x="759822" y="750151"/>
+                </a:lnTo>
+                <a:lnTo>
+                  <a:pt x="759822" y="0"/>
                 </a:lnTo>
                 <a:lnTo>
                   <a:pt x="0" y="0"/>
                 </a:lnTo>
                 <a:lnTo>
-                  <a:pt x="0" y="366781"/>
+                  <a:pt x="0" y="750151"/>
                 </a:lnTo>
                 <a:close/>
               </a:path>
@@ -6766,7 +6910,53 @@
       </p:sp>
       <p:sp>
         <p:nvSpPr>
-          <p:cNvPr name="TextBox 7" id="7"/>
+          <p:cNvPr name="Freeform 5" id="5"/>
+          <p:cNvSpPr/>
+          <p:nvPr/>
+        </p:nvSpPr>
+        <p:spPr>
+          <a:xfrm flipH="false" flipV="false" rot="0">
+            <a:off x="1983872" y="1225262"/>
+            <a:ext cx="13989722" cy="8033038"/>
+          </a:xfrm>
+          <a:custGeom>
+            <a:avLst/>
+            <a:gdLst/>
+            <a:ahLst/>
+            <a:cxnLst/>
+            <a:rect r="r" b="b" t="t" l="l"/>
+            <a:pathLst>
+              <a:path h="8033038" w="13989722">
+                <a:moveTo>
+                  <a:pt x="0" y="0"/>
+                </a:moveTo>
+                <a:lnTo>
+                  <a:pt x="13989722" y="0"/>
+                </a:lnTo>
+                <a:lnTo>
+                  <a:pt x="13989722" y="8033038"/>
+                </a:lnTo>
+                <a:lnTo>
+                  <a:pt x="0" y="8033038"/>
+                </a:lnTo>
+                <a:lnTo>
+                  <a:pt x="0" y="0"/>
+                </a:lnTo>
+                <a:close/>
+              </a:path>
+            </a:pathLst>
+          </a:custGeom>
+          <a:blipFill>
+            <a:blip r:embed="rId5"/>
+            <a:stretch>
+              <a:fillRect l="-4161" t="-2674" r="-807" b="0"/>
+            </a:stretch>
+          </a:blipFill>
+        </p:spPr>
+      </p:sp>
+      <p:sp>
+        <p:nvSpPr>
+          <p:cNvPr name="TextBox 6" id="6"/>
           <p:cNvSpPr txBox="true"/>
           <p:nvPr/>
         </p:nvSpPr>
@@ -6802,6 +6992,558 @@
               </a:rPr>
               <a:t>PITCH DECK PRESENTATION</a:t>
             </a:r>
+          </a:p>
+        </p:txBody>
+      </p:sp>
+      <p:sp>
+        <p:nvSpPr>
+          <p:cNvPr name="TextBox 7" id="7"/>
+          <p:cNvSpPr txBox="true"/>
+          <p:nvPr/>
+        </p:nvSpPr>
+        <p:spPr>
+          <a:xfrm rot="0">
+            <a:off x="1028700" y="511112"/>
+            <a:ext cx="7631249" cy="514807"/>
+          </a:xfrm>
+          <a:prstGeom prst="rect">
+            <a:avLst/>
+          </a:prstGeom>
+        </p:spPr>
+        <p:txBody>
+          <a:bodyPr anchor="t" rtlCol="false" tIns="0" lIns="0" bIns="0" rIns="0">
+            <a:spAutoFit/>
+          </a:bodyPr>
+          <a:lstStyle/>
+          <a:p>
+            <a:pPr algn="l">
+              <a:lnSpc>
+                <a:spcPts val="3434"/>
+              </a:lnSpc>
+              <a:spcBef>
+                <a:spcPct val="0"/>
+              </a:spcBef>
+            </a:pPr>
+            <a:r>
+              <a:rPr lang="en-US" b="true" sz="3240" spc="25">
+                <a:solidFill>
+                  <a:srgbClr val="7C7AAC"/>
+                </a:solidFill>
+                <a:latin typeface="Futura Bold"/>
+                <a:ea typeface="Futura Bold"/>
+                <a:cs typeface="Futura Bold"/>
+                <a:sym typeface="Futura Bold"/>
+              </a:rPr>
+              <a:t>System Architecture</a:t>
+            </a:r>
+          </a:p>
+        </p:txBody>
+      </p:sp>
+    </p:spTree>
+  </p:cSld>
+  <p:clrMapOvr>
+    <a:masterClrMapping/>
+  </p:clrMapOvr>
+</p:sld>
+</file>
+
+<file path=ppt/slides/slide19.xml><?xml version="1.0" encoding="utf-8"?>
+<p:sld xmlns:p="http://schemas.openxmlformats.org/presentationml/2006/main" xmlns:a="http://schemas.openxmlformats.org/drawingml/2006/main" xmlns:r="http://schemas.openxmlformats.org/officeDocument/2006/relationships">
+  <p:cSld>
+    <p:spTree>
+      <p:nvGrpSpPr>
+        <p:cNvPr id="1" name=""/>
+        <p:cNvGrpSpPr/>
+        <p:nvPr/>
+      </p:nvGrpSpPr>
+      <p:grpSpPr>
+        <a:xfrm>
+          <a:off x="0" y="0"/>
+          <a:ext cx="0" cy="0"/>
+          <a:chOff x="0" y="0"/>
+          <a:chExt cx="0" cy="0"/>
+        </a:xfrm>
+      </p:grpSpPr>
+      <p:sp>
+        <p:nvSpPr>
+          <p:cNvPr name="Freeform 2" id="2"/>
+          <p:cNvSpPr/>
+          <p:nvPr/>
+        </p:nvSpPr>
+        <p:spPr>
+          <a:xfrm flipH="false" flipV="false" rot="0">
+            <a:off x="0" y="0"/>
+            <a:ext cx="18288000" cy="10287000"/>
+          </a:xfrm>
+          <a:custGeom>
+            <a:avLst/>
+            <a:gdLst/>
+            <a:ahLst/>
+            <a:cxnLst/>
+            <a:rect r="r" b="b" t="t" l="l"/>
+            <a:pathLst>
+              <a:path h="10287000" w="18288000">
+                <a:moveTo>
+                  <a:pt x="0" y="0"/>
+                </a:moveTo>
+                <a:lnTo>
+                  <a:pt x="18288000" y="0"/>
+                </a:lnTo>
+                <a:lnTo>
+                  <a:pt x="18288000" y="10287000"/>
+                </a:lnTo>
+                <a:lnTo>
+                  <a:pt x="0" y="10287000"/>
+                </a:lnTo>
+                <a:lnTo>
+                  <a:pt x="0" y="0"/>
+                </a:lnTo>
+                <a:close/>
+              </a:path>
+            </a:pathLst>
+          </a:custGeom>
+          <a:blipFill>
+            <a:blip r:embed="rId2"/>
+            <a:stretch>
+              <a:fillRect l="0" t="-9222" r="0" b="-9222"/>
+            </a:stretch>
+          </a:blipFill>
+        </p:spPr>
+      </p:sp>
+      <p:sp>
+        <p:nvSpPr>
+          <p:cNvPr name="Freeform 3" id="3"/>
+          <p:cNvSpPr/>
+          <p:nvPr/>
+        </p:nvSpPr>
+        <p:spPr>
+          <a:xfrm flipH="true" flipV="false" rot="0">
+            <a:off x="1028700" y="8891519"/>
+            <a:ext cx="371510" cy="366781"/>
+          </a:xfrm>
+          <a:custGeom>
+            <a:avLst/>
+            <a:gdLst/>
+            <a:ahLst/>
+            <a:cxnLst/>
+            <a:rect r="r" b="b" t="t" l="l"/>
+            <a:pathLst>
+              <a:path h="366781" w="371510">
+                <a:moveTo>
+                  <a:pt x="371510" y="0"/>
+                </a:moveTo>
+                <a:lnTo>
+                  <a:pt x="0" y="0"/>
+                </a:lnTo>
+                <a:lnTo>
+                  <a:pt x="0" y="366781"/>
+                </a:lnTo>
+                <a:lnTo>
+                  <a:pt x="371510" y="366781"/>
+                </a:lnTo>
+                <a:lnTo>
+                  <a:pt x="371510" y="0"/>
+                </a:lnTo>
+                <a:close/>
+              </a:path>
+            </a:pathLst>
+          </a:custGeom>
+          <a:blipFill>
+            <a:blip r:embed="rId3">
+              <a:extLst>
+                <a:ext uri="{96DAC541-7B7A-43D3-8B79-37D633B846F1}">
+                  <asvg:svgBlip xmlns:asvg="http://schemas.microsoft.com/office/drawing/2016/SVG/main" r:embed="rId4"/>
+                </a:ext>
+              </a:extLst>
+            </a:blip>
+            <a:stretch>
+              <a:fillRect l="0" t="0" r="0" b="0"/>
+            </a:stretch>
+          </a:blipFill>
+        </p:spPr>
+      </p:sp>
+      <p:sp>
+        <p:nvSpPr>
+          <p:cNvPr name="Freeform 4" id="4"/>
+          <p:cNvSpPr/>
+          <p:nvPr/>
+        </p:nvSpPr>
+        <p:spPr>
+          <a:xfrm flipH="false" flipV="true" rot="0">
+            <a:off x="16499478" y="1028700"/>
+            <a:ext cx="759822" cy="750151"/>
+          </a:xfrm>
+          <a:custGeom>
+            <a:avLst/>
+            <a:gdLst/>
+            <a:ahLst/>
+            <a:cxnLst/>
+            <a:rect r="r" b="b" t="t" l="l"/>
+            <a:pathLst>
+              <a:path h="750151" w="759822">
+                <a:moveTo>
+                  <a:pt x="0" y="750151"/>
+                </a:moveTo>
+                <a:lnTo>
+                  <a:pt x="759822" y="750151"/>
+                </a:lnTo>
+                <a:lnTo>
+                  <a:pt x="759822" y="0"/>
+                </a:lnTo>
+                <a:lnTo>
+                  <a:pt x="0" y="0"/>
+                </a:lnTo>
+                <a:lnTo>
+                  <a:pt x="0" y="750151"/>
+                </a:lnTo>
+                <a:close/>
+              </a:path>
+            </a:pathLst>
+          </a:custGeom>
+          <a:blipFill>
+            <a:blip r:embed="rId3">
+              <a:extLst>
+                <a:ext uri="{96DAC541-7B7A-43D3-8B79-37D633B846F1}">
+                  <asvg:svgBlip xmlns:asvg="http://schemas.microsoft.com/office/drawing/2016/SVG/main" r:embed="rId4"/>
+                </a:ext>
+              </a:extLst>
+            </a:blip>
+            <a:stretch>
+              <a:fillRect l="0" t="0" r="0" b="0"/>
+            </a:stretch>
+          </a:blipFill>
+        </p:spPr>
+      </p:sp>
+      <p:sp>
+        <p:nvSpPr>
+          <p:cNvPr name="TextBox 5" id="5"/>
+          <p:cNvSpPr txBox="true"/>
+          <p:nvPr/>
+        </p:nvSpPr>
+        <p:spPr>
+          <a:xfrm rot="-5400000">
+            <a:off x="-650433" y="7909011"/>
+            <a:ext cx="2500458" cy="198120"/>
+          </a:xfrm>
+          <a:prstGeom prst="rect">
+            <a:avLst/>
+          </a:prstGeom>
+        </p:spPr>
+        <p:txBody>
+          <a:bodyPr anchor="t" rtlCol="false" tIns="0" lIns="0" bIns="0" rIns="0">
+            <a:spAutoFit/>
+          </a:bodyPr>
+          <a:lstStyle/>
+          <a:p>
+            <a:pPr algn="l">
+              <a:lnSpc>
+                <a:spcPts val="1679"/>
+              </a:lnSpc>
+            </a:pPr>
+            <a:r>
+              <a:rPr lang="en-US" sz="1200" b="true">
+                <a:solidFill>
+                  <a:srgbClr val="7C7AAC"/>
+                </a:solidFill>
+                <a:latin typeface="Montserrat Bold"/>
+                <a:ea typeface="Montserrat Bold"/>
+                <a:cs typeface="Montserrat Bold"/>
+                <a:sym typeface="Montserrat Bold"/>
+              </a:rPr>
+              <a:t>PITCH DECK PRESENTATION</a:t>
+            </a:r>
+          </a:p>
+        </p:txBody>
+      </p:sp>
+      <p:sp>
+        <p:nvSpPr>
+          <p:cNvPr name="TextBox 6" id="6"/>
+          <p:cNvSpPr txBox="true"/>
+          <p:nvPr/>
+        </p:nvSpPr>
+        <p:spPr>
+          <a:xfrm rot="0">
+            <a:off x="1028700" y="511112"/>
+            <a:ext cx="7631249" cy="514807"/>
+          </a:xfrm>
+          <a:prstGeom prst="rect">
+            <a:avLst/>
+          </a:prstGeom>
+        </p:spPr>
+        <p:txBody>
+          <a:bodyPr anchor="t" rtlCol="false" tIns="0" lIns="0" bIns="0" rIns="0">
+            <a:spAutoFit/>
+          </a:bodyPr>
+          <a:lstStyle/>
+          <a:p>
+            <a:pPr algn="l">
+              <a:lnSpc>
+                <a:spcPts val="3434"/>
+              </a:lnSpc>
+              <a:spcBef>
+                <a:spcPct val="0"/>
+              </a:spcBef>
+            </a:pPr>
+            <a:r>
+              <a:rPr lang="en-US" b="true" sz="3240" spc="25">
+                <a:solidFill>
+                  <a:srgbClr val="7C7AAC"/>
+                </a:solidFill>
+                <a:latin typeface="Futura Bold"/>
+                <a:ea typeface="Futura Bold"/>
+                <a:cs typeface="Futura Bold"/>
+                <a:sym typeface="Futura Bold"/>
+              </a:rPr>
+              <a:t>Referernces</a:t>
+            </a:r>
+          </a:p>
+        </p:txBody>
+      </p:sp>
+      <p:sp>
+        <p:nvSpPr>
+          <p:cNvPr name="TextBox 7" id="7"/>
+          <p:cNvSpPr txBox="true"/>
+          <p:nvPr/>
+        </p:nvSpPr>
+        <p:spPr>
+          <a:xfrm rot="0">
+            <a:off x="999629" y="1375201"/>
+            <a:ext cx="15320641" cy="7372807"/>
+          </a:xfrm>
+          <a:prstGeom prst="rect">
+            <a:avLst/>
+          </a:prstGeom>
+        </p:spPr>
+        <p:txBody>
+          <a:bodyPr anchor="t" rtlCol="false" tIns="0" lIns="0" bIns="0" rIns="0">
+            <a:spAutoFit/>
+          </a:bodyPr>
+          <a:lstStyle/>
+          <a:p>
+            <a:pPr algn="l" marL="699516" indent="-349758" lvl="1">
+              <a:lnSpc>
+                <a:spcPts val="3434"/>
+              </a:lnSpc>
+              <a:buFont typeface="Arial"/>
+              <a:buChar char="•"/>
+            </a:pPr>
+            <a:r>
+              <a:rPr lang="en-US" sz="3240" spc="25">
+                <a:solidFill>
+                  <a:srgbClr val="7C7AAC"/>
+                </a:solidFill>
+                <a:latin typeface="Futura"/>
+                <a:ea typeface="Futura"/>
+                <a:cs typeface="Futura"/>
+                <a:sym typeface="Futura"/>
+              </a:rPr>
+              <a:t>Osabutey, E. L. C., &amp; Jackson, T. (2024). Mobile money and financial inclusion in Africa: Emerging themes, challenges and policy implications. Technological Forecasting and Social Change, 1 198, 123339. 2</a:t>
+            </a:r>
+            <a:r>
+              <a:rPr lang="en-US" sz="3240" spc="25" u="sng">
+                <a:solidFill>
+                  <a:srgbClr val="7C7AAC"/>
+                </a:solidFill>
+                <a:latin typeface="Futura"/>
+                <a:ea typeface="Futura"/>
+                <a:cs typeface="Futura"/>
+                <a:sym typeface="Futura"/>
+                <a:hlinkClick r:id="rId5" tooltip="https://doi.org/10.1016/j.techfore.2024.123339"/>
+              </a:rPr>
+              <a:t> https://doi.org/10.1016/j.techfore.2024.123339</a:t>
+            </a:r>
+          </a:p>
+          <a:p>
+            <a:pPr algn="l" marL="699516" indent="-349758" lvl="1">
+              <a:lnSpc>
+                <a:spcPts val="3434"/>
+              </a:lnSpc>
+              <a:buFont typeface="Arial"/>
+              <a:buChar char="•"/>
+            </a:pPr>
+            <a:r>
+              <a:rPr lang="en-US" sz="3240" spc="25">
+                <a:solidFill>
+                  <a:srgbClr val="7C7AAC"/>
+                </a:solidFill>
+                <a:latin typeface="Futura"/>
+                <a:ea typeface="Futura"/>
+                <a:cs typeface="Futura"/>
+                <a:sym typeface="Futura"/>
+              </a:rPr>
+              <a:t>Tsokota, Theo; Chipfumbu, Collector; and Maseko, Melody. (2023). The Dark Side of Mobile Money Transfer: A Case Study of Zimbabwe.</a:t>
+            </a:r>
+          </a:p>
+          <a:p>
+            <a:pPr algn="l" marL="699516" indent="-349758" lvl="1">
+              <a:lnSpc>
+                <a:spcPts val="3434"/>
+              </a:lnSpc>
+              <a:buFont typeface="Arial"/>
+              <a:buChar char="•"/>
+            </a:pPr>
+            <a:r>
+              <a:rPr lang="en-US" sz="3240" spc="25">
+                <a:solidFill>
+                  <a:srgbClr val="7C7AAC"/>
+                </a:solidFill>
+                <a:latin typeface="Futura"/>
+                <a:ea typeface="Futura"/>
+                <a:cs typeface="Futura"/>
+                <a:sym typeface="Futura"/>
+              </a:rPr>
+              <a:t>GSMA. (2024). Mobile Money Fraud Typologies and Mitigation Strategies.</a:t>
+            </a:r>
+          </a:p>
+          <a:p>
+            <a:pPr algn="l" marL="699516" indent="-349758" lvl="1">
+              <a:lnSpc>
+                <a:spcPts val="3434"/>
+              </a:lnSpc>
+              <a:buFont typeface="Arial"/>
+              <a:buChar char="•"/>
+            </a:pPr>
+          </a:p>
+          <a:p>
+            <a:pPr algn="l" marL="699516" indent="-349758" lvl="1">
+              <a:lnSpc>
+                <a:spcPts val="3434"/>
+              </a:lnSpc>
+              <a:buFont typeface="Arial"/>
+              <a:buChar char="•"/>
+            </a:pPr>
+            <a:r>
+              <a:rPr lang="en-US" sz="3240" spc="25">
+                <a:solidFill>
+                  <a:srgbClr val="7C7AAC"/>
+                </a:solidFill>
+                <a:latin typeface="Futura"/>
+                <a:ea typeface="Futura"/>
+                <a:cs typeface="Futura"/>
+                <a:sym typeface="Futura"/>
+              </a:rPr>
+              <a:t>Capital Radio Malawi. (2024, September 26). K185 million lost through mobile money fraud. Capital Radio Malawi</a:t>
+            </a:r>
+          </a:p>
+          <a:p>
+            <a:pPr algn="l" marL="699516" indent="-349758" lvl="1">
+              <a:lnSpc>
+                <a:spcPts val="3434"/>
+              </a:lnSpc>
+              <a:buFont typeface="Arial"/>
+              <a:buChar char="•"/>
+            </a:pPr>
+            <a:r>
+              <a:rPr lang="en-US" sz="3240" spc="25" u="sng">
+                <a:solidFill>
+                  <a:srgbClr val="7C7AAC"/>
+                </a:solidFill>
+                <a:latin typeface="Futura"/>
+                <a:ea typeface="Futura"/>
+                <a:cs typeface="Futura"/>
+                <a:sym typeface="Futura"/>
+                <a:hlinkClick r:id="rId6" tooltip="https://www.capitalradiomalawi.com/2024/09/26/k185-million-lost-through-mobile-money-fraud/"/>
+              </a:rPr>
+              <a:t>https://www.capitalradiomalawi.com/2024/09/26/k185-million-lost-through-mobile-money-fraud/</a:t>
+            </a:r>
+          </a:p>
+          <a:p>
+            <a:pPr algn="l" marL="699516" indent="-349758" lvl="1">
+              <a:lnSpc>
+                <a:spcPts val="3434"/>
+              </a:lnSpc>
+              <a:buFont typeface="Arial"/>
+              <a:buChar char="•"/>
+            </a:pPr>
+            <a:r>
+              <a:rPr lang="en-US" sz="3240" spc="25">
+                <a:solidFill>
+                  <a:srgbClr val="7C7AAC"/>
+                </a:solidFill>
+                <a:latin typeface="Futura"/>
+                <a:ea typeface="Futura"/>
+                <a:cs typeface="Futura"/>
+                <a:sym typeface="Futura"/>
+              </a:rPr>
+              <a:t>Itweb Africa. (2023, September 21). Malawi losing MWK120m monthly to mobile fraud. Itweb Africa.</a:t>
+            </a:r>
+            <a:r>
+              <a:rPr lang="en-US" sz="3240" spc="25" u="sng">
+                <a:solidFill>
+                  <a:srgbClr val="7C7AAC"/>
+                </a:solidFill>
+                <a:latin typeface="Futura"/>
+                <a:ea typeface="Futura"/>
+                <a:cs typeface="Futura"/>
+                <a:sym typeface="Futura"/>
+                <a:hlinkClick r:id="rId7" tooltip="https://itweb.africa/content/wbrpOqg295lMDLZn"/>
+              </a:rPr>
+              <a:t> </a:t>
+            </a:r>
+          </a:p>
+          <a:p>
+            <a:pPr algn="l" marL="699516" indent="-349758" lvl="1">
+              <a:lnSpc>
+                <a:spcPts val="3434"/>
+              </a:lnSpc>
+              <a:buFont typeface="Arial"/>
+              <a:buChar char="•"/>
+            </a:pPr>
+            <a:r>
+              <a:rPr lang="en-US" sz="3240" spc="25" u="sng">
+                <a:solidFill>
+                  <a:srgbClr val="7C7AAC"/>
+                </a:solidFill>
+                <a:latin typeface="Futura"/>
+                <a:ea typeface="Futura"/>
+                <a:cs typeface="Futura"/>
+                <a:sym typeface="Futura"/>
+                <a:hlinkClick r:id="rId8" tooltip="https://itweb.africa/content/wbrpOqg295lMDLZn"/>
+              </a:rPr>
+              <a:t>https://itweb.africa/content/wbrpOqg295lMDLZn</a:t>
+            </a:r>
+            <a:r>
+              <a:rPr lang="en-US" sz="3240" spc="25">
+                <a:solidFill>
+                  <a:srgbClr val="7C7AAC"/>
+                </a:solidFill>
+                <a:latin typeface="Futura"/>
+                <a:ea typeface="Futura"/>
+                <a:cs typeface="Futura"/>
+                <a:sym typeface="Futura"/>
+              </a:rPr>
+              <a:t>   </a:t>
+            </a:r>
+          </a:p>
+          <a:p>
+            <a:pPr algn="l" marL="699516" indent="-349758" lvl="1">
+              <a:lnSpc>
+                <a:spcPts val="3434"/>
+              </a:lnSpc>
+              <a:buFont typeface="Arial"/>
+              <a:buChar char="•"/>
+            </a:pPr>
+            <a:r>
+              <a:rPr lang="en-US" sz="3240" spc="25">
+                <a:solidFill>
+                  <a:srgbClr val="7C7AAC"/>
+                </a:solidFill>
+                <a:latin typeface="Futura"/>
+                <a:ea typeface="Futura"/>
+                <a:cs typeface="Futura"/>
+                <a:sym typeface="Futura"/>
+              </a:rPr>
+              <a:t>The Condia. (2024). Malawi Mobile Money Wallet Fraud.</a:t>
+            </a:r>
+          </a:p>
+          <a:p>
+            <a:pPr algn="l" marL="699516" indent="-349758" lvl="1">
+              <a:lnSpc>
+                <a:spcPts val="3434"/>
+              </a:lnSpc>
+              <a:buFont typeface="Arial"/>
+              <a:buChar char="•"/>
+            </a:pPr>
           </a:p>
         </p:txBody>
       </p:sp>
@@ -7181,6 +7923,325 @@
 </p:sld>
 </file>
 
+<file path=ppt/slides/slide20.xml><?xml version="1.0" encoding="utf-8"?>
+<p:sld xmlns:p="http://schemas.openxmlformats.org/presentationml/2006/main" xmlns:a="http://schemas.openxmlformats.org/drawingml/2006/main" xmlns:r="http://schemas.openxmlformats.org/officeDocument/2006/relationships">
+  <p:cSld>
+    <p:spTree>
+      <p:nvGrpSpPr>
+        <p:cNvPr id="1" name=""/>
+        <p:cNvGrpSpPr/>
+        <p:nvPr/>
+      </p:nvGrpSpPr>
+      <p:grpSpPr>
+        <a:xfrm>
+          <a:off x="0" y="0"/>
+          <a:ext cx="0" cy="0"/>
+          <a:chOff x="0" y="0"/>
+          <a:chExt cx="0" cy="0"/>
+        </a:xfrm>
+      </p:grpSpPr>
+      <p:sp>
+        <p:nvSpPr>
+          <p:cNvPr name="Freeform 2" id="2"/>
+          <p:cNvSpPr/>
+          <p:nvPr/>
+        </p:nvSpPr>
+        <p:spPr>
+          <a:xfrm flipH="false" flipV="false" rot="0">
+            <a:off x="0" y="0"/>
+            <a:ext cx="18288000" cy="10287000"/>
+          </a:xfrm>
+          <a:custGeom>
+            <a:avLst/>
+            <a:gdLst/>
+            <a:ahLst/>
+            <a:cxnLst/>
+            <a:rect r="r" b="b" t="t" l="l"/>
+            <a:pathLst>
+              <a:path h="10287000" w="18288000">
+                <a:moveTo>
+                  <a:pt x="0" y="0"/>
+                </a:moveTo>
+                <a:lnTo>
+                  <a:pt x="18288000" y="0"/>
+                </a:lnTo>
+                <a:lnTo>
+                  <a:pt x="18288000" y="10287000"/>
+                </a:lnTo>
+                <a:lnTo>
+                  <a:pt x="0" y="10287000"/>
+                </a:lnTo>
+                <a:lnTo>
+                  <a:pt x="0" y="0"/>
+                </a:lnTo>
+                <a:close/>
+              </a:path>
+            </a:pathLst>
+          </a:custGeom>
+          <a:blipFill>
+            <a:blip r:embed="rId2"/>
+            <a:stretch>
+              <a:fillRect l="0" t="-9222" r="0" b="-9222"/>
+            </a:stretch>
+          </a:blipFill>
+        </p:spPr>
+      </p:sp>
+      <p:sp>
+        <p:nvSpPr>
+          <p:cNvPr name="TextBox 3" id="3"/>
+          <p:cNvSpPr txBox="true"/>
+          <p:nvPr/>
+        </p:nvSpPr>
+        <p:spPr>
+          <a:xfrm rot="0">
+            <a:off x="1028700" y="445771"/>
+            <a:ext cx="14663875" cy="4135409"/>
+          </a:xfrm>
+          <a:prstGeom prst="rect">
+            <a:avLst/>
+          </a:prstGeom>
+        </p:spPr>
+        <p:txBody>
+          <a:bodyPr anchor="t" rtlCol="false" tIns="0" lIns="0" bIns="0" rIns="0">
+            <a:spAutoFit/>
+          </a:bodyPr>
+          <a:lstStyle/>
+          <a:p>
+            <a:pPr algn="l">
+              <a:lnSpc>
+                <a:spcPts val="15120"/>
+              </a:lnSpc>
+            </a:pPr>
+            <a:r>
+              <a:rPr lang="en-US" sz="13500" b="true">
+                <a:solidFill>
+                  <a:srgbClr val="7C7AAC"/>
+                </a:solidFill>
+                <a:latin typeface="Futura Bold"/>
+                <a:ea typeface="Futura Bold"/>
+                <a:cs typeface="Futura Bold"/>
+                <a:sym typeface="Futura Bold"/>
+              </a:rPr>
+              <a:t>Thank You</a:t>
+            </a:r>
+          </a:p>
+          <a:p>
+            <a:pPr algn="l">
+              <a:lnSpc>
+                <a:spcPts val="15120"/>
+              </a:lnSpc>
+            </a:pPr>
+            <a:r>
+              <a:rPr lang="en-US" sz="13500" b="true">
+                <a:solidFill>
+                  <a:srgbClr val="7C7AAC"/>
+                </a:solidFill>
+                <a:latin typeface="Futura Bold"/>
+                <a:ea typeface="Futura Bold"/>
+                <a:cs typeface="Futura Bold"/>
+                <a:sym typeface="Futura Bold"/>
+              </a:rPr>
+              <a:t>Merci</a:t>
+            </a:r>
+          </a:p>
+        </p:txBody>
+      </p:sp>
+      <p:sp>
+        <p:nvSpPr>
+          <p:cNvPr name="TextBox 4" id="4"/>
+          <p:cNvSpPr txBox="true"/>
+          <p:nvPr/>
+        </p:nvSpPr>
+        <p:spPr>
+          <a:xfrm rot="0">
+            <a:off x="0" y="6679922"/>
+            <a:ext cx="18288000" cy="3607078"/>
+          </a:xfrm>
+          <a:prstGeom prst="rect">
+            <a:avLst/>
+          </a:prstGeom>
+        </p:spPr>
+        <p:txBody>
+          <a:bodyPr anchor="t" rtlCol="false" tIns="0" lIns="0" bIns="0" rIns="0">
+            <a:spAutoFit/>
+          </a:bodyPr>
+          <a:lstStyle/>
+          <a:p>
+            <a:pPr algn="r">
+              <a:lnSpc>
+                <a:spcPts val="22422"/>
+              </a:lnSpc>
+            </a:pPr>
+            <a:r>
+              <a:rPr lang="en-US" b="true" sz="25773" spc="4123">
+                <a:solidFill>
+                  <a:srgbClr val="041226">
+                    <a:alpha val="4706"/>
+                  </a:srgbClr>
+                </a:solidFill>
+                <a:latin typeface="Futura Bold"/>
+                <a:ea typeface="Futura Bold"/>
+                <a:cs typeface="Futura Bold"/>
+                <a:sym typeface="Futura Bold"/>
+              </a:rPr>
+              <a:t>Zikomo</a:t>
+            </a:r>
+          </a:p>
+        </p:txBody>
+      </p:sp>
+      <p:sp>
+        <p:nvSpPr>
+          <p:cNvPr name="Freeform 5" id="5"/>
+          <p:cNvSpPr/>
+          <p:nvPr/>
+        </p:nvSpPr>
+        <p:spPr>
+          <a:xfrm flipH="true" flipV="false" rot="0">
+            <a:off x="1028700" y="8489021"/>
+            <a:ext cx="759822" cy="750151"/>
+          </a:xfrm>
+          <a:custGeom>
+            <a:avLst/>
+            <a:gdLst/>
+            <a:ahLst/>
+            <a:cxnLst/>
+            <a:rect r="r" b="b" t="t" l="l"/>
+            <a:pathLst>
+              <a:path h="750151" w="759822">
+                <a:moveTo>
+                  <a:pt x="759822" y="0"/>
+                </a:moveTo>
+                <a:lnTo>
+                  <a:pt x="0" y="0"/>
+                </a:lnTo>
+                <a:lnTo>
+                  <a:pt x="0" y="750152"/>
+                </a:lnTo>
+                <a:lnTo>
+                  <a:pt x="759822" y="750152"/>
+                </a:lnTo>
+                <a:lnTo>
+                  <a:pt x="759822" y="0"/>
+                </a:lnTo>
+                <a:close/>
+              </a:path>
+            </a:pathLst>
+          </a:custGeom>
+          <a:blipFill>
+            <a:blip r:embed="rId3">
+              <a:extLst>
+                <a:ext uri="{96DAC541-7B7A-43D3-8B79-37D633B846F1}">
+                  <asvg:svgBlip xmlns:asvg="http://schemas.microsoft.com/office/drawing/2016/SVG/main" r:embed="rId4"/>
+                </a:ext>
+              </a:extLst>
+            </a:blip>
+            <a:stretch>
+              <a:fillRect l="0" t="0" r="0" b="0"/>
+            </a:stretch>
+          </a:blipFill>
+        </p:spPr>
+      </p:sp>
+      <p:sp>
+        <p:nvSpPr>
+          <p:cNvPr name="Freeform 6" id="6"/>
+          <p:cNvSpPr/>
+          <p:nvPr/>
+        </p:nvSpPr>
+        <p:spPr>
+          <a:xfrm flipH="false" flipV="true" rot="0">
+            <a:off x="16887790" y="1028700"/>
+            <a:ext cx="371510" cy="366781"/>
+          </a:xfrm>
+          <a:custGeom>
+            <a:avLst/>
+            <a:gdLst/>
+            <a:ahLst/>
+            <a:cxnLst/>
+            <a:rect r="r" b="b" t="t" l="l"/>
+            <a:pathLst>
+              <a:path h="366781" w="371510">
+                <a:moveTo>
+                  <a:pt x="0" y="366781"/>
+                </a:moveTo>
+                <a:lnTo>
+                  <a:pt x="371510" y="366781"/>
+                </a:lnTo>
+                <a:lnTo>
+                  <a:pt x="371510" y="0"/>
+                </a:lnTo>
+                <a:lnTo>
+                  <a:pt x="0" y="0"/>
+                </a:lnTo>
+                <a:lnTo>
+                  <a:pt x="0" y="366781"/>
+                </a:lnTo>
+                <a:close/>
+              </a:path>
+            </a:pathLst>
+          </a:custGeom>
+          <a:blipFill>
+            <a:blip r:embed="rId3">
+              <a:extLst>
+                <a:ext uri="{96DAC541-7B7A-43D3-8B79-37D633B846F1}">
+                  <asvg:svgBlip xmlns:asvg="http://schemas.microsoft.com/office/drawing/2016/SVG/main" r:embed="rId4"/>
+                </a:ext>
+              </a:extLst>
+            </a:blip>
+            <a:stretch>
+              <a:fillRect l="0" t="0" r="0" b="0"/>
+            </a:stretch>
+          </a:blipFill>
+        </p:spPr>
+      </p:sp>
+      <p:sp>
+        <p:nvSpPr>
+          <p:cNvPr name="TextBox 7" id="7"/>
+          <p:cNvSpPr txBox="true"/>
+          <p:nvPr/>
+        </p:nvSpPr>
+        <p:spPr>
+          <a:xfrm rot="-5400000">
+            <a:off x="-650433" y="7909011"/>
+            <a:ext cx="2500458" cy="198120"/>
+          </a:xfrm>
+          <a:prstGeom prst="rect">
+            <a:avLst/>
+          </a:prstGeom>
+        </p:spPr>
+        <p:txBody>
+          <a:bodyPr anchor="t" rtlCol="false" tIns="0" lIns="0" bIns="0" rIns="0">
+            <a:spAutoFit/>
+          </a:bodyPr>
+          <a:lstStyle/>
+          <a:p>
+            <a:pPr algn="l">
+              <a:lnSpc>
+                <a:spcPts val="1679"/>
+              </a:lnSpc>
+            </a:pPr>
+            <a:r>
+              <a:rPr lang="en-US" sz="1200" b="true">
+                <a:solidFill>
+                  <a:srgbClr val="7C7AAC"/>
+                </a:solidFill>
+                <a:latin typeface="Montserrat Bold"/>
+                <a:ea typeface="Montserrat Bold"/>
+                <a:cs typeface="Montserrat Bold"/>
+                <a:sym typeface="Montserrat Bold"/>
+              </a:rPr>
+              <a:t>PITCH DECK PRESENTATION</a:t>
+            </a:r>
+          </a:p>
+        </p:txBody>
+      </p:sp>
+    </p:spTree>
+  </p:cSld>
+  <p:clrMapOvr>
+    <a:masterClrMapping/>
+  </p:clrMapOvr>
+</p:sld>
+</file>
+
 <file path=ppt/slides/slide3.xml><?xml version="1.0" encoding="utf-8"?>
 <p:sld xmlns:p="http://schemas.openxmlformats.org/presentationml/2006/main" xmlns:a="http://schemas.openxmlformats.org/drawingml/2006/main" xmlns:r="http://schemas.openxmlformats.org/officeDocument/2006/relationships">
   <p:cSld>
@@ -8607,9 +9668,9 @@
           <p:nvPr/>
         </p:nvSpPr>
         <p:spPr>
-          <a:xfrm flipH="true" flipV="true" rot="0">
-            <a:off x="1028700" y="1028700"/>
-            <a:ext cx="759822" cy="750151"/>
+          <a:xfrm flipH="true" flipV="false" rot="0">
+            <a:off x="1028700" y="8891519"/>
+            <a:ext cx="371510" cy="366781"/>
           </a:xfrm>
           <a:custGeom>
             <a:avLst/>
@@ -8618,21 +9679,21 @@
             <a:cxnLst/>
             <a:rect r="r" b="b" t="t" l="l"/>
             <a:pathLst>
-              <a:path h="750151" w="759822">
+              <a:path h="366781" w="371510">
                 <a:moveTo>
-                  <a:pt x="759822" y="750151"/>
+                  <a:pt x="371510" y="0"/>
                 </a:moveTo>
                 <a:lnTo>
-                  <a:pt x="0" y="750151"/>
-                </a:lnTo>
-                <a:lnTo>
                   <a:pt x="0" y="0"/>
                 </a:lnTo>
                 <a:lnTo>
-                  <a:pt x="759822" y="0"/>
-                </a:lnTo>
-                <a:lnTo>
-                  <a:pt x="759822" y="750151"/>
+                  <a:pt x="0" y="366781"/>
+                </a:lnTo>
+                <a:lnTo>
+                  <a:pt x="371510" y="366781"/>
+                </a:lnTo>
+                <a:lnTo>
+                  <a:pt x="371510" y="0"/>
                 </a:lnTo>
                 <a:close/>
               </a:path>
@@ -8654,205 +9715,14 @@
       </p:sp>
       <p:sp>
         <p:nvSpPr>
-          <p:cNvPr name="TextBox 4" id="4"/>
-          <p:cNvSpPr txBox="true"/>
-          <p:nvPr/>
-        </p:nvSpPr>
-        <p:spPr>
-          <a:xfrm rot="0">
-            <a:off x="763565" y="3682822"/>
-            <a:ext cx="8380435" cy="4540101"/>
-          </a:xfrm>
-          <a:prstGeom prst="rect">
-            <a:avLst/>
-          </a:prstGeom>
-        </p:spPr>
-        <p:txBody>
-          <a:bodyPr anchor="t" rtlCol="false" tIns="0" lIns="0" bIns="0" rIns="0">
-            <a:spAutoFit/>
-          </a:bodyPr>
-          <a:lstStyle/>
-          <a:p>
-            <a:pPr algn="l">
-              <a:lnSpc>
-                <a:spcPts val="17255"/>
-              </a:lnSpc>
-            </a:pPr>
-            <a:r>
-              <a:rPr lang="en-US" sz="12325" b="true">
-                <a:solidFill>
-                  <a:srgbClr val="7C7AAC"/>
-                </a:solidFill>
-                <a:latin typeface="Futura Bold"/>
-                <a:ea typeface="Futura Bold"/>
-                <a:cs typeface="Futura Bold"/>
-                <a:sym typeface="Futura Bold"/>
-              </a:rPr>
-              <a:t>Why It </a:t>
-            </a:r>
-          </a:p>
-          <a:p>
-            <a:pPr algn="l">
-              <a:lnSpc>
-                <a:spcPts val="17255"/>
-              </a:lnSpc>
-              <a:spcBef>
-                <a:spcPct val="0"/>
-              </a:spcBef>
-            </a:pPr>
-            <a:r>
-              <a:rPr lang="en-US" sz="12325" b="true">
-                <a:solidFill>
-                  <a:srgbClr val="7C7AAC"/>
-                </a:solidFill>
-                <a:latin typeface="Futura Bold"/>
-                <a:ea typeface="Futura Bold"/>
-                <a:cs typeface="Futura Bold"/>
-                <a:sym typeface="Futura Bold"/>
-              </a:rPr>
-              <a:t>Matters</a:t>
-            </a:r>
-          </a:p>
-        </p:txBody>
-      </p:sp>
-      <p:sp>
-        <p:nvSpPr>
-          <p:cNvPr name="TextBox 5" id="5"/>
-          <p:cNvSpPr txBox="true"/>
-          <p:nvPr/>
-        </p:nvSpPr>
-        <p:spPr>
-          <a:xfrm rot="0">
-            <a:off x="10754779" y="1861446"/>
-            <a:ext cx="6679409" cy="513833"/>
-          </a:xfrm>
-          <a:prstGeom prst="rect">
-            <a:avLst/>
-          </a:prstGeom>
-        </p:spPr>
-        <p:txBody>
-          <a:bodyPr anchor="t" rtlCol="false" tIns="0" lIns="0" bIns="0" rIns="0">
-            <a:spAutoFit/>
-          </a:bodyPr>
-          <a:lstStyle/>
-          <a:p>
-            <a:pPr algn="just">
-              <a:lnSpc>
-                <a:spcPts val="4228"/>
-              </a:lnSpc>
-              <a:spcBef>
-                <a:spcPct val="0"/>
-              </a:spcBef>
-            </a:pPr>
-            <a:r>
-              <a:rPr lang="en-US" b="true" sz="3020">
-                <a:solidFill>
-                  <a:srgbClr val="4D4B66"/>
-                </a:solidFill>
-                <a:latin typeface="Montserrat Bold"/>
-                <a:ea typeface="Montserrat Bold"/>
-                <a:cs typeface="Montserrat Bold"/>
-                <a:sym typeface="Montserrat Bold"/>
-              </a:rPr>
-              <a:t>SecureMoMo - Pamomo</a:t>
-            </a:r>
-          </a:p>
-        </p:txBody>
-      </p:sp>
-      <p:sp>
-        <p:nvSpPr>
-          <p:cNvPr name="TextBox 6" id="6"/>
-          <p:cNvSpPr txBox="true"/>
-          <p:nvPr/>
-        </p:nvSpPr>
-        <p:spPr>
-          <a:xfrm rot="0">
-            <a:off x="2005691" y="5314950"/>
-            <a:ext cx="13039880" cy="2036337"/>
-          </a:xfrm>
-          <a:prstGeom prst="rect">
-            <a:avLst/>
-          </a:prstGeom>
-        </p:spPr>
-        <p:txBody>
-          <a:bodyPr anchor="t" rtlCol="false" tIns="0" lIns="0" bIns="0" rIns="0">
-            <a:spAutoFit/>
-          </a:bodyPr>
-          <a:lstStyle/>
-          <a:p>
-            <a:pPr algn="ctr">
-              <a:lnSpc>
-                <a:spcPts val="12612"/>
-              </a:lnSpc>
-            </a:pPr>
-            <a:r>
-              <a:rPr lang="en-US" b="true" sz="14497" spc="2319">
-                <a:solidFill>
-                  <a:srgbClr val="041226">
-                    <a:alpha val="4706"/>
-                  </a:srgbClr>
-                </a:solidFill>
-                <a:latin typeface="Futura Bold"/>
-                <a:ea typeface="Futura Bold"/>
-                <a:cs typeface="Futura Bold"/>
-                <a:sym typeface="Futura Bold"/>
-              </a:rPr>
-              <a:t>significance</a:t>
-            </a:r>
-          </a:p>
-        </p:txBody>
-      </p:sp>
-      <p:sp>
-        <p:nvSpPr>
-          <p:cNvPr name="TextBox 7" id="7"/>
-          <p:cNvSpPr txBox="true"/>
-          <p:nvPr/>
-        </p:nvSpPr>
-        <p:spPr>
-          <a:xfrm rot="-5400000">
-            <a:off x="-496189" y="2179869"/>
-            <a:ext cx="2500458" cy="198120"/>
-          </a:xfrm>
-          <a:prstGeom prst="rect">
-            <a:avLst/>
-          </a:prstGeom>
-        </p:spPr>
-        <p:txBody>
-          <a:bodyPr anchor="t" rtlCol="false" tIns="0" lIns="0" bIns="0" rIns="0">
-            <a:spAutoFit/>
-          </a:bodyPr>
-          <a:lstStyle/>
-          <a:p>
-            <a:pPr algn="r">
-              <a:lnSpc>
-                <a:spcPts val="1679"/>
-              </a:lnSpc>
-            </a:pPr>
-            <a:r>
-              <a:rPr lang="en-US" b="true" sz="1200">
-                <a:solidFill>
-                  <a:srgbClr val="7C7AAC"/>
-                </a:solidFill>
-                <a:latin typeface="Montserrat Bold"/>
-                <a:ea typeface="Montserrat Bold"/>
-                <a:cs typeface="Montserrat Bold"/>
-                <a:sym typeface="Montserrat Bold"/>
-              </a:rPr>
-              <a:t>PITCH DECK PRESENTATION</a:t>
-            </a:r>
-          </a:p>
-        </p:txBody>
-      </p:sp>
-      <p:sp>
-        <p:nvSpPr>
-          <p:cNvPr name="Freeform 8" id="8"/>
+          <p:cNvPr name="Freeform 4" id="4"/>
           <p:cNvSpPr/>
           <p:nvPr/>
         </p:nvSpPr>
         <p:spPr>
-          <a:xfrm flipH="false" flipV="false" rot="0">
-            <a:off x="16887790" y="8891519"/>
-            <a:ext cx="371510" cy="366781"/>
+          <a:xfrm flipH="false" flipV="true" rot="0">
+            <a:off x="16499478" y="1028700"/>
+            <a:ext cx="759822" cy="750151"/>
           </a:xfrm>
           <a:custGeom>
             <a:avLst/>
@@ -8861,21 +9731,21 @@
             <a:cxnLst/>
             <a:rect r="r" b="b" t="t" l="l"/>
             <a:pathLst>
-              <a:path h="366781" w="371510">
+              <a:path h="750151" w="759822">
                 <a:moveTo>
+                  <a:pt x="0" y="750151"/>
+                </a:moveTo>
+                <a:lnTo>
+                  <a:pt x="759822" y="750151"/>
+                </a:lnTo>
+                <a:lnTo>
+                  <a:pt x="759822" y="0"/>
+                </a:lnTo>
+                <a:lnTo>
                   <a:pt x="0" y="0"/>
-                </a:moveTo>
-                <a:lnTo>
-                  <a:pt x="371510" y="0"/>
-                </a:lnTo>
-                <a:lnTo>
-                  <a:pt x="371510" y="366781"/>
-                </a:lnTo>
-                <a:lnTo>
-                  <a:pt x="0" y="366781"/>
-                </a:lnTo>
-                <a:lnTo>
-                  <a:pt x="0" y="0"/>
+                </a:lnTo>
+                <a:lnTo>
+                  <a:pt x="0" y="750151"/>
                 </a:lnTo>
                 <a:close/>
               </a:path>
@@ -8894,6 +9764,277 @@
             </a:stretch>
           </a:blipFill>
         </p:spPr>
+      </p:sp>
+      <p:sp>
+        <p:nvSpPr>
+          <p:cNvPr name="TextBox 5" id="5"/>
+          <p:cNvSpPr txBox="true"/>
+          <p:nvPr/>
+        </p:nvSpPr>
+        <p:spPr>
+          <a:xfrm rot="-5400000">
+            <a:off x="-650433" y="7909011"/>
+            <a:ext cx="2500458" cy="198120"/>
+          </a:xfrm>
+          <a:prstGeom prst="rect">
+            <a:avLst/>
+          </a:prstGeom>
+        </p:spPr>
+        <p:txBody>
+          <a:bodyPr anchor="t" rtlCol="false" tIns="0" lIns="0" bIns="0" rIns="0">
+            <a:spAutoFit/>
+          </a:bodyPr>
+          <a:lstStyle/>
+          <a:p>
+            <a:pPr algn="l">
+              <a:lnSpc>
+                <a:spcPts val="1679"/>
+              </a:lnSpc>
+            </a:pPr>
+            <a:r>
+              <a:rPr lang="en-US" sz="1200" b="true">
+                <a:solidFill>
+                  <a:srgbClr val="7C7AAC"/>
+                </a:solidFill>
+                <a:latin typeface="Montserrat Bold"/>
+                <a:ea typeface="Montserrat Bold"/>
+                <a:cs typeface="Montserrat Bold"/>
+                <a:sym typeface="Montserrat Bold"/>
+              </a:rPr>
+              <a:t>PITCH DECK PRESENTATION</a:t>
+            </a:r>
+          </a:p>
+        </p:txBody>
+      </p:sp>
+      <p:sp>
+        <p:nvSpPr>
+          <p:cNvPr name="TextBox 6" id="6"/>
+          <p:cNvSpPr txBox="true"/>
+          <p:nvPr/>
+        </p:nvSpPr>
+        <p:spPr>
+          <a:xfrm rot="0">
+            <a:off x="640333" y="513893"/>
+            <a:ext cx="4538216" cy="514807"/>
+          </a:xfrm>
+          <a:prstGeom prst="rect">
+            <a:avLst/>
+          </a:prstGeom>
+        </p:spPr>
+        <p:txBody>
+          <a:bodyPr anchor="t" rtlCol="false" tIns="0" lIns="0" bIns="0" rIns="0">
+            <a:spAutoFit/>
+          </a:bodyPr>
+          <a:lstStyle/>
+          <a:p>
+            <a:pPr algn="ctr">
+              <a:lnSpc>
+                <a:spcPts val="3434"/>
+              </a:lnSpc>
+              <a:spcBef>
+                <a:spcPct val="0"/>
+              </a:spcBef>
+            </a:pPr>
+            <a:r>
+              <a:rPr lang="en-US" b="true" sz="3240" spc="25">
+                <a:solidFill>
+                  <a:srgbClr val="7C7AAC"/>
+                </a:solidFill>
+                <a:latin typeface="Futura Bold"/>
+                <a:ea typeface="Futura Bold"/>
+                <a:cs typeface="Futura Bold"/>
+                <a:sym typeface="Futura Bold"/>
+              </a:rPr>
+              <a:t>Data Behind The Problem</a:t>
+            </a:r>
+          </a:p>
+        </p:txBody>
+      </p:sp>
+      <p:sp>
+        <p:nvSpPr>
+          <p:cNvPr name="TextBox 7" id="7"/>
+          <p:cNvSpPr txBox="true"/>
+          <p:nvPr/>
+        </p:nvSpPr>
+        <p:spPr>
+          <a:xfrm rot="0">
+            <a:off x="698856" y="1750276"/>
+            <a:ext cx="15470778" cy="4372432"/>
+          </a:xfrm>
+          <a:prstGeom prst="rect">
+            <a:avLst/>
+          </a:prstGeom>
+        </p:spPr>
+        <p:txBody>
+          <a:bodyPr anchor="t" rtlCol="false" tIns="0" lIns="0" bIns="0" rIns="0">
+            <a:spAutoFit/>
+          </a:bodyPr>
+          <a:lstStyle/>
+          <a:p>
+            <a:pPr algn="l" marL="699516" indent="-349758" lvl="1">
+              <a:lnSpc>
+                <a:spcPts val="3434"/>
+              </a:lnSpc>
+              <a:buFont typeface="Arial"/>
+              <a:buChar char="•"/>
+            </a:pPr>
+            <a:r>
+              <a:rPr lang="en-US" sz="3240" spc="25">
+                <a:solidFill>
+                  <a:srgbClr val="7C7AAC"/>
+                </a:solidFill>
+                <a:latin typeface="Futura"/>
+                <a:ea typeface="Futura"/>
+                <a:cs typeface="Futura"/>
+                <a:sym typeface="Futura"/>
+              </a:rPr>
+              <a:t>💸 K185 Million Lost to Mobile Money Fraud in Malawi in 2024</a:t>
+            </a:r>
+            <a:r>
+              <a:rPr lang="en-US" sz="3240" spc="25">
+                <a:solidFill>
+                  <a:srgbClr val="7C7AAC"/>
+                </a:solidFill>
+                <a:latin typeface="Futura"/>
+                <a:ea typeface="Futura"/>
+                <a:cs typeface="Futura"/>
+                <a:sym typeface="Futura"/>
+              </a:rPr>
+              <a:t> alone due to weak registration controls (</a:t>
+            </a:r>
+            <a:r>
+              <a:rPr lang="en-US" sz="3240" spc="25" u="sng">
+                <a:solidFill>
+                  <a:srgbClr val="7C7AAC"/>
+                </a:solidFill>
+                <a:latin typeface="Futura"/>
+                <a:ea typeface="Futura"/>
+                <a:cs typeface="Futura"/>
+                <a:sym typeface="Futura"/>
+                <a:hlinkClick r:id="rId5" tooltip="https://www.capitalradiomalawi.com/2024/09/26/k185-million-lost-through-mobile-money-fraud/"/>
+              </a:rPr>
+              <a:t>Capital FM Malawi</a:t>
+            </a:r>
+            <a:r>
+              <a:rPr lang="en-US" sz="3240" spc="25">
+                <a:solidFill>
+                  <a:srgbClr val="7C7AAC"/>
+                </a:solidFill>
+                <a:latin typeface="Futura"/>
+                <a:ea typeface="Futura"/>
+                <a:cs typeface="Futura"/>
+                <a:sym typeface="Futura"/>
+              </a:rPr>
+              <a:t>)</a:t>
+            </a:r>
+          </a:p>
+          <a:p>
+            <a:pPr algn="l">
+              <a:lnSpc>
+                <a:spcPts val="3434"/>
+              </a:lnSpc>
+            </a:pPr>
+          </a:p>
+          <a:p>
+            <a:pPr algn="l" marL="699516" indent="-349758" lvl="1">
+              <a:lnSpc>
+                <a:spcPts val="3434"/>
+              </a:lnSpc>
+              <a:buFont typeface="Arial"/>
+              <a:buChar char="•"/>
+            </a:pPr>
+            <a:r>
+              <a:rPr lang="en-US" sz="3240" spc="25">
+                <a:solidFill>
+                  <a:srgbClr val="7C7AAC"/>
+                </a:solidFill>
+                <a:latin typeface="Futura"/>
+                <a:ea typeface="Futura"/>
+                <a:cs typeface="Futura"/>
+                <a:sym typeface="Futura"/>
+              </a:rPr>
+              <a:t>🔍 70% of fraud cases in Zimbabwe’s mobile money systems involved identity misrepresentation or impersonation (</a:t>
+            </a:r>
+            <a:r>
+              <a:rPr lang="en-US" sz="3240" spc="25" u="sng">
+                <a:solidFill>
+                  <a:srgbClr val="7C7AAC"/>
+                </a:solidFill>
+                <a:latin typeface="Futura"/>
+                <a:ea typeface="Futura"/>
+                <a:cs typeface="Futura"/>
+                <a:sym typeface="Futura"/>
+                <a:hlinkClick r:id="rId6" tooltip="https://doi.org/10.1016/j.techfore.2024.123339"/>
+              </a:rPr>
+              <a:t>Research Paper – “The Dark Side of Mobile Money Transfer”</a:t>
+            </a:r>
+            <a:r>
+              <a:rPr lang="en-US" sz="3240" spc="25">
+                <a:solidFill>
+                  <a:srgbClr val="7C7AAC"/>
+                </a:solidFill>
+                <a:latin typeface="Futura"/>
+                <a:ea typeface="Futura"/>
+                <a:cs typeface="Futura"/>
+                <a:sym typeface="Futura"/>
+              </a:rPr>
+              <a:t>)</a:t>
+            </a:r>
+          </a:p>
+          <a:p>
+            <a:pPr algn="l">
+              <a:lnSpc>
+                <a:spcPts val="3434"/>
+              </a:lnSpc>
+            </a:pPr>
+          </a:p>
+          <a:p>
+            <a:pPr algn="l" marL="699516" indent="-349758" lvl="1">
+              <a:lnSpc>
+                <a:spcPts val="3434"/>
+              </a:lnSpc>
+              <a:buFont typeface="Arial"/>
+              <a:buChar char="•"/>
+            </a:pPr>
+            <a:r>
+              <a:rPr lang="en-US" sz="3240" spc="25">
+                <a:solidFill>
+                  <a:srgbClr val="7C7AAC"/>
+                </a:solidFill>
+                <a:latin typeface="Futura"/>
+                <a:ea typeface="Futura"/>
+                <a:cs typeface="Futura"/>
+                <a:sym typeface="Futura"/>
+              </a:rPr>
+              <a:t>🧍 Over 500 million Africans still lack formal IDs, creating a massive barrier to onboarding into digital financial ecosystems (</a:t>
+            </a:r>
+            <a:r>
+              <a:rPr lang="en-US" sz="3240" spc="25" u="sng">
+                <a:solidFill>
+                  <a:srgbClr val="7C7AAC"/>
+                </a:solidFill>
+                <a:latin typeface="Futura"/>
+                <a:ea typeface="Futura"/>
+                <a:cs typeface="Futura"/>
+                <a:sym typeface="Futura"/>
+                <a:hlinkClick r:id="rId7" tooltip="https://doi.org/10.1016/j.techfore.2024.123339"/>
+              </a:rPr>
+              <a:t>Elsevier – 2024 Forecast on Digital Identity in Africa</a:t>
+            </a:r>
+            <a:r>
+              <a:rPr lang="en-US" sz="3240" spc="25">
+                <a:solidFill>
+                  <a:srgbClr val="7C7AAC"/>
+                </a:solidFill>
+                <a:latin typeface="Futura"/>
+                <a:ea typeface="Futura"/>
+                <a:cs typeface="Futura"/>
+                <a:sym typeface="Futura"/>
+              </a:rPr>
+              <a:t>)</a:t>
+            </a:r>
+          </a:p>
+        </p:txBody>
       </p:sp>
     </p:spTree>
   </p:cSld>
@@ -8973,9 +10114,9 @@
           <p:nvPr/>
         </p:nvSpPr>
         <p:spPr>
-          <a:xfrm flipH="true" flipV="false" rot="0">
-            <a:off x="1028700" y="8891519"/>
-            <a:ext cx="371510" cy="366781"/>
+          <a:xfrm flipH="true" flipV="true" rot="0">
+            <a:off x="1028700" y="1028700"/>
+            <a:ext cx="759822" cy="750151"/>
           </a:xfrm>
           <a:custGeom>
             <a:avLst/>
@@ -8984,21 +10125,21 @@
             <a:cxnLst/>
             <a:rect r="r" b="b" t="t" l="l"/>
             <a:pathLst>
-              <a:path h="366781" w="371510">
+              <a:path h="750151" w="759822">
                 <a:moveTo>
-                  <a:pt x="371510" y="0"/>
+                  <a:pt x="759822" y="750151"/>
                 </a:moveTo>
                 <a:lnTo>
+                  <a:pt x="0" y="750151"/>
+                </a:lnTo>
+                <a:lnTo>
                   <a:pt x="0" y="0"/>
                 </a:lnTo>
                 <a:lnTo>
-                  <a:pt x="0" y="366781"/>
-                </a:lnTo>
-                <a:lnTo>
-                  <a:pt x="371510" y="366781"/>
-                </a:lnTo>
-                <a:lnTo>
-                  <a:pt x="371510" y="0"/>
+                  <a:pt x="759822" y="0"/>
+                </a:lnTo>
+                <a:lnTo>
+                  <a:pt x="759822" y="750151"/>
                 </a:lnTo>
                 <a:close/>
               </a:path>
@@ -9020,14 +10161,205 @@
       </p:sp>
       <p:sp>
         <p:nvSpPr>
-          <p:cNvPr name="Freeform 4" id="4"/>
+          <p:cNvPr name="TextBox 4" id="4"/>
+          <p:cNvSpPr txBox="true"/>
+          <p:nvPr/>
+        </p:nvSpPr>
+        <p:spPr>
+          <a:xfrm rot="0">
+            <a:off x="763565" y="3682822"/>
+            <a:ext cx="8380435" cy="4540101"/>
+          </a:xfrm>
+          <a:prstGeom prst="rect">
+            <a:avLst/>
+          </a:prstGeom>
+        </p:spPr>
+        <p:txBody>
+          <a:bodyPr anchor="t" rtlCol="false" tIns="0" lIns="0" bIns="0" rIns="0">
+            <a:spAutoFit/>
+          </a:bodyPr>
+          <a:lstStyle/>
+          <a:p>
+            <a:pPr algn="l">
+              <a:lnSpc>
+                <a:spcPts val="17255"/>
+              </a:lnSpc>
+            </a:pPr>
+            <a:r>
+              <a:rPr lang="en-US" sz="12325" b="true">
+                <a:solidFill>
+                  <a:srgbClr val="7C7AAC"/>
+                </a:solidFill>
+                <a:latin typeface="Futura Bold"/>
+                <a:ea typeface="Futura Bold"/>
+                <a:cs typeface="Futura Bold"/>
+                <a:sym typeface="Futura Bold"/>
+              </a:rPr>
+              <a:t>Why It </a:t>
+            </a:r>
+          </a:p>
+          <a:p>
+            <a:pPr algn="l">
+              <a:lnSpc>
+                <a:spcPts val="17255"/>
+              </a:lnSpc>
+              <a:spcBef>
+                <a:spcPct val="0"/>
+              </a:spcBef>
+            </a:pPr>
+            <a:r>
+              <a:rPr lang="en-US" sz="12325" b="true">
+                <a:solidFill>
+                  <a:srgbClr val="7C7AAC"/>
+                </a:solidFill>
+                <a:latin typeface="Futura Bold"/>
+                <a:ea typeface="Futura Bold"/>
+                <a:cs typeface="Futura Bold"/>
+                <a:sym typeface="Futura Bold"/>
+              </a:rPr>
+              <a:t>Matters</a:t>
+            </a:r>
+          </a:p>
+        </p:txBody>
+      </p:sp>
+      <p:sp>
+        <p:nvSpPr>
+          <p:cNvPr name="TextBox 5" id="5"/>
+          <p:cNvSpPr txBox="true"/>
+          <p:nvPr/>
+        </p:nvSpPr>
+        <p:spPr>
+          <a:xfrm rot="0">
+            <a:off x="10754779" y="1861446"/>
+            <a:ext cx="6679409" cy="513833"/>
+          </a:xfrm>
+          <a:prstGeom prst="rect">
+            <a:avLst/>
+          </a:prstGeom>
+        </p:spPr>
+        <p:txBody>
+          <a:bodyPr anchor="t" rtlCol="false" tIns="0" lIns="0" bIns="0" rIns="0">
+            <a:spAutoFit/>
+          </a:bodyPr>
+          <a:lstStyle/>
+          <a:p>
+            <a:pPr algn="just">
+              <a:lnSpc>
+                <a:spcPts val="4228"/>
+              </a:lnSpc>
+              <a:spcBef>
+                <a:spcPct val="0"/>
+              </a:spcBef>
+            </a:pPr>
+            <a:r>
+              <a:rPr lang="en-US" b="true" sz="3020">
+                <a:solidFill>
+                  <a:srgbClr val="4D4B66"/>
+                </a:solidFill>
+                <a:latin typeface="Montserrat Bold"/>
+                <a:ea typeface="Montserrat Bold"/>
+                <a:cs typeface="Montserrat Bold"/>
+                <a:sym typeface="Montserrat Bold"/>
+              </a:rPr>
+              <a:t>SecureMoMo - Pamomo</a:t>
+            </a:r>
+          </a:p>
+        </p:txBody>
+      </p:sp>
+      <p:sp>
+        <p:nvSpPr>
+          <p:cNvPr name="TextBox 6" id="6"/>
+          <p:cNvSpPr txBox="true"/>
+          <p:nvPr/>
+        </p:nvSpPr>
+        <p:spPr>
+          <a:xfrm rot="0">
+            <a:off x="2005691" y="5314950"/>
+            <a:ext cx="13039880" cy="2036337"/>
+          </a:xfrm>
+          <a:prstGeom prst="rect">
+            <a:avLst/>
+          </a:prstGeom>
+        </p:spPr>
+        <p:txBody>
+          <a:bodyPr anchor="t" rtlCol="false" tIns="0" lIns="0" bIns="0" rIns="0">
+            <a:spAutoFit/>
+          </a:bodyPr>
+          <a:lstStyle/>
+          <a:p>
+            <a:pPr algn="ctr">
+              <a:lnSpc>
+                <a:spcPts val="12612"/>
+              </a:lnSpc>
+            </a:pPr>
+            <a:r>
+              <a:rPr lang="en-US" b="true" sz="14497" spc="2319">
+                <a:solidFill>
+                  <a:srgbClr val="041226">
+                    <a:alpha val="4706"/>
+                  </a:srgbClr>
+                </a:solidFill>
+                <a:latin typeface="Futura Bold"/>
+                <a:ea typeface="Futura Bold"/>
+                <a:cs typeface="Futura Bold"/>
+                <a:sym typeface="Futura Bold"/>
+              </a:rPr>
+              <a:t>Digital ID</a:t>
+            </a:r>
+          </a:p>
+        </p:txBody>
+      </p:sp>
+      <p:sp>
+        <p:nvSpPr>
+          <p:cNvPr name="TextBox 7" id="7"/>
+          <p:cNvSpPr txBox="true"/>
+          <p:nvPr/>
+        </p:nvSpPr>
+        <p:spPr>
+          <a:xfrm rot="-5400000">
+            <a:off x="-496189" y="2179869"/>
+            <a:ext cx="2500458" cy="198120"/>
+          </a:xfrm>
+          <a:prstGeom prst="rect">
+            <a:avLst/>
+          </a:prstGeom>
+        </p:spPr>
+        <p:txBody>
+          <a:bodyPr anchor="t" rtlCol="false" tIns="0" lIns="0" bIns="0" rIns="0">
+            <a:spAutoFit/>
+          </a:bodyPr>
+          <a:lstStyle/>
+          <a:p>
+            <a:pPr algn="r">
+              <a:lnSpc>
+                <a:spcPts val="1679"/>
+              </a:lnSpc>
+            </a:pPr>
+            <a:r>
+              <a:rPr lang="en-US" b="true" sz="1200">
+                <a:solidFill>
+                  <a:srgbClr val="7C7AAC"/>
+                </a:solidFill>
+                <a:latin typeface="Montserrat Bold"/>
+                <a:ea typeface="Montserrat Bold"/>
+                <a:cs typeface="Montserrat Bold"/>
+                <a:sym typeface="Montserrat Bold"/>
+              </a:rPr>
+              <a:t>PITCH DECK PRESENTATION</a:t>
+            </a:r>
+          </a:p>
+        </p:txBody>
+      </p:sp>
+      <p:sp>
+        <p:nvSpPr>
+          <p:cNvPr name="Freeform 8" id="8"/>
           <p:cNvSpPr/>
           <p:nvPr/>
         </p:nvSpPr>
         <p:spPr>
-          <a:xfrm flipH="false" flipV="true" rot="0">
-            <a:off x="16499478" y="1028700"/>
-            <a:ext cx="759822" cy="750151"/>
+          <a:xfrm flipH="false" flipV="false" rot="0">
+            <a:off x="16887790" y="8891519"/>
+            <a:ext cx="371510" cy="366781"/>
           </a:xfrm>
           <a:custGeom>
             <a:avLst/>
@@ -9036,21 +10368,21 @@
             <a:cxnLst/>
             <a:rect r="r" b="b" t="t" l="l"/>
             <a:pathLst>
-              <a:path h="750151" w="759822">
+              <a:path h="366781" w="371510">
                 <a:moveTo>
-                  <a:pt x="0" y="750151"/>
+                  <a:pt x="0" y="0"/>
                 </a:moveTo>
                 <a:lnTo>
-                  <a:pt x="759822" y="750151"/>
-                </a:lnTo>
-                <a:lnTo>
-                  <a:pt x="759822" y="0"/>
+                  <a:pt x="371510" y="0"/>
+                </a:lnTo>
+                <a:lnTo>
+                  <a:pt x="371510" y="366781"/>
+                </a:lnTo>
+                <a:lnTo>
+                  <a:pt x="0" y="366781"/>
                 </a:lnTo>
                 <a:lnTo>
                   <a:pt x="0" y="0"/>
-                </a:lnTo>
-                <a:lnTo>
-                  <a:pt x="0" y="750151"/>
                 </a:lnTo>
                 <a:close/>
               </a:path>
@@ -9069,277 +10401,6 @@
             </a:stretch>
           </a:blipFill>
         </p:spPr>
-      </p:sp>
-      <p:sp>
-        <p:nvSpPr>
-          <p:cNvPr name="TextBox 5" id="5"/>
-          <p:cNvSpPr txBox="true"/>
-          <p:nvPr/>
-        </p:nvSpPr>
-        <p:spPr>
-          <a:xfrm rot="-5400000">
-            <a:off x="-650433" y="7909011"/>
-            <a:ext cx="2500458" cy="198120"/>
-          </a:xfrm>
-          <a:prstGeom prst="rect">
-            <a:avLst/>
-          </a:prstGeom>
-        </p:spPr>
-        <p:txBody>
-          <a:bodyPr anchor="t" rtlCol="false" tIns="0" lIns="0" bIns="0" rIns="0">
-            <a:spAutoFit/>
-          </a:bodyPr>
-          <a:lstStyle/>
-          <a:p>
-            <a:pPr algn="l">
-              <a:lnSpc>
-                <a:spcPts val="1679"/>
-              </a:lnSpc>
-            </a:pPr>
-            <a:r>
-              <a:rPr lang="en-US" sz="1200" b="true">
-                <a:solidFill>
-                  <a:srgbClr val="7C7AAC"/>
-                </a:solidFill>
-                <a:latin typeface="Montserrat Bold"/>
-                <a:ea typeface="Montserrat Bold"/>
-                <a:cs typeface="Montserrat Bold"/>
-                <a:sym typeface="Montserrat Bold"/>
-              </a:rPr>
-              <a:t>PITCH DECK PRESENTATION</a:t>
-            </a:r>
-          </a:p>
-        </p:txBody>
-      </p:sp>
-      <p:sp>
-        <p:nvSpPr>
-          <p:cNvPr name="TextBox 6" id="6"/>
-          <p:cNvSpPr txBox="true"/>
-          <p:nvPr/>
-        </p:nvSpPr>
-        <p:spPr>
-          <a:xfrm rot="0">
-            <a:off x="1028700" y="511112"/>
-            <a:ext cx="7631249" cy="514807"/>
-          </a:xfrm>
-          <a:prstGeom prst="rect">
-            <a:avLst/>
-          </a:prstGeom>
-        </p:spPr>
-        <p:txBody>
-          <a:bodyPr anchor="t" rtlCol="false" tIns="0" lIns="0" bIns="0" rIns="0">
-            <a:spAutoFit/>
-          </a:bodyPr>
-          <a:lstStyle/>
-          <a:p>
-            <a:pPr algn="l">
-              <a:lnSpc>
-                <a:spcPts val="3434"/>
-              </a:lnSpc>
-              <a:spcBef>
-                <a:spcPct val="0"/>
-              </a:spcBef>
-            </a:pPr>
-            <a:r>
-              <a:rPr lang="en-US" b="true" sz="3240" spc="25">
-                <a:solidFill>
-                  <a:srgbClr val="7C7AAC"/>
-                </a:solidFill>
-                <a:latin typeface="Futura Bold"/>
-                <a:ea typeface="Futura Bold"/>
-                <a:cs typeface="Futura Bold"/>
-                <a:sym typeface="Futura Bold"/>
-              </a:rPr>
-              <a:t>Why It Matters</a:t>
-            </a:r>
-          </a:p>
-        </p:txBody>
-      </p:sp>
-      <p:sp>
-        <p:nvSpPr>
-          <p:cNvPr name="TextBox 7" id="7"/>
-          <p:cNvSpPr txBox="true"/>
-          <p:nvPr/>
-        </p:nvSpPr>
-        <p:spPr>
-          <a:xfrm rot="0">
-            <a:off x="698856" y="1375201"/>
-            <a:ext cx="15320641" cy="6086932"/>
-          </a:xfrm>
-          <a:prstGeom prst="rect">
-            <a:avLst/>
-          </a:prstGeom>
-        </p:spPr>
-        <p:txBody>
-          <a:bodyPr anchor="t" rtlCol="false" tIns="0" lIns="0" bIns="0" rIns="0">
-            <a:spAutoFit/>
-          </a:bodyPr>
-          <a:lstStyle/>
-          <a:p>
-            <a:pPr algn="l" marL="699516" indent="-349758" lvl="1">
-              <a:lnSpc>
-                <a:spcPts val="3434"/>
-              </a:lnSpc>
-              <a:spcBef>
-                <a:spcPct val="0"/>
-              </a:spcBef>
-              <a:buFont typeface="Arial"/>
-              <a:buChar char="•"/>
-            </a:pPr>
-            <a:r>
-              <a:rPr lang="en-US" b="true" sz="3240" spc="25">
-                <a:solidFill>
-                  <a:srgbClr val="7C7AAC"/>
-                </a:solidFill>
-                <a:latin typeface="Futura Bold"/>
-                <a:ea typeface="Futura Bold"/>
-                <a:cs typeface="Futura Bold"/>
-                <a:sym typeface="Futura Bold"/>
-              </a:rPr>
-              <a:t>Boosts Financial Inclusion</a:t>
-            </a:r>
-            <a:r>
-              <a:rPr lang="en-US" sz="3240" spc="25">
-                <a:solidFill>
-                  <a:srgbClr val="7C7AAC"/>
-                </a:solidFill>
-                <a:latin typeface="Futura"/>
-                <a:ea typeface="Futura"/>
-                <a:cs typeface="Futura"/>
-                <a:sym typeface="Futura"/>
-              </a:rPr>
-              <a:t> – Many people are excluded from financial services due to ID-related challenges. A digital identity solution allows for seamless and secure onboarding, improving access to digital finance.</a:t>
-            </a:r>
-          </a:p>
-          <a:p>
-            <a:pPr algn="l" marL="699516" indent="-349758" lvl="1">
-              <a:lnSpc>
-                <a:spcPts val="3434"/>
-              </a:lnSpc>
-              <a:spcBef>
-                <a:spcPct val="0"/>
-              </a:spcBef>
-              <a:buFont typeface="Arial"/>
-              <a:buChar char="•"/>
-            </a:pPr>
-            <a:r>
-              <a:rPr lang="en-US" b="true" sz="3240" spc="25">
-                <a:solidFill>
-                  <a:srgbClr val="7C7AAC"/>
-                </a:solidFill>
-                <a:latin typeface="Futura Bold"/>
-                <a:ea typeface="Futura Bold"/>
-                <a:cs typeface="Futura Bold"/>
-                <a:sym typeface="Futura Bold"/>
-              </a:rPr>
-              <a:t>Enhances Security &amp; Trus</a:t>
-            </a:r>
-            <a:r>
-              <a:rPr lang="en-US" sz="3240" spc="25">
-                <a:solidFill>
-                  <a:srgbClr val="7C7AAC"/>
-                </a:solidFill>
-                <a:latin typeface="Futura"/>
-                <a:ea typeface="Futura"/>
-                <a:cs typeface="Futura"/>
-                <a:sym typeface="Futura"/>
-              </a:rPr>
-              <a:t>t – Mobile money operators struggle to verify and track users, leading to financial institutions distrusting the system. A secure verification method strengthens confidence in digital transactions.</a:t>
-            </a:r>
-          </a:p>
-          <a:p>
-            <a:pPr algn="l" marL="699516" indent="-349758" lvl="1">
-              <a:lnSpc>
-                <a:spcPts val="3434"/>
-              </a:lnSpc>
-              <a:spcBef>
-                <a:spcPct val="0"/>
-              </a:spcBef>
-              <a:buFont typeface="Arial"/>
-              <a:buChar char="•"/>
-            </a:pPr>
-            <a:r>
-              <a:rPr lang="en-US" b="true" sz="3240" spc="25">
-                <a:solidFill>
-                  <a:srgbClr val="7C7AAC"/>
-                </a:solidFill>
-                <a:latin typeface="Futura Bold"/>
-                <a:ea typeface="Futura Bold"/>
-                <a:cs typeface="Futura Bold"/>
-                <a:sym typeface="Futura Bold"/>
-              </a:rPr>
-              <a:t>Regulatory Compliance</a:t>
-            </a:r>
-            <a:r>
-              <a:rPr lang="en-US" sz="3240" spc="25">
-                <a:solidFill>
-                  <a:srgbClr val="7C7AAC"/>
-                </a:solidFill>
-                <a:latin typeface="Futura"/>
-                <a:ea typeface="Futura"/>
-                <a:cs typeface="Futura"/>
-                <a:sym typeface="Futura"/>
-              </a:rPr>
-              <a:t> – Governments and financial institutions require Know Your Customer (KYC) policies to prevent illegal activities. A digital ID system ensures compliance with these regulations.</a:t>
-            </a:r>
-          </a:p>
-          <a:p>
-            <a:pPr algn="l" marL="699516" indent="-349758" lvl="1">
-              <a:lnSpc>
-                <a:spcPts val="3434"/>
-              </a:lnSpc>
-              <a:spcBef>
-                <a:spcPct val="0"/>
-              </a:spcBef>
-              <a:buFont typeface="Arial"/>
-              <a:buChar char="•"/>
-            </a:pPr>
-            <a:r>
-              <a:rPr lang="en-US" b="true" sz="3240" spc="25">
-                <a:solidFill>
-                  <a:srgbClr val="7C7AAC"/>
-                </a:solidFill>
-                <a:latin typeface="Futura Bold"/>
-                <a:ea typeface="Futura Bold"/>
-                <a:cs typeface="Futura Bold"/>
-                <a:sym typeface="Futura Bold"/>
-              </a:rPr>
-              <a:t>Reduces Financial Fraud</a:t>
-            </a:r>
-            <a:r>
-              <a:rPr lang="en-US" sz="3240" spc="25">
-                <a:solidFill>
-                  <a:srgbClr val="7C7AAC"/>
-                </a:solidFill>
-                <a:latin typeface="Futura"/>
-                <a:ea typeface="Futura"/>
-                <a:cs typeface="Futura"/>
-                <a:sym typeface="Futura"/>
-              </a:rPr>
-              <a:t> – Fraudsters exploit weak registration systems to create multiple fake accounts, enabling scams, money laundering, and illicit financial activities.</a:t>
-            </a:r>
-          </a:p>
-          <a:p>
-            <a:pPr algn="l">
-              <a:lnSpc>
-                <a:spcPts val="3434"/>
-              </a:lnSpc>
-              <a:spcBef>
-                <a:spcPct val="0"/>
-              </a:spcBef>
-            </a:pPr>
-          </a:p>
-          <a:p>
-            <a:pPr algn="l">
-              <a:lnSpc>
-                <a:spcPts val="3434"/>
-              </a:lnSpc>
-              <a:spcBef>
-                <a:spcPct val="0"/>
-              </a:spcBef>
-            </a:pPr>
-          </a:p>
-        </p:txBody>
       </p:sp>
     </p:spTree>
   </p:cSld>
@@ -9419,9 +10480,9 @@
           <p:nvPr/>
         </p:nvSpPr>
         <p:spPr>
-          <a:xfrm flipH="true" flipV="true" rot="0">
-            <a:off x="1028700" y="1028700"/>
-            <a:ext cx="759822" cy="750151"/>
+          <a:xfrm flipH="true" flipV="false" rot="0">
+            <a:off x="1028700" y="8891519"/>
+            <a:ext cx="371510" cy="366781"/>
           </a:xfrm>
           <a:custGeom>
             <a:avLst/>
@@ -9430,21 +10491,21 @@
             <a:cxnLst/>
             <a:rect r="r" b="b" t="t" l="l"/>
             <a:pathLst>
-              <a:path h="750151" w="759822">
+              <a:path h="366781" w="371510">
                 <a:moveTo>
-                  <a:pt x="759822" y="750151"/>
+                  <a:pt x="371510" y="0"/>
                 </a:moveTo>
                 <a:lnTo>
-                  <a:pt x="0" y="750151"/>
-                </a:lnTo>
-                <a:lnTo>
                   <a:pt x="0" y="0"/>
                 </a:lnTo>
                 <a:lnTo>
-                  <a:pt x="759822" y="0"/>
-                </a:lnTo>
-                <a:lnTo>
-                  <a:pt x="759822" y="750151"/>
+                  <a:pt x="0" y="366781"/>
+                </a:lnTo>
+                <a:lnTo>
+                  <a:pt x="371510" y="366781"/>
+                </a:lnTo>
+                <a:lnTo>
+                  <a:pt x="371510" y="0"/>
                 </a:lnTo>
                 <a:close/>
               </a:path>
@@ -9466,205 +10527,14 @@
       </p:sp>
       <p:sp>
         <p:nvSpPr>
-          <p:cNvPr name="TextBox 4" id="4"/>
-          <p:cNvSpPr txBox="true"/>
-          <p:nvPr/>
-        </p:nvSpPr>
-        <p:spPr>
-          <a:xfrm rot="0">
-            <a:off x="763565" y="3682822"/>
-            <a:ext cx="8380435" cy="4540101"/>
-          </a:xfrm>
-          <a:prstGeom prst="rect">
-            <a:avLst/>
-          </a:prstGeom>
-        </p:spPr>
-        <p:txBody>
-          <a:bodyPr anchor="t" rtlCol="false" tIns="0" lIns="0" bIns="0" rIns="0">
-            <a:spAutoFit/>
-          </a:bodyPr>
-          <a:lstStyle/>
-          <a:p>
-            <a:pPr algn="l">
-              <a:lnSpc>
-                <a:spcPts val="17255"/>
-              </a:lnSpc>
-            </a:pPr>
-            <a:r>
-              <a:rPr lang="en-US" sz="12325" b="true">
-                <a:solidFill>
-                  <a:srgbClr val="7C7AAC"/>
-                </a:solidFill>
-                <a:latin typeface="Futura Bold"/>
-                <a:ea typeface="Futura Bold"/>
-                <a:cs typeface="Futura Bold"/>
-                <a:sym typeface="Futura Bold"/>
-              </a:rPr>
-              <a:t>Solution</a:t>
-            </a:r>
-          </a:p>
-          <a:p>
-            <a:pPr algn="l">
-              <a:lnSpc>
-                <a:spcPts val="17255"/>
-              </a:lnSpc>
-              <a:spcBef>
-                <a:spcPct val="0"/>
-              </a:spcBef>
-            </a:pPr>
-            <a:r>
-              <a:rPr lang="en-US" sz="12325" b="true">
-                <a:solidFill>
-                  <a:srgbClr val="7C7AAC"/>
-                </a:solidFill>
-                <a:latin typeface="Futura Bold"/>
-                <a:ea typeface="Futura Bold"/>
-                <a:cs typeface="Futura Bold"/>
-                <a:sym typeface="Futura Bold"/>
-              </a:rPr>
-              <a:t>Overview</a:t>
-            </a:r>
-          </a:p>
-        </p:txBody>
-      </p:sp>
-      <p:sp>
-        <p:nvSpPr>
-          <p:cNvPr name="TextBox 5" id="5"/>
-          <p:cNvSpPr txBox="true"/>
-          <p:nvPr/>
-        </p:nvSpPr>
-        <p:spPr>
-          <a:xfrm rot="0">
-            <a:off x="10754779" y="1861446"/>
-            <a:ext cx="6679409" cy="513833"/>
-          </a:xfrm>
-          <a:prstGeom prst="rect">
-            <a:avLst/>
-          </a:prstGeom>
-        </p:spPr>
-        <p:txBody>
-          <a:bodyPr anchor="t" rtlCol="false" tIns="0" lIns="0" bIns="0" rIns="0">
-            <a:spAutoFit/>
-          </a:bodyPr>
-          <a:lstStyle/>
-          <a:p>
-            <a:pPr algn="just">
-              <a:lnSpc>
-                <a:spcPts val="4228"/>
-              </a:lnSpc>
-              <a:spcBef>
-                <a:spcPct val="0"/>
-              </a:spcBef>
-            </a:pPr>
-            <a:r>
-              <a:rPr lang="en-US" b="true" sz="3020">
-                <a:solidFill>
-                  <a:srgbClr val="4D4B66"/>
-                </a:solidFill>
-                <a:latin typeface="Montserrat Bold"/>
-                <a:ea typeface="Montserrat Bold"/>
-                <a:cs typeface="Montserrat Bold"/>
-                <a:sym typeface="Montserrat Bold"/>
-              </a:rPr>
-              <a:t>SecureMoMo - Pamomo</a:t>
-            </a:r>
-          </a:p>
-        </p:txBody>
-      </p:sp>
-      <p:sp>
-        <p:nvSpPr>
-          <p:cNvPr name="TextBox 6" id="6"/>
-          <p:cNvSpPr txBox="true"/>
-          <p:nvPr/>
-        </p:nvSpPr>
-        <p:spPr>
-          <a:xfrm rot="0">
-            <a:off x="2005691" y="5314950"/>
-            <a:ext cx="10844618" cy="2036337"/>
-          </a:xfrm>
-          <a:prstGeom prst="rect">
-            <a:avLst/>
-          </a:prstGeom>
-        </p:spPr>
-        <p:txBody>
-          <a:bodyPr anchor="t" rtlCol="false" tIns="0" lIns="0" bIns="0" rIns="0">
-            <a:spAutoFit/>
-          </a:bodyPr>
-          <a:lstStyle/>
-          <a:p>
-            <a:pPr algn="ctr">
-              <a:lnSpc>
-                <a:spcPts val="12612"/>
-              </a:lnSpc>
-            </a:pPr>
-            <a:r>
-              <a:rPr lang="en-US" b="true" sz="14497" spc="2319">
-                <a:solidFill>
-                  <a:srgbClr val="041226">
-                    <a:alpha val="4706"/>
-                  </a:srgbClr>
-                </a:solidFill>
-                <a:latin typeface="Futura Bold"/>
-                <a:ea typeface="Futura Bold"/>
-                <a:cs typeface="Futura Bold"/>
-                <a:sym typeface="Futura Bold"/>
-              </a:rPr>
-              <a:t>solution</a:t>
-            </a:r>
-          </a:p>
-        </p:txBody>
-      </p:sp>
-      <p:sp>
-        <p:nvSpPr>
-          <p:cNvPr name="TextBox 7" id="7"/>
-          <p:cNvSpPr txBox="true"/>
-          <p:nvPr/>
-        </p:nvSpPr>
-        <p:spPr>
-          <a:xfrm rot="-5400000">
-            <a:off x="-496189" y="2179869"/>
-            <a:ext cx="2500458" cy="198120"/>
-          </a:xfrm>
-          <a:prstGeom prst="rect">
-            <a:avLst/>
-          </a:prstGeom>
-        </p:spPr>
-        <p:txBody>
-          <a:bodyPr anchor="t" rtlCol="false" tIns="0" lIns="0" bIns="0" rIns="0">
-            <a:spAutoFit/>
-          </a:bodyPr>
-          <a:lstStyle/>
-          <a:p>
-            <a:pPr algn="r">
-              <a:lnSpc>
-                <a:spcPts val="1679"/>
-              </a:lnSpc>
-            </a:pPr>
-            <a:r>
-              <a:rPr lang="en-US" b="true" sz="1200">
-                <a:solidFill>
-                  <a:srgbClr val="7C7AAC"/>
-                </a:solidFill>
-                <a:latin typeface="Montserrat Bold"/>
-                <a:ea typeface="Montserrat Bold"/>
-                <a:cs typeface="Montserrat Bold"/>
-                <a:sym typeface="Montserrat Bold"/>
-              </a:rPr>
-              <a:t>PITCH DECK PRESENTATION</a:t>
-            </a:r>
-          </a:p>
-        </p:txBody>
-      </p:sp>
-      <p:sp>
-        <p:nvSpPr>
-          <p:cNvPr name="Freeform 8" id="8"/>
+          <p:cNvPr name="Freeform 4" id="4"/>
           <p:cNvSpPr/>
           <p:nvPr/>
         </p:nvSpPr>
         <p:spPr>
-          <a:xfrm flipH="false" flipV="false" rot="0">
-            <a:off x="16887790" y="8891519"/>
-            <a:ext cx="371510" cy="366781"/>
+          <a:xfrm flipH="false" flipV="true" rot="0">
+            <a:off x="16499478" y="1028700"/>
+            <a:ext cx="759822" cy="750151"/>
           </a:xfrm>
           <a:custGeom>
             <a:avLst/>
@@ -9673,21 +10543,21 @@
             <a:cxnLst/>
             <a:rect r="r" b="b" t="t" l="l"/>
             <a:pathLst>
-              <a:path h="366781" w="371510">
+              <a:path h="750151" w="759822">
                 <a:moveTo>
+                  <a:pt x="0" y="750151"/>
+                </a:moveTo>
+                <a:lnTo>
+                  <a:pt x="759822" y="750151"/>
+                </a:lnTo>
+                <a:lnTo>
+                  <a:pt x="759822" y="0"/>
+                </a:lnTo>
+                <a:lnTo>
                   <a:pt x="0" y="0"/>
-                </a:moveTo>
-                <a:lnTo>
-                  <a:pt x="371510" y="0"/>
-                </a:lnTo>
-                <a:lnTo>
-                  <a:pt x="371510" y="366781"/>
-                </a:lnTo>
-                <a:lnTo>
-                  <a:pt x="0" y="366781"/>
-                </a:lnTo>
-                <a:lnTo>
-                  <a:pt x="0" y="0"/>
+                </a:lnTo>
+                <a:lnTo>
+                  <a:pt x="0" y="750151"/>
                 </a:lnTo>
                 <a:close/>
               </a:path>
@@ -9706,6 +10576,277 @@
             </a:stretch>
           </a:blipFill>
         </p:spPr>
+      </p:sp>
+      <p:sp>
+        <p:nvSpPr>
+          <p:cNvPr name="TextBox 5" id="5"/>
+          <p:cNvSpPr txBox="true"/>
+          <p:nvPr/>
+        </p:nvSpPr>
+        <p:spPr>
+          <a:xfrm rot="-5400000">
+            <a:off x="-650433" y="7909011"/>
+            <a:ext cx="2500458" cy="198120"/>
+          </a:xfrm>
+          <a:prstGeom prst="rect">
+            <a:avLst/>
+          </a:prstGeom>
+        </p:spPr>
+        <p:txBody>
+          <a:bodyPr anchor="t" rtlCol="false" tIns="0" lIns="0" bIns="0" rIns="0">
+            <a:spAutoFit/>
+          </a:bodyPr>
+          <a:lstStyle/>
+          <a:p>
+            <a:pPr algn="l">
+              <a:lnSpc>
+                <a:spcPts val="1679"/>
+              </a:lnSpc>
+            </a:pPr>
+            <a:r>
+              <a:rPr lang="en-US" sz="1200" b="true">
+                <a:solidFill>
+                  <a:srgbClr val="7C7AAC"/>
+                </a:solidFill>
+                <a:latin typeface="Montserrat Bold"/>
+                <a:ea typeface="Montserrat Bold"/>
+                <a:cs typeface="Montserrat Bold"/>
+                <a:sym typeface="Montserrat Bold"/>
+              </a:rPr>
+              <a:t>PITCH DECK PRESENTATION</a:t>
+            </a:r>
+          </a:p>
+        </p:txBody>
+      </p:sp>
+      <p:sp>
+        <p:nvSpPr>
+          <p:cNvPr name="TextBox 6" id="6"/>
+          <p:cNvSpPr txBox="true"/>
+          <p:nvPr/>
+        </p:nvSpPr>
+        <p:spPr>
+          <a:xfrm rot="0">
+            <a:off x="1028700" y="511112"/>
+            <a:ext cx="7631249" cy="514807"/>
+          </a:xfrm>
+          <a:prstGeom prst="rect">
+            <a:avLst/>
+          </a:prstGeom>
+        </p:spPr>
+        <p:txBody>
+          <a:bodyPr anchor="t" rtlCol="false" tIns="0" lIns="0" bIns="0" rIns="0">
+            <a:spAutoFit/>
+          </a:bodyPr>
+          <a:lstStyle/>
+          <a:p>
+            <a:pPr algn="l">
+              <a:lnSpc>
+                <a:spcPts val="3434"/>
+              </a:lnSpc>
+              <a:spcBef>
+                <a:spcPct val="0"/>
+              </a:spcBef>
+            </a:pPr>
+            <a:r>
+              <a:rPr lang="en-US" b="true" sz="3240" spc="25">
+                <a:solidFill>
+                  <a:srgbClr val="7C7AAC"/>
+                </a:solidFill>
+                <a:latin typeface="Futura Bold"/>
+                <a:ea typeface="Futura Bold"/>
+                <a:cs typeface="Futura Bold"/>
+                <a:sym typeface="Futura Bold"/>
+              </a:rPr>
+              <a:t>Why It Matters</a:t>
+            </a:r>
+          </a:p>
+        </p:txBody>
+      </p:sp>
+      <p:sp>
+        <p:nvSpPr>
+          <p:cNvPr name="TextBox 7" id="7"/>
+          <p:cNvSpPr txBox="true"/>
+          <p:nvPr/>
+        </p:nvSpPr>
+        <p:spPr>
+          <a:xfrm rot="0">
+            <a:off x="698856" y="1375201"/>
+            <a:ext cx="15320641" cy="6086932"/>
+          </a:xfrm>
+          <a:prstGeom prst="rect">
+            <a:avLst/>
+          </a:prstGeom>
+        </p:spPr>
+        <p:txBody>
+          <a:bodyPr anchor="t" rtlCol="false" tIns="0" lIns="0" bIns="0" rIns="0">
+            <a:spAutoFit/>
+          </a:bodyPr>
+          <a:lstStyle/>
+          <a:p>
+            <a:pPr algn="l" marL="699516" indent="-349758" lvl="1">
+              <a:lnSpc>
+                <a:spcPts val="3434"/>
+              </a:lnSpc>
+              <a:spcBef>
+                <a:spcPct val="0"/>
+              </a:spcBef>
+              <a:buFont typeface="Arial"/>
+              <a:buChar char="•"/>
+            </a:pPr>
+            <a:r>
+              <a:rPr lang="en-US" b="true" sz="3240" spc="25">
+                <a:solidFill>
+                  <a:srgbClr val="7C7AAC"/>
+                </a:solidFill>
+                <a:latin typeface="Futura Bold"/>
+                <a:ea typeface="Futura Bold"/>
+                <a:cs typeface="Futura Bold"/>
+                <a:sym typeface="Futura Bold"/>
+              </a:rPr>
+              <a:t>Boosts Financial Inclusion</a:t>
+            </a:r>
+            <a:r>
+              <a:rPr lang="en-US" sz="3240" spc="25">
+                <a:solidFill>
+                  <a:srgbClr val="7C7AAC"/>
+                </a:solidFill>
+                <a:latin typeface="Futura"/>
+                <a:ea typeface="Futura"/>
+                <a:cs typeface="Futura"/>
+                <a:sym typeface="Futura"/>
+              </a:rPr>
+              <a:t> – Many people are excluded from financial services due to ID-related challenges. A digital identity solution allows for seamless and secure onboarding, improving access to digital finance.</a:t>
+            </a:r>
+          </a:p>
+          <a:p>
+            <a:pPr algn="l" marL="699516" indent="-349758" lvl="1">
+              <a:lnSpc>
+                <a:spcPts val="3434"/>
+              </a:lnSpc>
+              <a:spcBef>
+                <a:spcPct val="0"/>
+              </a:spcBef>
+              <a:buFont typeface="Arial"/>
+              <a:buChar char="•"/>
+            </a:pPr>
+            <a:r>
+              <a:rPr lang="en-US" b="true" sz="3240" spc="25">
+                <a:solidFill>
+                  <a:srgbClr val="7C7AAC"/>
+                </a:solidFill>
+                <a:latin typeface="Futura Bold"/>
+                <a:ea typeface="Futura Bold"/>
+                <a:cs typeface="Futura Bold"/>
+                <a:sym typeface="Futura Bold"/>
+              </a:rPr>
+              <a:t>Enhances Security &amp; Trus</a:t>
+            </a:r>
+            <a:r>
+              <a:rPr lang="en-US" sz="3240" spc="25">
+                <a:solidFill>
+                  <a:srgbClr val="7C7AAC"/>
+                </a:solidFill>
+                <a:latin typeface="Futura"/>
+                <a:ea typeface="Futura"/>
+                <a:cs typeface="Futura"/>
+                <a:sym typeface="Futura"/>
+              </a:rPr>
+              <a:t>t – Mobile money operators struggle to verify and track users, leading to financial institutions distrusting the system. A secure verification method strengthens confidence in digital transactions.</a:t>
+            </a:r>
+          </a:p>
+          <a:p>
+            <a:pPr algn="l" marL="699516" indent="-349758" lvl="1">
+              <a:lnSpc>
+                <a:spcPts val="3434"/>
+              </a:lnSpc>
+              <a:spcBef>
+                <a:spcPct val="0"/>
+              </a:spcBef>
+              <a:buFont typeface="Arial"/>
+              <a:buChar char="•"/>
+            </a:pPr>
+            <a:r>
+              <a:rPr lang="en-US" b="true" sz="3240" spc="25">
+                <a:solidFill>
+                  <a:srgbClr val="7C7AAC"/>
+                </a:solidFill>
+                <a:latin typeface="Futura Bold"/>
+                <a:ea typeface="Futura Bold"/>
+                <a:cs typeface="Futura Bold"/>
+                <a:sym typeface="Futura Bold"/>
+              </a:rPr>
+              <a:t>Regulatory Compliance</a:t>
+            </a:r>
+            <a:r>
+              <a:rPr lang="en-US" sz="3240" spc="25">
+                <a:solidFill>
+                  <a:srgbClr val="7C7AAC"/>
+                </a:solidFill>
+                <a:latin typeface="Futura"/>
+                <a:ea typeface="Futura"/>
+                <a:cs typeface="Futura"/>
+                <a:sym typeface="Futura"/>
+              </a:rPr>
+              <a:t> – Governments and financial institutions require Know Your Customer (KYC) policies to prevent illegal activities. A digital ID system ensures compliance with these regulations.</a:t>
+            </a:r>
+          </a:p>
+          <a:p>
+            <a:pPr algn="l" marL="699516" indent="-349758" lvl="1">
+              <a:lnSpc>
+                <a:spcPts val="3434"/>
+              </a:lnSpc>
+              <a:spcBef>
+                <a:spcPct val="0"/>
+              </a:spcBef>
+              <a:buFont typeface="Arial"/>
+              <a:buChar char="•"/>
+            </a:pPr>
+            <a:r>
+              <a:rPr lang="en-US" b="true" sz="3240" spc="25">
+                <a:solidFill>
+                  <a:srgbClr val="7C7AAC"/>
+                </a:solidFill>
+                <a:latin typeface="Futura Bold"/>
+                <a:ea typeface="Futura Bold"/>
+                <a:cs typeface="Futura Bold"/>
+                <a:sym typeface="Futura Bold"/>
+              </a:rPr>
+              <a:t>Reduces Financial Fraud</a:t>
+            </a:r>
+            <a:r>
+              <a:rPr lang="en-US" sz="3240" spc="25">
+                <a:solidFill>
+                  <a:srgbClr val="7C7AAC"/>
+                </a:solidFill>
+                <a:latin typeface="Futura"/>
+                <a:ea typeface="Futura"/>
+                <a:cs typeface="Futura"/>
+                <a:sym typeface="Futura"/>
+              </a:rPr>
+              <a:t> – Fraudsters exploit weak registration systems to create multiple fake accounts, enabling scams, money laundering, and illicit financial activities.</a:t>
+            </a:r>
+          </a:p>
+          <a:p>
+            <a:pPr algn="l">
+              <a:lnSpc>
+                <a:spcPts val="3434"/>
+              </a:lnSpc>
+              <a:spcBef>
+                <a:spcPct val="0"/>
+              </a:spcBef>
+            </a:pPr>
+          </a:p>
+          <a:p>
+            <a:pPr algn="l">
+              <a:lnSpc>
+                <a:spcPts val="3434"/>
+              </a:lnSpc>
+              <a:spcBef>
+                <a:spcPct val="0"/>
+              </a:spcBef>
+            </a:pPr>
+          </a:p>
+        </p:txBody>
       </p:sp>
     </p:spTree>
   </p:cSld>
@@ -9785,9 +10926,9 @@
           <p:nvPr/>
         </p:nvSpPr>
         <p:spPr>
-          <a:xfrm flipH="true" flipV="false" rot="0">
-            <a:off x="1028700" y="8891519"/>
-            <a:ext cx="371510" cy="366781"/>
+          <a:xfrm flipH="true" flipV="true" rot="0">
+            <a:off x="1028700" y="1028700"/>
+            <a:ext cx="759822" cy="750151"/>
           </a:xfrm>
           <a:custGeom>
             <a:avLst/>
@@ -9796,21 +10937,21 @@
             <a:cxnLst/>
             <a:rect r="r" b="b" t="t" l="l"/>
             <a:pathLst>
-              <a:path h="366781" w="371510">
+              <a:path h="750151" w="759822">
                 <a:moveTo>
-                  <a:pt x="371510" y="0"/>
+                  <a:pt x="759822" y="750151"/>
                 </a:moveTo>
                 <a:lnTo>
+                  <a:pt x="0" y="750151"/>
+                </a:lnTo>
+                <a:lnTo>
                   <a:pt x="0" y="0"/>
                 </a:lnTo>
                 <a:lnTo>
-                  <a:pt x="0" y="366781"/>
-                </a:lnTo>
-                <a:lnTo>
-                  <a:pt x="371510" y="366781"/>
-                </a:lnTo>
-                <a:lnTo>
-                  <a:pt x="371510" y="0"/>
+                  <a:pt x="759822" y="0"/>
+                </a:lnTo>
+                <a:lnTo>
+                  <a:pt x="759822" y="750151"/>
                 </a:lnTo>
                 <a:close/>
               </a:path>
@@ -9832,14 +10973,205 @@
       </p:sp>
       <p:sp>
         <p:nvSpPr>
-          <p:cNvPr name="Freeform 4" id="4"/>
+          <p:cNvPr name="TextBox 4" id="4"/>
+          <p:cNvSpPr txBox="true"/>
+          <p:nvPr/>
+        </p:nvSpPr>
+        <p:spPr>
+          <a:xfrm rot="0">
+            <a:off x="763565" y="3682822"/>
+            <a:ext cx="8380435" cy="4540101"/>
+          </a:xfrm>
+          <a:prstGeom prst="rect">
+            <a:avLst/>
+          </a:prstGeom>
+        </p:spPr>
+        <p:txBody>
+          <a:bodyPr anchor="t" rtlCol="false" tIns="0" lIns="0" bIns="0" rIns="0">
+            <a:spAutoFit/>
+          </a:bodyPr>
+          <a:lstStyle/>
+          <a:p>
+            <a:pPr algn="l">
+              <a:lnSpc>
+                <a:spcPts val="17255"/>
+              </a:lnSpc>
+            </a:pPr>
+            <a:r>
+              <a:rPr lang="en-US" sz="12325" b="true">
+                <a:solidFill>
+                  <a:srgbClr val="7C7AAC"/>
+                </a:solidFill>
+                <a:latin typeface="Futura Bold"/>
+                <a:ea typeface="Futura Bold"/>
+                <a:cs typeface="Futura Bold"/>
+                <a:sym typeface="Futura Bold"/>
+              </a:rPr>
+              <a:t>Solution</a:t>
+            </a:r>
+          </a:p>
+          <a:p>
+            <a:pPr algn="l">
+              <a:lnSpc>
+                <a:spcPts val="17255"/>
+              </a:lnSpc>
+              <a:spcBef>
+                <a:spcPct val="0"/>
+              </a:spcBef>
+            </a:pPr>
+            <a:r>
+              <a:rPr lang="en-US" sz="12325" b="true">
+                <a:solidFill>
+                  <a:srgbClr val="7C7AAC"/>
+                </a:solidFill>
+                <a:latin typeface="Futura Bold"/>
+                <a:ea typeface="Futura Bold"/>
+                <a:cs typeface="Futura Bold"/>
+                <a:sym typeface="Futura Bold"/>
+              </a:rPr>
+              <a:t>Overview</a:t>
+            </a:r>
+          </a:p>
+        </p:txBody>
+      </p:sp>
+      <p:sp>
+        <p:nvSpPr>
+          <p:cNvPr name="TextBox 5" id="5"/>
+          <p:cNvSpPr txBox="true"/>
+          <p:nvPr/>
+        </p:nvSpPr>
+        <p:spPr>
+          <a:xfrm rot="0">
+            <a:off x="10754779" y="1861446"/>
+            <a:ext cx="6679409" cy="513833"/>
+          </a:xfrm>
+          <a:prstGeom prst="rect">
+            <a:avLst/>
+          </a:prstGeom>
+        </p:spPr>
+        <p:txBody>
+          <a:bodyPr anchor="t" rtlCol="false" tIns="0" lIns="0" bIns="0" rIns="0">
+            <a:spAutoFit/>
+          </a:bodyPr>
+          <a:lstStyle/>
+          <a:p>
+            <a:pPr algn="just">
+              <a:lnSpc>
+                <a:spcPts val="4228"/>
+              </a:lnSpc>
+              <a:spcBef>
+                <a:spcPct val="0"/>
+              </a:spcBef>
+            </a:pPr>
+            <a:r>
+              <a:rPr lang="en-US" b="true" sz="3020">
+                <a:solidFill>
+                  <a:srgbClr val="4D4B66"/>
+                </a:solidFill>
+                <a:latin typeface="Montserrat Bold"/>
+                <a:ea typeface="Montserrat Bold"/>
+                <a:cs typeface="Montserrat Bold"/>
+                <a:sym typeface="Montserrat Bold"/>
+              </a:rPr>
+              <a:t>SecureMoMo - Pamomo</a:t>
+            </a:r>
+          </a:p>
+        </p:txBody>
+      </p:sp>
+      <p:sp>
+        <p:nvSpPr>
+          <p:cNvPr name="TextBox 6" id="6"/>
+          <p:cNvSpPr txBox="true"/>
+          <p:nvPr/>
+        </p:nvSpPr>
+        <p:spPr>
+          <a:xfrm rot="0">
+            <a:off x="2005691" y="5314950"/>
+            <a:ext cx="10844618" cy="2036337"/>
+          </a:xfrm>
+          <a:prstGeom prst="rect">
+            <a:avLst/>
+          </a:prstGeom>
+        </p:spPr>
+        <p:txBody>
+          <a:bodyPr anchor="t" rtlCol="false" tIns="0" lIns="0" bIns="0" rIns="0">
+            <a:spAutoFit/>
+          </a:bodyPr>
+          <a:lstStyle/>
+          <a:p>
+            <a:pPr algn="ctr">
+              <a:lnSpc>
+                <a:spcPts val="12612"/>
+              </a:lnSpc>
+            </a:pPr>
+            <a:r>
+              <a:rPr lang="en-US" b="true" sz="14497" spc="2319">
+                <a:solidFill>
+                  <a:srgbClr val="041226">
+                    <a:alpha val="4706"/>
+                  </a:srgbClr>
+                </a:solidFill>
+                <a:latin typeface="Futura Bold"/>
+                <a:ea typeface="Futura Bold"/>
+                <a:cs typeface="Futura Bold"/>
+                <a:sym typeface="Futura Bold"/>
+              </a:rPr>
+              <a:t>solution</a:t>
+            </a:r>
+          </a:p>
+        </p:txBody>
+      </p:sp>
+      <p:sp>
+        <p:nvSpPr>
+          <p:cNvPr name="TextBox 7" id="7"/>
+          <p:cNvSpPr txBox="true"/>
+          <p:nvPr/>
+        </p:nvSpPr>
+        <p:spPr>
+          <a:xfrm rot="-5400000">
+            <a:off x="-496189" y="2179869"/>
+            <a:ext cx="2500458" cy="198120"/>
+          </a:xfrm>
+          <a:prstGeom prst="rect">
+            <a:avLst/>
+          </a:prstGeom>
+        </p:spPr>
+        <p:txBody>
+          <a:bodyPr anchor="t" rtlCol="false" tIns="0" lIns="0" bIns="0" rIns="0">
+            <a:spAutoFit/>
+          </a:bodyPr>
+          <a:lstStyle/>
+          <a:p>
+            <a:pPr algn="r">
+              <a:lnSpc>
+                <a:spcPts val="1679"/>
+              </a:lnSpc>
+            </a:pPr>
+            <a:r>
+              <a:rPr lang="en-US" b="true" sz="1200">
+                <a:solidFill>
+                  <a:srgbClr val="7C7AAC"/>
+                </a:solidFill>
+                <a:latin typeface="Montserrat Bold"/>
+                <a:ea typeface="Montserrat Bold"/>
+                <a:cs typeface="Montserrat Bold"/>
+                <a:sym typeface="Montserrat Bold"/>
+              </a:rPr>
+              <a:t>PITCH DECK PRESENTATION</a:t>
+            </a:r>
+          </a:p>
+        </p:txBody>
+      </p:sp>
+      <p:sp>
+        <p:nvSpPr>
+          <p:cNvPr name="Freeform 8" id="8"/>
           <p:cNvSpPr/>
           <p:nvPr/>
         </p:nvSpPr>
         <p:spPr>
-          <a:xfrm flipH="false" flipV="true" rot="0">
-            <a:off x="16499478" y="1028700"/>
-            <a:ext cx="759822" cy="750151"/>
+          <a:xfrm flipH="false" flipV="false" rot="0">
+            <a:off x="16887790" y="8891519"/>
+            <a:ext cx="371510" cy="366781"/>
           </a:xfrm>
           <a:custGeom>
             <a:avLst/>
@@ -9848,21 +11180,21 @@
             <a:cxnLst/>
             <a:rect r="r" b="b" t="t" l="l"/>
             <a:pathLst>
-              <a:path h="750151" w="759822">
+              <a:path h="366781" w="371510">
                 <a:moveTo>
-                  <a:pt x="0" y="750151"/>
+                  <a:pt x="0" y="0"/>
                 </a:moveTo>
                 <a:lnTo>
-                  <a:pt x="759822" y="750151"/>
-                </a:lnTo>
-                <a:lnTo>
-                  <a:pt x="759822" y="0"/>
+                  <a:pt x="371510" y="0"/>
+                </a:lnTo>
+                <a:lnTo>
+                  <a:pt x="371510" y="366781"/>
+                </a:lnTo>
+                <a:lnTo>
+                  <a:pt x="0" y="366781"/>
                 </a:lnTo>
                 <a:lnTo>
                   <a:pt x="0" y="0"/>
-                </a:lnTo>
-                <a:lnTo>
-                  <a:pt x="0" y="750151"/>
                 </a:lnTo>
                 <a:close/>
               </a:path>
@@ -9881,382 +11213,6 @@
             </a:stretch>
           </a:blipFill>
         </p:spPr>
-      </p:sp>
-      <p:sp>
-        <p:nvSpPr>
-          <p:cNvPr name="TextBox 5" id="5"/>
-          <p:cNvSpPr txBox="true"/>
-          <p:nvPr/>
-        </p:nvSpPr>
-        <p:spPr>
-          <a:xfrm rot="-5400000">
-            <a:off x="-650433" y="7909011"/>
-            <a:ext cx="2500458" cy="198120"/>
-          </a:xfrm>
-          <a:prstGeom prst="rect">
-            <a:avLst/>
-          </a:prstGeom>
-        </p:spPr>
-        <p:txBody>
-          <a:bodyPr anchor="t" rtlCol="false" tIns="0" lIns="0" bIns="0" rIns="0">
-            <a:spAutoFit/>
-          </a:bodyPr>
-          <a:lstStyle/>
-          <a:p>
-            <a:pPr algn="l">
-              <a:lnSpc>
-                <a:spcPts val="1679"/>
-              </a:lnSpc>
-            </a:pPr>
-            <a:r>
-              <a:rPr lang="en-US" sz="1200" b="true">
-                <a:solidFill>
-                  <a:srgbClr val="7C7AAC"/>
-                </a:solidFill>
-                <a:latin typeface="Montserrat Bold"/>
-                <a:ea typeface="Montserrat Bold"/>
-                <a:cs typeface="Montserrat Bold"/>
-                <a:sym typeface="Montserrat Bold"/>
-              </a:rPr>
-              <a:t>PITCH DECK PRESENTATION</a:t>
-            </a:r>
-          </a:p>
-        </p:txBody>
-      </p:sp>
-      <p:sp>
-        <p:nvSpPr>
-          <p:cNvPr name="TextBox 6" id="6"/>
-          <p:cNvSpPr txBox="true"/>
-          <p:nvPr/>
-        </p:nvSpPr>
-        <p:spPr>
-          <a:xfrm rot="0">
-            <a:off x="1028700" y="511112"/>
-            <a:ext cx="7631249" cy="514807"/>
-          </a:xfrm>
-          <a:prstGeom prst="rect">
-            <a:avLst/>
-          </a:prstGeom>
-        </p:spPr>
-        <p:txBody>
-          <a:bodyPr anchor="t" rtlCol="false" tIns="0" lIns="0" bIns="0" rIns="0">
-            <a:spAutoFit/>
-          </a:bodyPr>
-          <a:lstStyle/>
-          <a:p>
-            <a:pPr algn="l">
-              <a:lnSpc>
-                <a:spcPts val="3434"/>
-              </a:lnSpc>
-              <a:spcBef>
-                <a:spcPct val="0"/>
-              </a:spcBef>
-            </a:pPr>
-            <a:r>
-              <a:rPr lang="en-US" b="true" sz="3240" spc="25">
-                <a:solidFill>
-                  <a:srgbClr val="7C7AAC"/>
-                </a:solidFill>
-                <a:latin typeface="Futura Bold"/>
-                <a:ea typeface="Futura Bold"/>
-                <a:cs typeface="Futura Bold"/>
-                <a:sym typeface="Futura Bold"/>
-              </a:rPr>
-              <a:t>S</a:t>
-            </a:r>
-            <a:r>
-              <a:rPr lang="en-US" b="true" sz="3240" spc="25">
-                <a:solidFill>
-                  <a:srgbClr val="7C7AAC"/>
-                </a:solidFill>
-                <a:latin typeface="Futura Bold"/>
-                <a:ea typeface="Futura Bold"/>
-                <a:cs typeface="Futura Bold"/>
-                <a:sym typeface="Futura Bold"/>
-              </a:rPr>
-              <a:t>olution Overview</a:t>
-            </a:r>
-          </a:p>
-        </p:txBody>
-      </p:sp>
-      <p:sp>
-        <p:nvSpPr>
-          <p:cNvPr name="TextBox 7" id="7"/>
-          <p:cNvSpPr txBox="true"/>
-          <p:nvPr/>
-        </p:nvSpPr>
-        <p:spPr>
-          <a:xfrm rot="0">
-            <a:off x="1028700" y="1264044"/>
-            <a:ext cx="15470778" cy="1372057"/>
-          </a:xfrm>
-          <a:prstGeom prst="rect">
-            <a:avLst/>
-          </a:prstGeom>
-        </p:spPr>
-        <p:txBody>
-          <a:bodyPr anchor="t" rtlCol="false" tIns="0" lIns="0" bIns="0" rIns="0">
-            <a:spAutoFit/>
-          </a:bodyPr>
-          <a:lstStyle/>
-          <a:p>
-            <a:pPr algn="l">
-              <a:lnSpc>
-                <a:spcPts val="3434"/>
-              </a:lnSpc>
-              <a:spcBef>
-                <a:spcPct val="0"/>
-              </a:spcBef>
-            </a:pPr>
-            <a:r>
-              <a:rPr lang="en-US" sz="3240" spc="25">
-                <a:solidFill>
-                  <a:srgbClr val="7C7AAC"/>
-                </a:solidFill>
-                <a:latin typeface="Futura"/>
-                <a:ea typeface="Futura"/>
-                <a:cs typeface="Futura"/>
-                <a:sym typeface="Futura"/>
-              </a:rPr>
-              <a:t>To address the vulnerabilities in mobile money</a:t>
-            </a:r>
-            <a:r>
-              <a:rPr lang="en-US" sz="3240" spc="25">
-                <a:solidFill>
-                  <a:srgbClr val="7C7AAC"/>
-                </a:solidFill>
-                <a:latin typeface="Futura"/>
-                <a:ea typeface="Futura"/>
-                <a:cs typeface="Futura"/>
-                <a:sym typeface="Futura"/>
-              </a:rPr>
-              <a:t> registration, SecureMomo introduces Pamomo, a digital money wallet that integrates digital ID verification for secure user onboarding.</a:t>
-            </a:r>
-          </a:p>
-        </p:txBody>
-      </p:sp>
-      <p:sp>
-        <p:nvSpPr>
-          <p:cNvPr name="TextBox 8" id="8"/>
-          <p:cNvSpPr txBox="true"/>
-          <p:nvPr/>
-        </p:nvSpPr>
-        <p:spPr>
-          <a:xfrm rot="0">
-            <a:off x="1028700" y="3754548"/>
-            <a:ext cx="15320641" cy="4372432"/>
-          </a:xfrm>
-          <a:prstGeom prst="rect">
-            <a:avLst/>
-          </a:prstGeom>
-        </p:spPr>
-        <p:txBody>
-          <a:bodyPr anchor="t" rtlCol="false" tIns="0" lIns="0" bIns="0" rIns="0">
-            <a:spAutoFit/>
-          </a:bodyPr>
-          <a:lstStyle/>
-          <a:p>
-            <a:pPr algn="l" marL="699516" indent="-349758" lvl="1">
-              <a:lnSpc>
-                <a:spcPts val="3434"/>
-              </a:lnSpc>
-              <a:buFont typeface="Arial"/>
-              <a:buChar char="•"/>
-            </a:pPr>
-            <a:r>
-              <a:rPr lang="en-US" b="true" sz="3240" spc="25">
-                <a:solidFill>
-                  <a:srgbClr val="7C7AAC"/>
-                </a:solidFill>
-                <a:latin typeface="Futura Bold"/>
-                <a:ea typeface="Futura Bold"/>
-                <a:cs typeface="Futura Bold"/>
-                <a:sym typeface="Futura Bold"/>
-              </a:rPr>
-              <a:t>Self-Registration</a:t>
-            </a:r>
-            <a:r>
-              <a:rPr lang="en-US" sz="3240" spc="25">
-                <a:solidFill>
-                  <a:srgbClr val="7C7AAC"/>
-                </a:solidFill>
-                <a:latin typeface="Futura"/>
-                <a:ea typeface="Futura"/>
-                <a:cs typeface="Futura"/>
-                <a:sym typeface="Futura"/>
-              </a:rPr>
-              <a:t> – Users create accounts within the Pamomo wallet without needing to visit an agent physically.</a:t>
-            </a:r>
-          </a:p>
-          <a:p>
-            <a:pPr algn="l" marL="699516" indent="-349758" lvl="1">
-              <a:lnSpc>
-                <a:spcPts val="3434"/>
-              </a:lnSpc>
-              <a:buFont typeface="Arial"/>
-              <a:buChar char="•"/>
-            </a:pPr>
-            <a:r>
-              <a:rPr lang="en-US" b="true" sz="3240" spc="25">
-                <a:solidFill>
-                  <a:srgbClr val="7C7AAC"/>
-                </a:solidFill>
-                <a:latin typeface="Futura Bold"/>
-                <a:ea typeface="Futura Bold"/>
-                <a:cs typeface="Futura Bold"/>
-                <a:sym typeface="Futura Bold"/>
-              </a:rPr>
-              <a:t>Digital Identity Verification</a:t>
-            </a:r>
-            <a:r>
-              <a:rPr lang="en-US" sz="3240" spc="25">
-                <a:solidFill>
-                  <a:srgbClr val="7C7AAC"/>
-                </a:solidFill>
-                <a:latin typeface="Futura"/>
-                <a:ea typeface="Futura"/>
-                <a:cs typeface="Futura"/>
-                <a:sym typeface="Futura"/>
-              </a:rPr>
-              <a:t> – Instead of using physical IDs, Pamomo leverages eSignet, a trusted digital ID system, to verify user identities during registration.</a:t>
-            </a:r>
-          </a:p>
-          <a:p>
-            <a:pPr algn="l" marL="699516" indent="-349758" lvl="1">
-              <a:lnSpc>
-                <a:spcPts val="3434"/>
-              </a:lnSpc>
-              <a:buFont typeface="Arial"/>
-              <a:buChar char="•"/>
-            </a:pPr>
-            <a:r>
-              <a:rPr lang="en-US" b="true" sz="3240" spc="25">
-                <a:solidFill>
-                  <a:srgbClr val="7C7AAC"/>
-                </a:solidFill>
-                <a:latin typeface="Futura Bold"/>
-                <a:ea typeface="Futura Bold"/>
-                <a:cs typeface="Futura Bold"/>
-                <a:sym typeface="Futura Bold"/>
-              </a:rPr>
-              <a:t>Secure Data Storage</a:t>
-            </a:r>
-            <a:r>
-              <a:rPr lang="en-US" sz="3240" spc="25">
-                <a:solidFill>
-                  <a:srgbClr val="7C7AAC"/>
-                </a:solidFill>
-                <a:latin typeface="Futura"/>
-                <a:ea typeface="Futura"/>
-                <a:cs typeface="Futura"/>
-                <a:sym typeface="Futura"/>
-              </a:rPr>
-              <a:t> – Once verified, the user's identity is securely linked to their account, preventing fraudulent activities like duplicate or fake registrations.</a:t>
-            </a:r>
-          </a:p>
-          <a:p>
-            <a:pPr algn="l" marL="699516" indent="-349758" lvl="1">
-              <a:lnSpc>
-                <a:spcPts val="3434"/>
-              </a:lnSpc>
-              <a:spcBef>
-                <a:spcPct val="0"/>
-              </a:spcBef>
-              <a:buFont typeface="Arial"/>
-              <a:buChar char="•"/>
-            </a:pPr>
-            <a:r>
-              <a:rPr lang="en-US" b="true" sz="3240" spc="25">
-                <a:solidFill>
-                  <a:srgbClr val="7C7AAC"/>
-                </a:solidFill>
-                <a:latin typeface="Futura Bold"/>
-                <a:ea typeface="Futura Bold"/>
-                <a:cs typeface="Futura Bold"/>
-                <a:sym typeface="Futura Bold"/>
-              </a:rPr>
-              <a:t>Seamless Transactions</a:t>
-            </a:r>
-            <a:r>
-              <a:rPr lang="en-US" sz="3240" spc="25">
-                <a:solidFill>
-                  <a:srgbClr val="7C7AAC"/>
-                </a:solidFill>
-                <a:latin typeface="Futura"/>
-                <a:ea typeface="Futura"/>
-                <a:cs typeface="Futura"/>
-                <a:sym typeface="Futura"/>
-              </a:rPr>
-              <a:t> – Since every account is mapped to a verified identity, mobile money operators and financial institutions can trust transactions, reducing risks of fraud.</a:t>
-            </a:r>
-          </a:p>
-          <a:p>
-            <a:pPr algn="l">
-              <a:lnSpc>
-                <a:spcPts val="3434"/>
-              </a:lnSpc>
-              <a:spcBef>
-                <a:spcPct val="0"/>
-              </a:spcBef>
-            </a:pPr>
-          </a:p>
-        </p:txBody>
-      </p:sp>
-      <p:sp>
-        <p:nvSpPr>
-          <p:cNvPr name="TextBox 9" id="9"/>
-          <p:cNvSpPr txBox="true"/>
-          <p:nvPr/>
-        </p:nvSpPr>
-        <p:spPr>
-          <a:xfrm rot="0">
-            <a:off x="1028700" y="3001615"/>
-            <a:ext cx="7631249" cy="514807"/>
-          </a:xfrm>
-          <a:prstGeom prst="rect">
-            <a:avLst/>
-          </a:prstGeom>
-        </p:spPr>
-        <p:txBody>
-          <a:bodyPr anchor="t" rtlCol="false" tIns="0" lIns="0" bIns="0" rIns="0">
-            <a:spAutoFit/>
-          </a:bodyPr>
-          <a:lstStyle/>
-          <a:p>
-            <a:pPr algn="l">
-              <a:lnSpc>
-                <a:spcPts val="3434"/>
-              </a:lnSpc>
-              <a:spcBef>
-                <a:spcPct val="0"/>
-              </a:spcBef>
-            </a:pPr>
-            <a:r>
-              <a:rPr lang="en-US" b="true" sz="3240" spc="25">
-                <a:solidFill>
-                  <a:srgbClr val="7C7AAC"/>
-                </a:solidFill>
-                <a:latin typeface="Futura Bold"/>
-                <a:ea typeface="Futura Bold"/>
-                <a:cs typeface="Futura Bold"/>
-                <a:sym typeface="Futura Bold"/>
-              </a:rPr>
-              <a:t>How Pam</a:t>
-            </a:r>
-            <a:r>
-              <a:rPr lang="en-US" b="true" sz="3240" spc="25">
-                <a:solidFill>
-                  <a:srgbClr val="7C7AAC"/>
-                </a:solidFill>
-                <a:latin typeface="Futura Bold"/>
-                <a:ea typeface="Futura Bold"/>
-                <a:cs typeface="Futura Bold"/>
-                <a:sym typeface="Futura Bold"/>
-              </a:rPr>
-              <a:t>omo Works</a:t>
-            </a:r>
-          </a:p>
-        </p:txBody>
       </p:sp>
     </p:spTree>
   </p:cSld>
